--- a/Presentation.pptx
+++ b/Presentation.pptx
@@ -5,26 +5,36 @@
     <p:sldMasterId id="2147483648" r:id="rId4"/>
   </p:sldMasterIdLst>
   <p:notesMasterIdLst>
-    <p:notesMasterId r:id="rId19"/>
+    <p:notesMasterId r:id="rId29"/>
   </p:notesMasterIdLst>
   <p:handoutMasterIdLst>
-    <p:handoutMasterId r:id="rId20"/>
+    <p:handoutMasterId r:id="rId30"/>
   </p:handoutMasterIdLst>
   <p:sldIdLst>
     <p:sldId id="256" r:id="rId5"/>
     <p:sldId id="267" r:id="rId6"/>
     <p:sldId id="257" r:id="rId7"/>
-    <p:sldId id="268" r:id="rId8"/>
-    <p:sldId id="269" r:id="rId9"/>
-    <p:sldId id="270" r:id="rId10"/>
-    <p:sldId id="271" r:id="rId11"/>
-    <p:sldId id="272" r:id="rId12"/>
-    <p:sldId id="273" r:id="rId13"/>
-    <p:sldId id="274" r:id="rId14"/>
-    <p:sldId id="275" r:id="rId15"/>
-    <p:sldId id="276" r:id="rId16"/>
-    <p:sldId id="277" r:id="rId17"/>
-    <p:sldId id="278" r:id="rId18"/>
+    <p:sldId id="283" r:id="rId8"/>
+    <p:sldId id="279" r:id="rId9"/>
+    <p:sldId id="280" r:id="rId10"/>
+    <p:sldId id="287" r:id="rId11"/>
+    <p:sldId id="281" r:id="rId12"/>
+    <p:sldId id="286" r:id="rId13"/>
+    <p:sldId id="285" r:id="rId14"/>
+    <p:sldId id="288" r:id="rId15"/>
+    <p:sldId id="289" r:id="rId16"/>
+    <p:sldId id="290" r:id="rId17"/>
+    <p:sldId id="268" r:id="rId18"/>
+    <p:sldId id="269" r:id="rId19"/>
+    <p:sldId id="270" r:id="rId20"/>
+    <p:sldId id="271" r:id="rId21"/>
+    <p:sldId id="272" r:id="rId22"/>
+    <p:sldId id="273" r:id="rId23"/>
+    <p:sldId id="274" r:id="rId24"/>
+    <p:sldId id="275" r:id="rId25"/>
+    <p:sldId id="276" r:id="rId26"/>
+    <p:sldId id="277" r:id="rId27"/>
+    <p:sldId id="278" r:id="rId28"/>
   </p:sldIdLst>
   <p:sldSz cx="12192000" cy="6858000"/>
   <p:notesSz cx="6858000" cy="9144000"/>
@@ -22395,10 +22405,10 @@
       </p:grpSpPr>
       <p:sp>
         <p:nvSpPr>
-          <p:cNvPr id="30" name="Title 29">
-            <a:extLst>
-              <a:ext uri="{FF2B5EF4-FFF2-40B4-BE49-F238E27FC236}">
-                <a16:creationId xmlns:a16="http://schemas.microsoft.com/office/drawing/2014/main" id="{684BCD8A-09DB-45C2-AA6B-94D01AF0902F}"/>
+          <p:cNvPr id="39" name="Title 38">
+            <a:extLst>
+              <a:ext uri="{FF2B5EF4-FFF2-40B4-BE49-F238E27FC236}">
+                <a16:creationId xmlns:a16="http://schemas.microsoft.com/office/drawing/2014/main" id="{57E32F23-88F7-4019-96BA-D9F1F3935AD2}"/>
               </a:ext>
             </a:extLst>
           </p:cNvPr>
@@ -22416,17 +22426,25 @@
           <a:p>
             <a:r>
               <a:rPr lang="en-US" dirty="0"/>
-              <a:t>CLICK TO ADD TITLE 09</a:t>
+              <a:t>New </a:t>
+            </a:r>
+            <a:r>
+              <a:rPr lang="en-US" dirty="0" err="1"/>
+              <a:t>Javascript</a:t>
+            </a:r>
+            <a:r>
+              <a:rPr lang="en-US" dirty="0"/>
+              <a:t> Library</a:t>
             </a:r>
           </a:p>
         </p:txBody>
       </p:sp>
       <p:sp>
         <p:nvSpPr>
-          <p:cNvPr id="5" name="Picture Placeholder 4" descr="picture placeholder">
-            <a:extLst>
-              <a:ext uri="{FF2B5EF4-FFF2-40B4-BE49-F238E27FC236}">
-                <a16:creationId xmlns:a16="http://schemas.microsoft.com/office/drawing/2014/main" id="{B3821C4A-84CC-439C-B54B-A0F2723C39A2}"/>
+          <p:cNvPr id="11" name="Picture Placeholder 10" descr="picture placeholder">
+            <a:extLst>
+              <a:ext uri="{FF2B5EF4-FFF2-40B4-BE49-F238E27FC236}">
+                <a16:creationId xmlns:a16="http://schemas.microsoft.com/office/drawing/2014/main" id="{D352D547-51D6-4AC1-A9EC-8E1BA8F8B780}"/>
               </a:ext>
               <a:ext uri="{C183D7F6-B498-43B3-948B-1728B52AA6E4}">
                 <adec:decorative xmlns:adec="http://schemas.microsoft.com/office/drawing/2017/decorative" val="1"/>
@@ -22437,17 +22455,22 @@
             <a:spLocks noGrp="1"/>
           </p:cNvSpPr>
           <p:nvPr>
-            <p:ph type="pic" sz="quarter" idx="14"/>
+            <p:ph type="pic" sz="quarter" idx="21"/>
           </p:nvPr>
         </p:nvSpPr>
-        <p:spPr/>
+        <p:spPr>
+          <a:xfrm>
+            <a:off x="953891" y="1280558"/>
+            <a:ext cx="10292025" cy="2219325"/>
+          </a:xfrm>
+        </p:spPr>
       </p:sp>
       <p:sp>
         <p:nvSpPr>
           <p:cNvPr id="6" name="Picture Placeholder 5" descr="picture placeholder">
             <a:extLst>
               <a:ext uri="{FF2B5EF4-FFF2-40B4-BE49-F238E27FC236}">
-                <a16:creationId xmlns:a16="http://schemas.microsoft.com/office/drawing/2014/main" id="{7D77E1B9-8953-47C0-9389-92508B71ED63}"/>
+                <a16:creationId xmlns:a16="http://schemas.microsoft.com/office/drawing/2014/main" id="{6CB6DE2D-0061-41C5-B817-50C54B4B674D}"/>
               </a:ext>
               <a:ext uri="{C183D7F6-B498-43B3-948B-1728B52AA6E4}">
                 <adec:decorative xmlns:adec="http://schemas.microsoft.com/office/drawing/2017/decorative" val="1"/>
@@ -22458,7 +22481,7 @@
             <a:spLocks noGrp="1"/>
           </p:cNvSpPr>
           <p:nvPr>
-            <p:ph type="pic" sz="quarter" idx="19"/>
+            <p:ph type="pic" sz="quarter" idx="16"/>
           </p:nvPr>
         </p:nvSpPr>
         <p:spPr/>
@@ -22468,7 +22491,7 @@
           <p:cNvPr id="7" name="Picture Placeholder 6" descr="picture placeholder">
             <a:extLst>
               <a:ext uri="{FF2B5EF4-FFF2-40B4-BE49-F238E27FC236}">
-                <a16:creationId xmlns:a16="http://schemas.microsoft.com/office/drawing/2014/main" id="{97BFED64-5E69-41D0-BF3C-07B68A31C5BA}"/>
+                <a16:creationId xmlns:a16="http://schemas.microsoft.com/office/drawing/2014/main" id="{760FA0BE-32C2-406B-9B1B-D3296C6344EC}"/>
               </a:ext>
               <a:ext uri="{C183D7F6-B498-43B3-948B-1728B52AA6E4}">
                 <adec:decorative xmlns:adec="http://schemas.microsoft.com/office/drawing/2017/decorative" val="1"/>
@@ -22479,7 +22502,7 @@
             <a:spLocks noGrp="1"/>
           </p:cNvSpPr>
           <p:nvPr>
-            <p:ph type="pic" sz="quarter" idx="22"/>
+            <p:ph type="pic" sz="quarter" idx="17"/>
           </p:nvPr>
         </p:nvSpPr>
         <p:spPr/>
@@ -22489,7 +22512,7 @@
           <p:cNvPr id="8" name="Picture Placeholder 7" descr="picture placeholder">
             <a:extLst>
               <a:ext uri="{FF2B5EF4-FFF2-40B4-BE49-F238E27FC236}">
-                <a16:creationId xmlns:a16="http://schemas.microsoft.com/office/drawing/2014/main" id="{31ABF86F-4C69-4980-BE2A-9321D4E45374}"/>
+                <a16:creationId xmlns:a16="http://schemas.microsoft.com/office/drawing/2014/main" id="{BCB9B189-B977-435E-A33D-24084EAD7652}"/>
               </a:ext>
               <a:ext uri="{C183D7F6-B498-43B3-948B-1728B52AA6E4}">
                 <adec:decorative xmlns:adec="http://schemas.microsoft.com/office/drawing/2017/decorative" val="1"/>
@@ -22500,70 +22523,7 @@
             <a:spLocks noGrp="1"/>
           </p:cNvSpPr>
           <p:nvPr>
-            <p:ph type="pic" sz="quarter" idx="23"/>
-          </p:nvPr>
-        </p:nvSpPr>
-        <p:spPr/>
-      </p:sp>
-      <p:sp>
-        <p:nvSpPr>
-          <p:cNvPr id="9" name="Picture Placeholder 8" descr="picture placeholder">
-            <a:extLst>
-              <a:ext uri="{FF2B5EF4-FFF2-40B4-BE49-F238E27FC236}">
-                <a16:creationId xmlns:a16="http://schemas.microsoft.com/office/drawing/2014/main" id="{4DEC3E6A-EA3F-423C-9DB1-361466BA1091}"/>
-              </a:ext>
-              <a:ext uri="{C183D7F6-B498-43B3-948B-1728B52AA6E4}">
-                <adec:decorative xmlns:adec="http://schemas.microsoft.com/office/drawing/2017/decorative" val="1"/>
-              </a:ext>
-            </a:extLst>
-          </p:cNvPr>
-          <p:cNvSpPr>
-            <a:spLocks noGrp="1"/>
-          </p:cNvSpPr>
-          <p:nvPr>
-            <p:ph type="pic" sz="quarter" idx="24"/>
-          </p:nvPr>
-        </p:nvSpPr>
-        <p:spPr/>
-      </p:sp>
-      <p:sp>
-        <p:nvSpPr>
-          <p:cNvPr id="10" name="Picture Placeholder 9" descr="picture placeholder">
-            <a:extLst>
-              <a:ext uri="{FF2B5EF4-FFF2-40B4-BE49-F238E27FC236}">
-                <a16:creationId xmlns:a16="http://schemas.microsoft.com/office/drawing/2014/main" id="{C843F74C-7CC8-4568-AD47-7AAA1BD15109}"/>
-              </a:ext>
-              <a:ext uri="{C183D7F6-B498-43B3-948B-1728B52AA6E4}">
-                <adec:decorative xmlns:adec="http://schemas.microsoft.com/office/drawing/2017/decorative" val="1"/>
-              </a:ext>
-            </a:extLst>
-          </p:cNvPr>
-          <p:cNvSpPr>
-            <a:spLocks noGrp="1"/>
-          </p:cNvSpPr>
-          <p:nvPr>
-            <p:ph type="pic" sz="quarter" idx="25"/>
-          </p:nvPr>
-        </p:nvSpPr>
-        <p:spPr/>
-      </p:sp>
-      <p:sp>
-        <p:nvSpPr>
-          <p:cNvPr id="11" name="Picture Placeholder 10" descr="picture placeholder">
-            <a:extLst>
-              <a:ext uri="{FF2B5EF4-FFF2-40B4-BE49-F238E27FC236}">
-                <a16:creationId xmlns:a16="http://schemas.microsoft.com/office/drawing/2014/main" id="{99475363-6081-45D9-879B-C3D04F65D003}"/>
-              </a:ext>
-              <a:ext uri="{C183D7F6-B498-43B3-948B-1728B52AA6E4}">
-                <adec:decorative xmlns:adec="http://schemas.microsoft.com/office/drawing/2017/decorative" val="1"/>
-              </a:ext>
-            </a:extLst>
-          </p:cNvPr>
-          <p:cNvSpPr>
-            <a:spLocks noGrp="1"/>
-          </p:cNvSpPr>
-          <p:nvPr>
-            <p:ph type="pic" sz="quarter" idx="26"/>
+            <p:ph type="pic" sz="quarter" idx="18"/>
           </p:nvPr>
         </p:nvSpPr>
         <p:spPr/>
@@ -22573,7 +22533,7 @@
           <p:cNvPr id="3" name="Slide Number Placeholder 2">
             <a:extLst>
               <a:ext uri="{FF2B5EF4-FFF2-40B4-BE49-F238E27FC236}">
-                <a16:creationId xmlns:a16="http://schemas.microsoft.com/office/drawing/2014/main" id="{45C4C83B-5B69-4DC6-BD5A-C764A2A3685C}"/>
+                <a16:creationId xmlns:a16="http://schemas.microsoft.com/office/drawing/2014/main" id="{F20C02BF-49ED-496E-9ABA-15E6BF632132}"/>
               </a:ext>
             </a:extLst>
           </p:cNvPr>
@@ -22581,7 +22541,7 @@
             <a:spLocks noGrp="1"/>
           </p:cNvSpPr>
           <p:nvPr>
-            <p:ph type="sldNum" sz="quarter" idx="27"/>
+            <p:ph type="sldNum" sz="quarter" idx="22"/>
           </p:nvPr>
         </p:nvSpPr>
         <p:spPr/>
@@ -22599,10 +22559,80 @@
           </a:p>
         </p:txBody>
       </p:sp>
+      <p:sp>
+        <p:nvSpPr>
+          <p:cNvPr id="4" name="TextBox 3">
+            <a:extLst>
+              <a:ext uri="{FF2B5EF4-FFF2-40B4-BE49-F238E27FC236}">
+                <a16:creationId xmlns:a16="http://schemas.microsoft.com/office/drawing/2014/main" id="{6EC105A0-01AD-3815-5698-5FD107F5DA44}"/>
+              </a:ext>
+            </a:extLst>
+          </p:cNvPr>
+          <p:cNvSpPr txBox="1"/>
+          <p:nvPr/>
+        </p:nvSpPr>
+        <p:spPr>
+          <a:xfrm>
+            <a:off x="953891" y="1351437"/>
+            <a:ext cx="10269277" cy="646331"/>
+          </a:xfrm>
+          <a:prstGeom prst="rect">
+            <a:avLst/>
+          </a:prstGeom>
+          <a:noFill/>
+        </p:spPr>
+        <p:txBody>
+          <a:bodyPr wrap="square" rtlCol="0">
+            <a:spAutoFit/>
+          </a:bodyPr>
+          <a:lstStyle/>
+          <a:p>
+            <a:pPr marL="285750" indent="-285750">
+              <a:buFont typeface="Arial" panose="020B0604020202020204" pitchFamily="34" charset="0"/>
+              <a:buChar char="•"/>
+            </a:pPr>
+            <a:r>
+              <a:rPr lang="en-US" dirty="0">
+                <a:solidFill>
+                  <a:schemeClr val="bg1"/>
+                </a:solidFill>
+              </a:rPr>
+              <a:t>The team used Google Charts as the new </a:t>
+            </a:r>
+            <a:r>
+              <a:rPr lang="en-US" dirty="0" err="1">
+                <a:solidFill>
+                  <a:schemeClr val="bg1"/>
+                </a:solidFill>
+              </a:rPr>
+              <a:t>Javascript</a:t>
+            </a:r>
+            <a:r>
+              <a:rPr lang="en-US" dirty="0">
+                <a:solidFill>
+                  <a:schemeClr val="bg1"/>
+                </a:solidFill>
+              </a:rPr>
+              <a:t> library</a:t>
+            </a:r>
+          </a:p>
+          <a:p>
+            <a:pPr marL="285750" indent="-285750">
+              <a:buFont typeface="Arial" panose="020B0604020202020204" pitchFamily="34" charset="0"/>
+              <a:buChar char="•"/>
+            </a:pPr>
+            <a:endParaRPr lang="en-US" dirty="0">
+              <a:solidFill>
+                <a:schemeClr val="bg1"/>
+              </a:solidFill>
+            </a:endParaRPr>
+          </a:p>
+        </p:txBody>
+      </p:sp>
     </p:spTree>
     <p:extLst>
       <p:ext uri="{BB962C8B-B14F-4D97-AF65-F5344CB8AC3E}">
-        <p14:creationId xmlns:p14="http://schemas.microsoft.com/office/powerpoint/2010/main" val="4111699749"/>
+        <p14:creationId xmlns:p14="http://schemas.microsoft.com/office/powerpoint/2010/main" val="959910964"/>
       </p:ext>
     </p:extLst>
   </p:cSld>
@@ -22631,10 +22661,10 @@
       </p:grpSpPr>
       <p:sp>
         <p:nvSpPr>
-          <p:cNvPr id="24" name="Title 23">
-            <a:extLst>
-              <a:ext uri="{FF2B5EF4-FFF2-40B4-BE49-F238E27FC236}">
-                <a16:creationId xmlns:a16="http://schemas.microsoft.com/office/drawing/2014/main" id="{4E91CB0E-B6EC-4B01-9AE4-5490DC447576}"/>
+          <p:cNvPr id="39" name="Title 38">
+            <a:extLst>
+              <a:ext uri="{FF2B5EF4-FFF2-40B4-BE49-F238E27FC236}">
+                <a16:creationId xmlns:a16="http://schemas.microsoft.com/office/drawing/2014/main" id="{57E32F23-88F7-4019-96BA-D9F1F3935AD2}"/>
               </a:ext>
             </a:extLst>
           </p:cNvPr>
@@ -22647,22 +22677,24 @@
         </p:nvSpPr>
         <p:spPr/>
         <p:txBody>
-          <a:bodyPr/>
+          <a:bodyPr>
+            <a:normAutofit/>
+          </a:bodyPr>
           <a:lstStyle/>
           <a:p>
             <a:r>
               <a:rPr lang="en-US" dirty="0"/>
-              <a:t>CLICK TO ADD TITLE 10</a:t>
+              <a:t>Website</a:t>
             </a:r>
           </a:p>
         </p:txBody>
       </p:sp>
       <p:sp>
         <p:nvSpPr>
-          <p:cNvPr id="5" name="Picture Placeholder 4" descr="picture placeholder">
-            <a:extLst>
-              <a:ext uri="{FF2B5EF4-FFF2-40B4-BE49-F238E27FC236}">
-                <a16:creationId xmlns:a16="http://schemas.microsoft.com/office/drawing/2014/main" id="{4E399D16-5AA5-4256-84B1-7BE449CBC2B0}"/>
+          <p:cNvPr id="11" name="Picture Placeholder 10" descr="picture placeholder">
+            <a:extLst>
+              <a:ext uri="{FF2B5EF4-FFF2-40B4-BE49-F238E27FC236}">
+                <a16:creationId xmlns:a16="http://schemas.microsoft.com/office/drawing/2014/main" id="{D352D547-51D6-4AC1-A9EC-8E1BA8F8B780}"/>
               </a:ext>
               <a:ext uri="{C183D7F6-B498-43B3-948B-1728B52AA6E4}">
                 <adec:decorative xmlns:adec="http://schemas.microsoft.com/office/drawing/2017/decorative" val="1"/>
@@ -22673,17 +22705,22 @@
             <a:spLocks noGrp="1"/>
           </p:cNvSpPr>
           <p:nvPr>
-            <p:ph type="pic" sz="quarter" idx="22"/>
+            <p:ph type="pic" sz="quarter" idx="21"/>
           </p:nvPr>
         </p:nvSpPr>
-        <p:spPr/>
+        <p:spPr>
+          <a:xfrm>
+            <a:off x="953891" y="1280558"/>
+            <a:ext cx="10292025" cy="2219325"/>
+          </a:xfrm>
+        </p:spPr>
       </p:sp>
       <p:sp>
         <p:nvSpPr>
           <p:cNvPr id="6" name="Picture Placeholder 5" descr="picture placeholder">
             <a:extLst>
               <a:ext uri="{FF2B5EF4-FFF2-40B4-BE49-F238E27FC236}">
-                <a16:creationId xmlns:a16="http://schemas.microsoft.com/office/drawing/2014/main" id="{FCB6419F-C43C-4ECA-8545-9CCEA47821C8}"/>
+                <a16:creationId xmlns:a16="http://schemas.microsoft.com/office/drawing/2014/main" id="{6CB6DE2D-0061-41C5-B817-50C54B4B674D}"/>
               </a:ext>
               <a:ext uri="{C183D7F6-B498-43B3-948B-1728B52AA6E4}">
                 <adec:decorative xmlns:adec="http://schemas.microsoft.com/office/drawing/2017/decorative" val="1"/>
@@ -22694,28 +22731,7 @@
             <a:spLocks noGrp="1"/>
           </p:cNvSpPr>
           <p:nvPr>
-            <p:ph type="pic" sz="quarter" idx="23"/>
-          </p:nvPr>
-        </p:nvSpPr>
-        <p:spPr/>
-      </p:sp>
-      <p:sp>
-        <p:nvSpPr>
-          <p:cNvPr id="9" name="Picture Placeholder 8" descr="picture placeholder">
-            <a:extLst>
-              <a:ext uri="{FF2B5EF4-FFF2-40B4-BE49-F238E27FC236}">
-                <a16:creationId xmlns:a16="http://schemas.microsoft.com/office/drawing/2014/main" id="{B3890189-3F84-4E38-876D-A145A2818D48}"/>
-              </a:ext>
-              <a:ext uri="{C183D7F6-B498-43B3-948B-1728B52AA6E4}">
-                <adec:decorative xmlns:adec="http://schemas.microsoft.com/office/drawing/2017/decorative" val="1"/>
-              </a:ext>
-            </a:extLst>
-          </p:cNvPr>
-          <p:cNvSpPr>
-            <a:spLocks noGrp="1"/>
-          </p:cNvSpPr>
-          <p:nvPr>
-            <p:ph type="pic" sz="quarter" idx="29"/>
+            <p:ph type="pic" sz="quarter" idx="16"/>
           </p:nvPr>
         </p:nvSpPr>
         <p:spPr/>
@@ -22725,7 +22741,7 @@
           <p:cNvPr id="7" name="Picture Placeholder 6" descr="picture placeholder">
             <a:extLst>
               <a:ext uri="{FF2B5EF4-FFF2-40B4-BE49-F238E27FC236}">
-                <a16:creationId xmlns:a16="http://schemas.microsoft.com/office/drawing/2014/main" id="{325072A7-132E-4082-926E-1F00665C2E30}"/>
+                <a16:creationId xmlns:a16="http://schemas.microsoft.com/office/drawing/2014/main" id="{760FA0BE-32C2-406B-9B1B-D3296C6344EC}"/>
               </a:ext>
               <a:ext uri="{C183D7F6-B498-43B3-948B-1728B52AA6E4}">
                 <adec:decorative xmlns:adec="http://schemas.microsoft.com/office/drawing/2017/decorative" val="1"/>
@@ -22736,7 +22752,7 @@
             <a:spLocks noGrp="1"/>
           </p:cNvSpPr>
           <p:nvPr>
-            <p:ph type="pic" sz="quarter" idx="27"/>
+            <p:ph type="pic" sz="quarter" idx="17"/>
           </p:nvPr>
         </p:nvSpPr>
         <p:spPr/>
@@ -22746,7 +22762,7 @@
           <p:cNvPr id="8" name="Picture Placeholder 7" descr="picture placeholder">
             <a:extLst>
               <a:ext uri="{FF2B5EF4-FFF2-40B4-BE49-F238E27FC236}">
-                <a16:creationId xmlns:a16="http://schemas.microsoft.com/office/drawing/2014/main" id="{3311E110-78EB-4703-B69E-E3D21386B6D7}"/>
+                <a16:creationId xmlns:a16="http://schemas.microsoft.com/office/drawing/2014/main" id="{BCB9B189-B977-435E-A33D-24084EAD7652}"/>
               </a:ext>
               <a:ext uri="{C183D7F6-B498-43B3-948B-1728B52AA6E4}">
                 <adec:decorative xmlns:adec="http://schemas.microsoft.com/office/drawing/2017/decorative" val="1"/>
@@ -22757,7 +22773,7 @@
             <a:spLocks noGrp="1"/>
           </p:cNvSpPr>
           <p:nvPr>
-            <p:ph type="pic" sz="quarter" idx="28"/>
+            <p:ph type="pic" sz="quarter" idx="18"/>
           </p:nvPr>
         </p:nvSpPr>
         <p:spPr/>
@@ -22767,7 +22783,7 @@
           <p:cNvPr id="3" name="Slide Number Placeholder 2">
             <a:extLst>
               <a:ext uri="{FF2B5EF4-FFF2-40B4-BE49-F238E27FC236}">
-                <a16:creationId xmlns:a16="http://schemas.microsoft.com/office/drawing/2014/main" id="{841745E3-BCFB-4BF4-98AE-F26B4B2EA4D8}"/>
+                <a16:creationId xmlns:a16="http://schemas.microsoft.com/office/drawing/2014/main" id="{F20C02BF-49ED-496E-9ABA-15E6BF632132}"/>
               </a:ext>
             </a:extLst>
           </p:cNvPr>
@@ -22775,7 +22791,7 @@
             <a:spLocks noGrp="1"/>
           </p:cNvSpPr>
           <p:nvPr>
-            <p:ph type="sldNum" sz="quarter" idx="30"/>
+            <p:ph type="sldNum" sz="quarter" idx="22"/>
           </p:nvPr>
         </p:nvSpPr>
         <p:spPr/>
@@ -22796,7 +22812,7 @@
     </p:spTree>
     <p:extLst>
       <p:ext uri="{BB962C8B-B14F-4D97-AF65-F5344CB8AC3E}">
-        <p14:creationId xmlns:p14="http://schemas.microsoft.com/office/powerpoint/2010/main" val="908184357"/>
+        <p14:creationId xmlns:p14="http://schemas.microsoft.com/office/powerpoint/2010/main" val="4228171170"/>
       </p:ext>
     </p:extLst>
   </p:cSld>
@@ -22825,10 +22841,10 @@
       </p:grpSpPr>
       <p:sp>
         <p:nvSpPr>
-          <p:cNvPr id="40" name="Title 39">
-            <a:extLst>
-              <a:ext uri="{FF2B5EF4-FFF2-40B4-BE49-F238E27FC236}">
-                <a16:creationId xmlns:a16="http://schemas.microsoft.com/office/drawing/2014/main" id="{41C335CC-237C-4B50-AE9A-A644F0B7C83A}"/>
+          <p:cNvPr id="39" name="Title 38">
+            <a:extLst>
+              <a:ext uri="{FF2B5EF4-FFF2-40B4-BE49-F238E27FC236}">
+                <a16:creationId xmlns:a16="http://schemas.microsoft.com/office/drawing/2014/main" id="{57E32F23-88F7-4019-96BA-D9F1F3935AD2}"/>
               </a:ext>
             </a:extLst>
           </p:cNvPr>
@@ -22841,22 +22857,24 @@
         </p:nvSpPr>
         <p:spPr/>
         <p:txBody>
-          <a:bodyPr/>
+          <a:bodyPr>
+            <a:normAutofit/>
+          </a:bodyPr>
           <a:lstStyle/>
           <a:p>
             <a:r>
               <a:rPr lang="en-US" dirty="0"/>
-              <a:t>CLICK TO ADD TITLE 11</a:t>
+              <a:t>Data Sources</a:t>
             </a:r>
           </a:p>
         </p:txBody>
       </p:sp>
       <p:sp>
         <p:nvSpPr>
-          <p:cNvPr id="4" name="Picture Placeholder 3" descr="picture placeholder">
-            <a:extLst>
-              <a:ext uri="{FF2B5EF4-FFF2-40B4-BE49-F238E27FC236}">
-                <a16:creationId xmlns:a16="http://schemas.microsoft.com/office/drawing/2014/main" id="{68B35A93-7323-443D-BD38-A1ADD66F40A6}"/>
+          <p:cNvPr id="11" name="Picture Placeholder 10" descr="picture placeholder">
+            <a:extLst>
+              <a:ext uri="{FF2B5EF4-FFF2-40B4-BE49-F238E27FC236}">
+                <a16:creationId xmlns:a16="http://schemas.microsoft.com/office/drawing/2014/main" id="{D352D547-51D6-4AC1-A9EC-8E1BA8F8B780}"/>
               </a:ext>
               <a:ext uri="{C183D7F6-B498-43B3-948B-1728B52AA6E4}">
                 <adec:decorative xmlns:adec="http://schemas.microsoft.com/office/drawing/2017/decorative" val="1"/>
@@ -22867,20 +22885,22 @@
             <a:spLocks noGrp="1"/>
           </p:cNvSpPr>
           <p:nvPr>
-            <p:ph type="pic" sz="quarter" idx="22"/>
+            <p:ph type="pic" sz="quarter" idx="21"/>
           </p:nvPr>
         </p:nvSpPr>
-        <p:spPr/>
+        <p:spPr>
+          <a:xfrm>
+            <a:off x="953891" y="1280558"/>
+            <a:ext cx="10292025" cy="5210884"/>
+          </a:xfrm>
+        </p:spPr>
       </p:sp>
       <p:sp>
         <p:nvSpPr>
-          <p:cNvPr id="7" name="Picture Placeholder 6" descr="picture placeholder">
-            <a:extLst>
-              <a:ext uri="{FF2B5EF4-FFF2-40B4-BE49-F238E27FC236}">
-                <a16:creationId xmlns:a16="http://schemas.microsoft.com/office/drawing/2014/main" id="{440AB8A1-9D7B-416A-99C3-C7EEC3558471}"/>
-              </a:ext>
-              <a:ext uri="{C183D7F6-B498-43B3-948B-1728B52AA6E4}">
-                <adec:decorative xmlns:adec="http://schemas.microsoft.com/office/drawing/2017/decorative" val="1"/>
+          <p:cNvPr id="3" name="Slide Number Placeholder 2">
+            <a:extLst>
+              <a:ext uri="{FF2B5EF4-FFF2-40B4-BE49-F238E27FC236}">
+                <a16:creationId xmlns:a16="http://schemas.microsoft.com/office/drawing/2014/main" id="{F20C02BF-49ED-496E-9ABA-15E6BF632132}"/>
               </a:ext>
             </a:extLst>
           </p:cNvPr>
@@ -22888,88 +22908,7 @@
             <a:spLocks noGrp="1"/>
           </p:cNvSpPr>
           <p:nvPr>
-            <p:ph type="pic" sz="quarter" idx="29"/>
-          </p:nvPr>
-        </p:nvSpPr>
-        <p:spPr/>
-      </p:sp>
-      <p:sp>
-        <p:nvSpPr>
-          <p:cNvPr id="5" name="Picture Placeholder 4" descr="picture placeholder">
-            <a:extLst>
-              <a:ext uri="{FF2B5EF4-FFF2-40B4-BE49-F238E27FC236}">
-                <a16:creationId xmlns:a16="http://schemas.microsoft.com/office/drawing/2014/main" id="{4DE02F5E-72D2-4EC1-A1E6-39C6BF2B84DF}"/>
-              </a:ext>
-              <a:ext uri="{C183D7F6-B498-43B3-948B-1728B52AA6E4}">
-                <adec:decorative xmlns:adec="http://schemas.microsoft.com/office/drawing/2017/decorative" val="1"/>
-              </a:ext>
-            </a:extLst>
-          </p:cNvPr>
-          <p:cNvSpPr>
-            <a:spLocks noGrp="1"/>
-          </p:cNvSpPr>
-          <p:nvPr>
-            <p:ph type="pic" sz="quarter" idx="23"/>
-          </p:nvPr>
-        </p:nvSpPr>
-        <p:spPr/>
-      </p:sp>
-      <p:sp>
-        <p:nvSpPr>
-          <p:cNvPr id="6" name="Picture Placeholder 5" descr="picture placeholder">
-            <a:extLst>
-              <a:ext uri="{FF2B5EF4-FFF2-40B4-BE49-F238E27FC236}">
-                <a16:creationId xmlns:a16="http://schemas.microsoft.com/office/drawing/2014/main" id="{342B67C3-4624-4308-A360-F5B2B4DD4CD8}"/>
-              </a:ext>
-              <a:ext uri="{C183D7F6-B498-43B3-948B-1728B52AA6E4}">
-                <adec:decorative xmlns:adec="http://schemas.microsoft.com/office/drawing/2017/decorative" val="1"/>
-              </a:ext>
-            </a:extLst>
-          </p:cNvPr>
-          <p:cNvSpPr>
-            <a:spLocks noGrp="1"/>
-          </p:cNvSpPr>
-          <p:nvPr>
-            <p:ph type="pic" sz="quarter" idx="26"/>
-          </p:nvPr>
-        </p:nvSpPr>
-        <p:spPr/>
-      </p:sp>
-      <p:sp>
-        <p:nvSpPr>
-          <p:cNvPr id="8" name="Picture Placeholder 7" descr="picture placeholder">
-            <a:extLst>
-              <a:ext uri="{FF2B5EF4-FFF2-40B4-BE49-F238E27FC236}">
-                <a16:creationId xmlns:a16="http://schemas.microsoft.com/office/drawing/2014/main" id="{4381C8F4-5775-457E-8622-B9F7BDB02428}"/>
-              </a:ext>
-              <a:ext uri="{C183D7F6-B498-43B3-948B-1728B52AA6E4}">
-                <adec:decorative xmlns:adec="http://schemas.microsoft.com/office/drawing/2017/decorative" val="1"/>
-              </a:ext>
-            </a:extLst>
-          </p:cNvPr>
-          <p:cNvSpPr>
-            <a:spLocks noGrp="1"/>
-          </p:cNvSpPr>
-          <p:nvPr>
-            <p:ph type="pic" sz="quarter" idx="30"/>
-          </p:nvPr>
-        </p:nvSpPr>
-        <p:spPr/>
-      </p:sp>
-      <p:sp>
-        <p:nvSpPr>
-          <p:cNvPr id="2" name="Slide Number Placeholder 1">
-            <a:extLst>
-              <a:ext uri="{FF2B5EF4-FFF2-40B4-BE49-F238E27FC236}">
-                <a16:creationId xmlns:a16="http://schemas.microsoft.com/office/drawing/2014/main" id="{346F9043-33B9-4A2F-ACC3-8B7C6098CEDC}"/>
-              </a:ext>
-            </a:extLst>
-          </p:cNvPr>
-          <p:cNvSpPr>
-            <a:spLocks noGrp="1"/>
-          </p:cNvSpPr>
-          <p:nvPr>
-            <p:ph type="sldNum" sz="quarter" idx="31"/>
+            <p:ph type="sldNum" sz="quarter" idx="22"/>
           </p:nvPr>
         </p:nvSpPr>
         <p:spPr/>
@@ -22990,7 +22929,7 @@
     </p:spTree>
     <p:extLst>
       <p:ext uri="{BB962C8B-B14F-4D97-AF65-F5344CB8AC3E}">
-        <p14:creationId xmlns:p14="http://schemas.microsoft.com/office/powerpoint/2010/main" val="4069610393"/>
+        <p14:creationId xmlns:p14="http://schemas.microsoft.com/office/powerpoint/2010/main" val="1338887698"/>
       </p:ext>
     </p:extLst>
   </p:cSld>
@@ -23019,10 +22958,10 @@
       </p:grpSpPr>
       <p:sp>
         <p:nvSpPr>
-          <p:cNvPr id="44" name="Title 43">
-            <a:extLst>
-              <a:ext uri="{FF2B5EF4-FFF2-40B4-BE49-F238E27FC236}">
-                <a16:creationId xmlns:a16="http://schemas.microsoft.com/office/drawing/2014/main" id="{EDD9B210-848C-494B-99EF-BF562135108E}"/>
+          <p:cNvPr id="39" name="Title 38">
+            <a:extLst>
+              <a:ext uri="{FF2B5EF4-FFF2-40B4-BE49-F238E27FC236}">
+                <a16:creationId xmlns:a16="http://schemas.microsoft.com/office/drawing/2014/main" id="{57E32F23-88F7-4019-96BA-D9F1F3935AD2}"/>
               </a:ext>
             </a:extLst>
           </p:cNvPr>
@@ -23035,25 +22974,24 @@
         </p:nvSpPr>
         <p:spPr/>
         <p:txBody>
-          <a:bodyPr/>
+          <a:bodyPr>
+            <a:normAutofit/>
+          </a:bodyPr>
           <a:lstStyle/>
           <a:p>
             <a:r>
               <a:rPr lang="en-US" dirty="0"/>
-              <a:t>CLICK TO ADD TITLE 12</a:t>
+              <a:t>End of Presentation</a:t>
             </a:r>
           </a:p>
         </p:txBody>
       </p:sp>
       <p:sp>
         <p:nvSpPr>
-          <p:cNvPr id="8" name="Picture Placeholder 7" descr="picture placeholder">
-            <a:extLst>
-              <a:ext uri="{FF2B5EF4-FFF2-40B4-BE49-F238E27FC236}">
-                <a16:creationId xmlns:a16="http://schemas.microsoft.com/office/drawing/2014/main" id="{BA106D24-76AC-48EF-BA67-349CE67E8296}"/>
-              </a:ext>
-              <a:ext uri="{C183D7F6-B498-43B3-948B-1728B52AA6E4}">
-                <adec:decorative xmlns:adec="http://schemas.microsoft.com/office/drawing/2017/decorative" val="1"/>
+          <p:cNvPr id="3" name="Slide Number Placeholder 2">
+            <a:extLst>
+              <a:ext uri="{FF2B5EF4-FFF2-40B4-BE49-F238E27FC236}">
+                <a16:creationId xmlns:a16="http://schemas.microsoft.com/office/drawing/2014/main" id="{F20C02BF-49ED-496E-9ABA-15E6BF632132}"/>
               </a:ext>
             </a:extLst>
           </p:cNvPr>
@@ -23061,151 +22999,7 @@
             <a:spLocks noGrp="1"/>
           </p:cNvSpPr>
           <p:nvPr>
-            <p:ph type="pic" sz="quarter" idx="31"/>
-          </p:nvPr>
-        </p:nvSpPr>
-        <p:spPr/>
-      </p:sp>
-      <p:sp>
-        <p:nvSpPr>
-          <p:cNvPr id="7" name="Picture Placeholder 6" descr="picture placeholder">
-            <a:extLst>
-              <a:ext uri="{FF2B5EF4-FFF2-40B4-BE49-F238E27FC236}">
-                <a16:creationId xmlns:a16="http://schemas.microsoft.com/office/drawing/2014/main" id="{0D946FF6-19C3-4E21-8D17-9A4E46A4E934}"/>
-              </a:ext>
-              <a:ext uri="{C183D7F6-B498-43B3-948B-1728B52AA6E4}">
-                <adec:decorative xmlns:adec="http://schemas.microsoft.com/office/drawing/2017/decorative" val="1"/>
-              </a:ext>
-            </a:extLst>
-          </p:cNvPr>
-          <p:cNvSpPr>
-            <a:spLocks noGrp="1"/>
-          </p:cNvSpPr>
-          <p:nvPr>
-            <p:ph type="pic" sz="quarter" idx="30"/>
-          </p:nvPr>
-        </p:nvSpPr>
-        <p:spPr/>
-      </p:sp>
-      <p:sp>
-        <p:nvSpPr>
-          <p:cNvPr id="6" name="Picture Placeholder 5" descr="picture placeholder">
-            <a:extLst>
-              <a:ext uri="{FF2B5EF4-FFF2-40B4-BE49-F238E27FC236}">
-                <a16:creationId xmlns:a16="http://schemas.microsoft.com/office/drawing/2014/main" id="{C5861818-2C66-4132-ABBE-8F2A7C572680}"/>
-              </a:ext>
-              <a:ext uri="{C183D7F6-B498-43B3-948B-1728B52AA6E4}">
-                <adec:decorative xmlns:adec="http://schemas.microsoft.com/office/drawing/2017/decorative" val="1"/>
-              </a:ext>
-            </a:extLst>
-          </p:cNvPr>
-          <p:cNvSpPr>
-            <a:spLocks noGrp="1"/>
-          </p:cNvSpPr>
-          <p:nvPr>
-            <p:ph type="pic" sz="quarter" idx="29"/>
-          </p:nvPr>
-        </p:nvSpPr>
-        <p:spPr/>
-      </p:sp>
-      <p:sp>
-        <p:nvSpPr>
-          <p:cNvPr id="4" name="Picture Placeholder 3" descr="picture placeholder">
-            <a:extLst>
-              <a:ext uri="{FF2B5EF4-FFF2-40B4-BE49-F238E27FC236}">
-                <a16:creationId xmlns:a16="http://schemas.microsoft.com/office/drawing/2014/main" id="{4B3C9E65-D949-41D5-88C8-9595C0077AD4}"/>
-              </a:ext>
-              <a:ext uri="{C183D7F6-B498-43B3-948B-1728B52AA6E4}">
-                <adec:decorative xmlns:adec="http://schemas.microsoft.com/office/drawing/2017/decorative" val="1"/>
-              </a:ext>
-            </a:extLst>
-          </p:cNvPr>
-          <p:cNvSpPr>
-            <a:spLocks noGrp="1"/>
-          </p:cNvSpPr>
-          <p:nvPr>
-            <p:ph type="pic" sz="quarter" idx="23"/>
-          </p:nvPr>
-        </p:nvSpPr>
-        <p:spPr/>
-      </p:sp>
-      <p:sp>
-        <p:nvSpPr>
-          <p:cNvPr id="5" name="Picture Placeholder 4" descr="picture placeholder">
-            <a:extLst>
-              <a:ext uri="{FF2B5EF4-FFF2-40B4-BE49-F238E27FC236}">
-                <a16:creationId xmlns:a16="http://schemas.microsoft.com/office/drawing/2014/main" id="{DA47CDD1-B018-4102-9618-518C368A2E2F}"/>
-              </a:ext>
-              <a:ext uri="{C183D7F6-B498-43B3-948B-1728B52AA6E4}">
-                <adec:decorative xmlns:adec="http://schemas.microsoft.com/office/drawing/2017/decorative" val="1"/>
-              </a:ext>
-            </a:extLst>
-          </p:cNvPr>
-          <p:cNvSpPr>
-            <a:spLocks noGrp="1"/>
-          </p:cNvSpPr>
-          <p:nvPr>
-            <p:ph type="pic" sz="quarter" idx="26"/>
-          </p:nvPr>
-        </p:nvSpPr>
-        <p:spPr/>
-      </p:sp>
-      <p:sp>
-        <p:nvSpPr>
-          <p:cNvPr id="10" name="Picture Placeholder 9" descr="picture placeholder">
-            <a:extLst>
-              <a:ext uri="{FF2B5EF4-FFF2-40B4-BE49-F238E27FC236}">
-                <a16:creationId xmlns:a16="http://schemas.microsoft.com/office/drawing/2014/main" id="{2C33F657-D297-4A82-A79C-B6C146B84DF8}"/>
-              </a:ext>
-              <a:ext uri="{C183D7F6-B498-43B3-948B-1728B52AA6E4}">
-                <adec:decorative xmlns:adec="http://schemas.microsoft.com/office/drawing/2017/decorative" val="1"/>
-              </a:ext>
-            </a:extLst>
-          </p:cNvPr>
-          <p:cNvSpPr>
-            <a:spLocks noGrp="1"/>
-          </p:cNvSpPr>
-          <p:nvPr>
-            <p:ph type="pic" sz="quarter" idx="33"/>
-          </p:nvPr>
-        </p:nvSpPr>
-        <p:spPr/>
-      </p:sp>
-      <p:sp>
-        <p:nvSpPr>
-          <p:cNvPr id="9" name="Picture Placeholder 8" descr="picture placeholder">
-            <a:extLst>
-              <a:ext uri="{FF2B5EF4-FFF2-40B4-BE49-F238E27FC236}">
-                <a16:creationId xmlns:a16="http://schemas.microsoft.com/office/drawing/2014/main" id="{9E82B07D-F3FD-4998-8512-D05622FC114F}"/>
-              </a:ext>
-              <a:ext uri="{C183D7F6-B498-43B3-948B-1728B52AA6E4}">
-                <adec:decorative xmlns:adec="http://schemas.microsoft.com/office/drawing/2017/decorative" val="1"/>
-              </a:ext>
-            </a:extLst>
-          </p:cNvPr>
-          <p:cNvSpPr>
-            <a:spLocks noGrp="1"/>
-          </p:cNvSpPr>
-          <p:nvPr>
-            <p:ph type="pic" sz="quarter" idx="32"/>
-          </p:nvPr>
-        </p:nvSpPr>
-        <p:spPr/>
-      </p:sp>
-      <p:sp>
-        <p:nvSpPr>
-          <p:cNvPr id="2" name="Slide Number Placeholder 1">
-            <a:extLst>
-              <a:ext uri="{FF2B5EF4-FFF2-40B4-BE49-F238E27FC236}">
-                <a16:creationId xmlns:a16="http://schemas.microsoft.com/office/drawing/2014/main" id="{4C35C0BB-7803-446F-843E-568452498B2C}"/>
-              </a:ext>
-            </a:extLst>
-          </p:cNvPr>
-          <p:cNvSpPr>
-            <a:spLocks noGrp="1"/>
-          </p:cNvSpPr>
-          <p:nvPr>
-            <p:ph type="sldNum" sz="quarter" idx="34"/>
+            <p:ph type="sldNum" sz="quarter" idx="22"/>
           </p:nvPr>
         </p:nvSpPr>
         <p:spPr/>
@@ -23226,7 +23020,7 @@
     </p:spTree>
     <p:extLst>
       <p:ext uri="{BB962C8B-B14F-4D97-AF65-F5344CB8AC3E}">
-        <p14:creationId xmlns:p14="http://schemas.microsoft.com/office/powerpoint/2010/main" val="426916248"/>
+        <p14:creationId xmlns:p14="http://schemas.microsoft.com/office/powerpoint/2010/main" val="4230868212"/>
       </p:ext>
     </p:extLst>
   </p:cSld>
@@ -23255,10 +23049,230 @@
       </p:grpSpPr>
       <p:sp>
         <p:nvSpPr>
-          <p:cNvPr id="4" name="Title 3">
-            <a:extLst>
-              <a:ext uri="{FF2B5EF4-FFF2-40B4-BE49-F238E27FC236}">
-                <a16:creationId xmlns:a16="http://schemas.microsoft.com/office/drawing/2014/main" id="{E98DCA46-603B-4178-8707-30E192CE6B8D}"/>
+          <p:cNvPr id="21" name="Picture Placeholder 20" descr="picture placeholder">
+            <a:extLst>
+              <a:ext uri="{FF2B5EF4-FFF2-40B4-BE49-F238E27FC236}">
+                <a16:creationId xmlns:a16="http://schemas.microsoft.com/office/drawing/2014/main" id="{5E908D80-C22E-4B04-8DB0-90A69BDE6BCF}"/>
+              </a:ext>
+              <a:ext uri="{C183D7F6-B498-43B3-948B-1728B52AA6E4}">
+                <adec:decorative xmlns:adec="http://schemas.microsoft.com/office/drawing/2017/decorative" val="1"/>
+              </a:ext>
+            </a:extLst>
+          </p:cNvPr>
+          <p:cNvSpPr>
+            <a:spLocks noGrp="1"/>
+          </p:cNvSpPr>
+          <p:nvPr>
+            <p:ph type="pic" sz="quarter" idx="13"/>
+          </p:nvPr>
+        </p:nvSpPr>
+        <p:spPr/>
+      </p:sp>
+      <p:sp>
+        <p:nvSpPr>
+          <p:cNvPr id="22" name="Picture Placeholder 21" descr="picture placeholder">
+            <a:extLst>
+              <a:ext uri="{FF2B5EF4-FFF2-40B4-BE49-F238E27FC236}">
+                <a16:creationId xmlns:a16="http://schemas.microsoft.com/office/drawing/2014/main" id="{C034C7F2-5C76-4E42-BABE-34E0750A3C65}"/>
+              </a:ext>
+              <a:ext uri="{C183D7F6-B498-43B3-948B-1728B52AA6E4}">
+                <adec:decorative xmlns:adec="http://schemas.microsoft.com/office/drawing/2017/decorative" val="1"/>
+              </a:ext>
+            </a:extLst>
+          </p:cNvPr>
+          <p:cNvSpPr>
+            <a:spLocks noGrp="1"/>
+          </p:cNvSpPr>
+          <p:nvPr>
+            <p:ph type="pic" sz="quarter" idx="14"/>
+          </p:nvPr>
+        </p:nvSpPr>
+        <p:spPr/>
+      </p:sp>
+      <p:sp>
+        <p:nvSpPr>
+          <p:cNvPr id="23" name="Picture Placeholder 22" descr="picture placeholder">
+            <a:extLst>
+              <a:ext uri="{FF2B5EF4-FFF2-40B4-BE49-F238E27FC236}">
+                <a16:creationId xmlns:a16="http://schemas.microsoft.com/office/drawing/2014/main" id="{21495EBA-7EF5-49DF-B801-E1CC60BEB4E4}"/>
+              </a:ext>
+              <a:ext uri="{C183D7F6-B498-43B3-948B-1728B52AA6E4}">
+                <adec:decorative xmlns:adec="http://schemas.microsoft.com/office/drawing/2017/decorative" val="1"/>
+              </a:ext>
+            </a:extLst>
+          </p:cNvPr>
+          <p:cNvSpPr>
+            <a:spLocks noGrp="1"/>
+          </p:cNvSpPr>
+          <p:nvPr>
+            <p:ph type="pic" sz="quarter" idx="15"/>
+          </p:nvPr>
+        </p:nvSpPr>
+        <p:spPr/>
+      </p:sp>
+      <p:sp>
+        <p:nvSpPr>
+          <p:cNvPr id="24" name="Picture Placeholder 23" descr="picture placeholder">
+            <a:extLst>
+              <a:ext uri="{FF2B5EF4-FFF2-40B4-BE49-F238E27FC236}">
+                <a16:creationId xmlns:a16="http://schemas.microsoft.com/office/drawing/2014/main" id="{EBFF32CF-0EEC-4B83-A2C1-6D753CAA98D4}"/>
+              </a:ext>
+              <a:ext uri="{C183D7F6-B498-43B3-948B-1728B52AA6E4}">
+                <adec:decorative xmlns:adec="http://schemas.microsoft.com/office/drawing/2017/decorative" val="1"/>
+              </a:ext>
+            </a:extLst>
+          </p:cNvPr>
+          <p:cNvSpPr>
+            <a:spLocks noGrp="1"/>
+          </p:cNvSpPr>
+          <p:nvPr>
+            <p:ph type="pic" sz="quarter" idx="16"/>
+          </p:nvPr>
+        </p:nvSpPr>
+        <p:spPr/>
+      </p:sp>
+      <p:sp>
+        <p:nvSpPr>
+          <p:cNvPr id="25" name="Picture Placeholder 24" descr="picture placeholder">
+            <a:extLst>
+              <a:ext uri="{FF2B5EF4-FFF2-40B4-BE49-F238E27FC236}">
+                <a16:creationId xmlns:a16="http://schemas.microsoft.com/office/drawing/2014/main" id="{E2FF048B-D827-4F8D-8424-D7E244076564}"/>
+              </a:ext>
+              <a:ext uri="{C183D7F6-B498-43B3-948B-1728B52AA6E4}">
+                <adec:decorative xmlns:adec="http://schemas.microsoft.com/office/drawing/2017/decorative" val="1"/>
+              </a:ext>
+            </a:extLst>
+          </p:cNvPr>
+          <p:cNvSpPr>
+            <a:spLocks noGrp="1"/>
+          </p:cNvSpPr>
+          <p:nvPr>
+            <p:ph type="pic" sz="quarter" idx="17"/>
+          </p:nvPr>
+        </p:nvSpPr>
+        <p:spPr/>
+      </p:sp>
+      <p:sp>
+        <p:nvSpPr>
+          <p:cNvPr id="26" name="Picture Placeholder 25" descr="picture placeholder">
+            <a:extLst>
+              <a:ext uri="{FF2B5EF4-FFF2-40B4-BE49-F238E27FC236}">
+                <a16:creationId xmlns:a16="http://schemas.microsoft.com/office/drawing/2014/main" id="{CA5B4573-4DFA-470D-8F00-FAB92899D1B7}"/>
+              </a:ext>
+              <a:ext uri="{C183D7F6-B498-43B3-948B-1728B52AA6E4}">
+                <adec:decorative xmlns:adec="http://schemas.microsoft.com/office/drawing/2017/decorative" val="1"/>
+              </a:ext>
+            </a:extLst>
+          </p:cNvPr>
+          <p:cNvSpPr>
+            <a:spLocks noGrp="1"/>
+          </p:cNvSpPr>
+          <p:nvPr>
+            <p:ph type="pic" sz="quarter" idx="18"/>
+          </p:nvPr>
+        </p:nvSpPr>
+        <p:spPr/>
+      </p:sp>
+      <p:sp>
+        <p:nvSpPr>
+          <p:cNvPr id="50" name="Title 49">
+            <a:extLst>
+              <a:ext uri="{FF2B5EF4-FFF2-40B4-BE49-F238E27FC236}">
+                <a16:creationId xmlns:a16="http://schemas.microsoft.com/office/drawing/2014/main" id="{929A9472-7DD3-4613-BBE2-2F25EDAA346A}"/>
+              </a:ext>
+            </a:extLst>
+          </p:cNvPr>
+          <p:cNvSpPr>
+            <a:spLocks noGrp="1"/>
+          </p:cNvSpPr>
+          <p:nvPr>
+            <p:ph type="title"/>
+          </p:nvPr>
+        </p:nvSpPr>
+        <p:spPr>
+          <a:xfrm>
+            <a:off x="-1" y="366558"/>
+            <a:ext cx="12192000" cy="1188000"/>
+          </a:xfrm>
+        </p:spPr>
+        <p:txBody>
+          <a:bodyPr/>
+          <a:lstStyle/>
+          <a:p>
+            <a:r>
+              <a:rPr lang="en-US" dirty="0"/>
+              <a:t>CLICK TO ADD TITLE</a:t>
+            </a:r>
+          </a:p>
+        </p:txBody>
+      </p:sp>
+      <p:sp>
+        <p:nvSpPr>
+          <p:cNvPr id="3" name="Slide Number Placeholder 2">
+            <a:extLst>
+              <a:ext uri="{FF2B5EF4-FFF2-40B4-BE49-F238E27FC236}">
+                <a16:creationId xmlns:a16="http://schemas.microsoft.com/office/drawing/2014/main" id="{5F446065-B403-40C5-A4D7-8D6CF3855EC5}"/>
+              </a:ext>
+            </a:extLst>
+          </p:cNvPr>
+          <p:cNvSpPr>
+            <a:spLocks noGrp="1"/>
+          </p:cNvSpPr>
+          <p:nvPr>
+            <p:ph type="sldNum" sz="quarter" idx="19"/>
+          </p:nvPr>
+        </p:nvSpPr>
+        <p:spPr/>
+        <p:txBody>
+          <a:bodyPr/>
+          <a:lstStyle/>
+          <a:p>
+            <a:pPr algn="r"/>
+            <a:fld id="{3D3C4EEC-F499-4A7F-B67B-5709763315B6}" type="slidenum">
+              <a:rPr lang="en-US" smtClean="0"/>
+              <a:pPr algn="r"/>
+              <a:t>14</a:t>
+            </a:fld>
+            <a:endParaRPr lang="en-US" dirty="0"/>
+          </a:p>
+        </p:txBody>
+      </p:sp>
+    </p:spTree>
+    <p:extLst>
+      <p:ext uri="{BB962C8B-B14F-4D97-AF65-F5344CB8AC3E}">
+        <p14:creationId xmlns:p14="http://schemas.microsoft.com/office/powerpoint/2010/main" val="4001816107"/>
+      </p:ext>
+    </p:extLst>
+  </p:cSld>
+  <p:clrMapOvr>
+    <a:masterClrMapping/>
+  </p:clrMapOvr>
+</p:sld>
+</file>
+
+<file path=ppt/slides/slide15.xml><?xml version="1.0" encoding="utf-8"?>
+<p:sld xmlns:a="http://schemas.openxmlformats.org/drawingml/2006/main" xmlns:r="http://schemas.openxmlformats.org/officeDocument/2006/relationships" xmlns:p="http://schemas.openxmlformats.org/presentationml/2006/main">
+  <p:cSld>
+    <p:spTree>
+      <p:nvGrpSpPr>
+        <p:cNvPr id="1" name=""/>
+        <p:cNvGrpSpPr/>
+        <p:nvPr/>
+      </p:nvGrpSpPr>
+      <p:grpSpPr>
+        <a:xfrm>
+          <a:off x="0" y="0"/>
+          <a:ext cx="0" cy="0"/>
+          <a:chOff x="0" y="0"/>
+          <a:chExt cx="0" cy="0"/>
+        </a:xfrm>
+      </p:grpSpPr>
+      <p:sp>
+        <p:nvSpPr>
+          <p:cNvPr id="39" name="Title 38">
+            <a:extLst>
+              <a:ext uri="{FF2B5EF4-FFF2-40B4-BE49-F238E27FC236}">
+                <a16:creationId xmlns:a16="http://schemas.microsoft.com/office/drawing/2014/main" id="{57E32F23-88F7-4019-96BA-D9F1F3935AD2}"/>
               </a:ext>
             </a:extLst>
           </p:cNvPr>
@@ -23276,17 +23290,20 @@
           <a:p>
             <a:r>
               <a:rPr lang="en-US" dirty="0"/>
-              <a:t>Customize this Template</a:t>
+              <a:t>CLICK TO ADD TITLE 02</a:t>
             </a:r>
           </a:p>
         </p:txBody>
       </p:sp>
       <p:sp>
         <p:nvSpPr>
-          <p:cNvPr id="2" name="Text Placeholder 1">
-            <a:extLst>
-              <a:ext uri="{FF2B5EF4-FFF2-40B4-BE49-F238E27FC236}">
-                <a16:creationId xmlns:a16="http://schemas.microsoft.com/office/drawing/2014/main" id="{914E6CF6-9233-4E0A-B2D1-49F7A53624DA}"/>
+          <p:cNvPr id="5" name="Picture Placeholder 4" descr="picture placeholder">
+            <a:extLst>
+              <a:ext uri="{FF2B5EF4-FFF2-40B4-BE49-F238E27FC236}">
+                <a16:creationId xmlns:a16="http://schemas.microsoft.com/office/drawing/2014/main" id="{19F85D97-45E0-4757-9607-13709EDD751B}"/>
+              </a:ext>
+              <a:ext uri="{C183D7F6-B498-43B3-948B-1728B52AA6E4}">
+                <adec:decorative xmlns:adec="http://schemas.microsoft.com/office/drawing/2017/decorative" val="1"/>
               </a:ext>
             </a:extLst>
           </p:cNvPr>
@@ -23294,7 +23311,212 @@
             <a:spLocks noGrp="1"/>
           </p:cNvSpPr>
           <p:nvPr>
-            <p:ph type="body" sz="quarter" idx="13"/>
+            <p:ph type="pic" sz="quarter" idx="13"/>
+          </p:nvPr>
+        </p:nvSpPr>
+        <p:spPr/>
+      </p:sp>
+      <p:sp>
+        <p:nvSpPr>
+          <p:cNvPr id="9" name="Picture Placeholder 8" descr="picture placeholder">
+            <a:extLst>
+              <a:ext uri="{FF2B5EF4-FFF2-40B4-BE49-F238E27FC236}">
+                <a16:creationId xmlns:a16="http://schemas.microsoft.com/office/drawing/2014/main" id="{A0D413A7-4CC3-432A-9B24-B690B6AE66BE}"/>
+              </a:ext>
+              <a:ext uri="{C183D7F6-B498-43B3-948B-1728B52AA6E4}">
+                <adec:decorative xmlns:adec="http://schemas.microsoft.com/office/drawing/2017/decorative" val="1"/>
+              </a:ext>
+            </a:extLst>
+          </p:cNvPr>
+          <p:cNvSpPr>
+            <a:spLocks noGrp="1"/>
+          </p:cNvSpPr>
+          <p:nvPr>
+            <p:ph type="pic" sz="quarter" idx="19"/>
+          </p:nvPr>
+        </p:nvSpPr>
+        <p:spPr/>
+      </p:sp>
+      <p:sp>
+        <p:nvSpPr>
+          <p:cNvPr id="10" name="Picture Placeholder 9" descr="picture placeholder">
+            <a:extLst>
+              <a:ext uri="{FF2B5EF4-FFF2-40B4-BE49-F238E27FC236}">
+                <a16:creationId xmlns:a16="http://schemas.microsoft.com/office/drawing/2014/main" id="{96D60B10-4675-4D3B-9349-545BAF8171FE}"/>
+              </a:ext>
+              <a:ext uri="{C183D7F6-B498-43B3-948B-1728B52AA6E4}">
+                <adec:decorative xmlns:adec="http://schemas.microsoft.com/office/drawing/2017/decorative" val="1"/>
+              </a:ext>
+            </a:extLst>
+          </p:cNvPr>
+          <p:cNvSpPr>
+            <a:spLocks noGrp="1"/>
+          </p:cNvSpPr>
+          <p:nvPr>
+            <p:ph type="pic" sz="quarter" idx="20"/>
+          </p:nvPr>
+        </p:nvSpPr>
+        <p:spPr/>
+      </p:sp>
+      <p:sp>
+        <p:nvSpPr>
+          <p:cNvPr id="11" name="Picture Placeholder 10" descr="picture placeholder">
+            <a:extLst>
+              <a:ext uri="{FF2B5EF4-FFF2-40B4-BE49-F238E27FC236}">
+                <a16:creationId xmlns:a16="http://schemas.microsoft.com/office/drawing/2014/main" id="{D352D547-51D6-4AC1-A9EC-8E1BA8F8B780}"/>
+              </a:ext>
+              <a:ext uri="{C183D7F6-B498-43B3-948B-1728B52AA6E4}">
+                <adec:decorative xmlns:adec="http://schemas.microsoft.com/office/drawing/2017/decorative" val="1"/>
+              </a:ext>
+            </a:extLst>
+          </p:cNvPr>
+          <p:cNvSpPr>
+            <a:spLocks noGrp="1"/>
+          </p:cNvSpPr>
+          <p:nvPr>
+            <p:ph type="pic" sz="quarter" idx="21"/>
+          </p:nvPr>
+        </p:nvSpPr>
+        <p:spPr/>
+      </p:sp>
+      <p:sp>
+        <p:nvSpPr>
+          <p:cNvPr id="6" name="Picture Placeholder 5" descr="picture placeholder">
+            <a:extLst>
+              <a:ext uri="{FF2B5EF4-FFF2-40B4-BE49-F238E27FC236}">
+                <a16:creationId xmlns:a16="http://schemas.microsoft.com/office/drawing/2014/main" id="{6CB6DE2D-0061-41C5-B817-50C54B4B674D}"/>
+              </a:ext>
+              <a:ext uri="{C183D7F6-B498-43B3-948B-1728B52AA6E4}">
+                <adec:decorative xmlns:adec="http://schemas.microsoft.com/office/drawing/2017/decorative" val="1"/>
+              </a:ext>
+            </a:extLst>
+          </p:cNvPr>
+          <p:cNvSpPr>
+            <a:spLocks noGrp="1"/>
+          </p:cNvSpPr>
+          <p:nvPr>
+            <p:ph type="pic" sz="quarter" idx="16"/>
+          </p:nvPr>
+        </p:nvSpPr>
+        <p:spPr/>
+      </p:sp>
+      <p:sp>
+        <p:nvSpPr>
+          <p:cNvPr id="7" name="Picture Placeholder 6" descr="picture placeholder">
+            <a:extLst>
+              <a:ext uri="{FF2B5EF4-FFF2-40B4-BE49-F238E27FC236}">
+                <a16:creationId xmlns:a16="http://schemas.microsoft.com/office/drawing/2014/main" id="{760FA0BE-32C2-406B-9B1B-D3296C6344EC}"/>
+              </a:ext>
+              <a:ext uri="{C183D7F6-B498-43B3-948B-1728B52AA6E4}">
+                <adec:decorative xmlns:adec="http://schemas.microsoft.com/office/drawing/2017/decorative" val="1"/>
+              </a:ext>
+            </a:extLst>
+          </p:cNvPr>
+          <p:cNvSpPr>
+            <a:spLocks noGrp="1"/>
+          </p:cNvSpPr>
+          <p:nvPr>
+            <p:ph type="pic" sz="quarter" idx="17"/>
+          </p:nvPr>
+        </p:nvSpPr>
+        <p:spPr/>
+      </p:sp>
+      <p:sp>
+        <p:nvSpPr>
+          <p:cNvPr id="8" name="Picture Placeholder 7" descr="picture placeholder">
+            <a:extLst>
+              <a:ext uri="{FF2B5EF4-FFF2-40B4-BE49-F238E27FC236}">
+                <a16:creationId xmlns:a16="http://schemas.microsoft.com/office/drawing/2014/main" id="{BCB9B189-B977-435E-A33D-24084EAD7652}"/>
+              </a:ext>
+              <a:ext uri="{C183D7F6-B498-43B3-948B-1728B52AA6E4}">
+                <adec:decorative xmlns:adec="http://schemas.microsoft.com/office/drawing/2017/decorative" val="1"/>
+              </a:ext>
+            </a:extLst>
+          </p:cNvPr>
+          <p:cNvSpPr>
+            <a:spLocks noGrp="1"/>
+          </p:cNvSpPr>
+          <p:nvPr>
+            <p:ph type="pic" sz="quarter" idx="18"/>
+          </p:nvPr>
+        </p:nvSpPr>
+        <p:spPr/>
+      </p:sp>
+      <p:sp>
+        <p:nvSpPr>
+          <p:cNvPr id="3" name="Slide Number Placeholder 2">
+            <a:extLst>
+              <a:ext uri="{FF2B5EF4-FFF2-40B4-BE49-F238E27FC236}">
+                <a16:creationId xmlns:a16="http://schemas.microsoft.com/office/drawing/2014/main" id="{F20C02BF-49ED-496E-9ABA-15E6BF632132}"/>
+              </a:ext>
+            </a:extLst>
+          </p:cNvPr>
+          <p:cNvSpPr>
+            <a:spLocks noGrp="1"/>
+          </p:cNvSpPr>
+          <p:nvPr>
+            <p:ph type="sldNum" sz="quarter" idx="22"/>
+          </p:nvPr>
+        </p:nvSpPr>
+        <p:spPr/>
+        <p:txBody>
+          <a:bodyPr/>
+          <a:lstStyle/>
+          <a:p>
+            <a:pPr algn="r"/>
+            <a:fld id="{3D3C4EEC-F499-4A7F-B67B-5709763315B6}" type="slidenum">
+              <a:rPr lang="en-US" smtClean="0"/>
+              <a:pPr algn="r"/>
+              <a:t>15</a:t>
+            </a:fld>
+            <a:endParaRPr lang="en-US" dirty="0"/>
+          </a:p>
+        </p:txBody>
+      </p:sp>
+    </p:spTree>
+    <p:extLst>
+      <p:ext uri="{BB962C8B-B14F-4D97-AF65-F5344CB8AC3E}">
+        <p14:creationId xmlns:p14="http://schemas.microsoft.com/office/powerpoint/2010/main" val="795949296"/>
+      </p:ext>
+    </p:extLst>
+  </p:cSld>
+  <p:clrMapOvr>
+    <a:masterClrMapping/>
+  </p:clrMapOvr>
+</p:sld>
+</file>
+
+<file path=ppt/slides/slide16.xml><?xml version="1.0" encoding="utf-8"?>
+<p:sld xmlns:a="http://schemas.openxmlformats.org/drawingml/2006/main" xmlns:r="http://schemas.openxmlformats.org/officeDocument/2006/relationships" xmlns:p="http://schemas.openxmlformats.org/presentationml/2006/main">
+  <p:cSld>
+    <p:spTree>
+      <p:nvGrpSpPr>
+        <p:cNvPr id="1" name=""/>
+        <p:cNvGrpSpPr/>
+        <p:nvPr/>
+      </p:nvGrpSpPr>
+      <p:grpSpPr>
+        <a:xfrm>
+          <a:off x="0" y="0"/>
+          <a:ext cx="0" cy="0"/>
+          <a:chOff x="0" y="0"/>
+          <a:chExt cx="0" cy="0"/>
+        </a:xfrm>
+      </p:grpSpPr>
+      <p:sp>
+        <p:nvSpPr>
+          <p:cNvPr id="25" name="Title 24">
+            <a:extLst>
+              <a:ext uri="{FF2B5EF4-FFF2-40B4-BE49-F238E27FC236}">
+                <a16:creationId xmlns:a16="http://schemas.microsoft.com/office/drawing/2014/main" id="{D27F2071-6AF5-4F31-9368-D7653D8792D5}"/>
+              </a:ext>
+            </a:extLst>
+          </p:cNvPr>
+          <p:cNvSpPr>
+            <a:spLocks noGrp="1"/>
+          </p:cNvSpPr>
+          <p:nvPr>
+            <p:ph type="title"/>
           </p:nvPr>
         </p:nvSpPr>
         <p:spPr/>
@@ -23303,25 +23525,713 @@
           <a:lstStyle/>
           <a:p>
             <a:r>
-              <a:rPr lang="en-US" u="sng" dirty="0">
-                <a:hlinkClick r:id="rId2">
-                  <a:extLst>
-                    <a:ext uri="{A12FA001-AC4F-418D-AE19-62706E023703}">
-                      <ahyp:hlinkClr xmlns:ahyp="http://schemas.microsoft.com/office/drawing/2018/hyperlinkcolor" val="tx"/>
-                    </a:ext>
-                  </a:extLst>
-                </a:hlinkClick>
-              </a:rPr>
-              <a:t>Template Editing Instructions and Feedback</a:t>
+              <a:rPr lang="en-US" dirty="0"/>
+              <a:t>CLICK TO ADD TITLE 03</a:t>
             </a:r>
-            <a:endParaRPr lang="en-US" u="sng" dirty="0"/>
+          </a:p>
+        </p:txBody>
+      </p:sp>
+      <p:sp>
+        <p:nvSpPr>
+          <p:cNvPr id="5" name="Picture Placeholder 4" descr="picture placeholder">
+            <a:extLst>
+              <a:ext uri="{FF2B5EF4-FFF2-40B4-BE49-F238E27FC236}">
+                <a16:creationId xmlns:a16="http://schemas.microsoft.com/office/drawing/2014/main" id="{FFC4467F-1FCB-4DF1-AD54-A68D414594D3}"/>
+              </a:ext>
+              <a:ext uri="{C183D7F6-B498-43B3-948B-1728B52AA6E4}">
+                <adec:decorative xmlns:adec="http://schemas.microsoft.com/office/drawing/2017/decorative" val="1"/>
+              </a:ext>
+            </a:extLst>
+          </p:cNvPr>
+          <p:cNvSpPr>
+            <a:spLocks noGrp="1"/>
+          </p:cNvSpPr>
+          <p:nvPr>
+            <p:ph type="pic" sz="quarter" idx="13"/>
+          </p:nvPr>
+        </p:nvSpPr>
+        <p:spPr/>
+      </p:sp>
+      <p:sp>
+        <p:nvSpPr>
+          <p:cNvPr id="6" name="Picture Placeholder 5" descr="picture placeholder">
+            <a:extLst>
+              <a:ext uri="{FF2B5EF4-FFF2-40B4-BE49-F238E27FC236}">
+                <a16:creationId xmlns:a16="http://schemas.microsoft.com/office/drawing/2014/main" id="{CE0C87B8-A879-4AF7-A7B7-375620D39D84}"/>
+              </a:ext>
+              <a:ext uri="{C183D7F6-B498-43B3-948B-1728B52AA6E4}">
+                <adec:decorative xmlns:adec="http://schemas.microsoft.com/office/drawing/2017/decorative" val="1"/>
+              </a:ext>
+            </a:extLst>
+          </p:cNvPr>
+          <p:cNvSpPr>
+            <a:spLocks noGrp="1"/>
+          </p:cNvSpPr>
+          <p:nvPr>
+            <p:ph type="pic" sz="quarter" idx="14"/>
+          </p:nvPr>
+        </p:nvSpPr>
+        <p:spPr/>
+      </p:sp>
+      <p:sp>
+        <p:nvSpPr>
+          <p:cNvPr id="7" name="Picture Placeholder 6" descr="picture placeholder">
+            <a:extLst>
+              <a:ext uri="{FF2B5EF4-FFF2-40B4-BE49-F238E27FC236}">
+                <a16:creationId xmlns:a16="http://schemas.microsoft.com/office/drawing/2014/main" id="{9DB1BD8D-EADA-498A-BCFC-CEE42588B672}"/>
+              </a:ext>
+              <a:ext uri="{C183D7F6-B498-43B3-948B-1728B52AA6E4}">
+                <adec:decorative xmlns:adec="http://schemas.microsoft.com/office/drawing/2017/decorative" val="1"/>
+              </a:ext>
+            </a:extLst>
+          </p:cNvPr>
+          <p:cNvSpPr>
+            <a:spLocks noGrp="1"/>
+          </p:cNvSpPr>
+          <p:nvPr>
+            <p:ph type="pic" sz="quarter" idx="15"/>
+          </p:nvPr>
+        </p:nvSpPr>
+        <p:spPr/>
+      </p:sp>
+      <p:sp>
+        <p:nvSpPr>
+          <p:cNvPr id="3" name="Slide Number Placeholder 2">
+            <a:extLst>
+              <a:ext uri="{FF2B5EF4-FFF2-40B4-BE49-F238E27FC236}">
+                <a16:creationId xmlns:a16="http://schemas.microsoft.com/office/drawing/2014/main" id="{6539ABD2-421C-456E-8CA3-6F9E0762EEC3}"/>
+              </a:ext>
+            </a:extLst>
+          </p:cNvPr>
+          <p:cNvSpPr>
+            <a:spLocks noGrp="1"/>
+          </p:cNvSpPr>
+          <p:nvPr>
+            <p:ph type="sldNum" sz="quarter" idx="16"/>
+          </p:nvPr>
+        </p:nvSpPr>
+        <p:spPr/>
+        <p:txBody>
+          <a:bodyPr/>
+          <a:lstStyle/>
+          <a:p>
+            <a:pPr algn="r"/>
+            <a:fld id="{3D3C4EEC-F499-4A7F-B67B-5709763315B6}" type="slidenum">
+              <a:rPr lang="en-US" smtClean="0"/>
+              <a:pPr algn="r"/>
+              <a:t>16</a:t>
+            </a:fld>
+            <a:endParaRPr lang="en-US" dirty="0"/>
           </a:p>
         </p:txBody>
       </p:sp>
     </p:spTree>
     <p:extLst>
       <p:ext uri="{BB962C8B-B14F-4D97-AF65-F5344CB8AC3E}">
-        <p14:creationId xmlns:p14="http://schemas.microsoft.com/office/powerpoint/2010/main" val="59582380"/>
+        <p14:creationId xmlns:p14="http://schemas.microsoft.com/office/powerpoint/2010/main" val="4036421104"/>
+      </p:ext>
+    </p:extLst>
+  </p:cSld>
+  <p:clrMapOvr>
+    <a:masterClrMapping/>
+  </p:clrMapOvr>
+</p:sld>
+</file>
+
+<file path=ppt/slides/slide17.xml><?xml version="1.0" encoding="utf-8"?>
+<p:sld xmlns:a="http://schemas.openxmlformats.org/drawingml/2006/main" xmlns:r="http://schemas.openxmlformats.org/officeDocument/2006/relationships" xmlns:p="http://schemas.openxmlformats.org/presentationml/2006/main">
+  <p:cSld>
+    <p:spTree>
+      <p:nvGrpSpPr>
+        <p:cNvPr id="1" name=""/>
+        <p:cNvGrpSpPr/>
+        <p:nvPr/>
+      </p:nvGrpSpPr>
+      <p:grpSpPr>
+        <a:xfrm>
+          <a:off x="0" y="0"/>
+          <a:ext cx="0" cy="0"/>
+          <a:chOff x="0" y="0"/>
+          <a:chExt cx="0" cy="0"/>
+        </a:xfrm>
+      </p:grpSpPr>
+      <p:sp>
+        <p:nvSpPr>
+          <p:cNvPr id="24" name="Title 23">
+            <a:extLst>
+              <a:ext uri="{FF2B5EF4-FFF2-40B4-BE49-F238E27FC236}">
+                <a16:creationId xmlns:a16="http://schemas.microsoft.com/office/drawing/2014/main" id="{62AEAB66-5D0B-48D9-BCB8-2598CE27D4F5}"/>
+              </a:ext>
+            </a:extLst>
+          </p:cNvPr>
+          <p:cNvSpPr>
+            <a:spLocks noGrp="1"/>
+          </p:cNvSpPr>
+          <p:nvPr>
+            <p:ph type="title"/>
+          </p:nvPr>
+        </p:nvSpPr>
+        <p:spPr/>
+        <p:txBody>
+          <a:bodyPr/>
+          <a:lstStyle/>
+          <a:p>
+            <a:r>
+              <a:rPr lang="en-US" dirty="0"/>
+              <a:t>CLICK TO ADD TITLE 04</a:t>
+            </a:r>
+          </a:p>
+        </p:txBody>
+      </p:sp>
+      <p:sp>
+        <p:nvSpPr>
+          <p:cNvPr id="5" name="Picture Placeholder 4" descr="picture placeholder">
+            <a:extLst>
+              <a:ext uri="{FF2B5EF4-FFF2-40B4-BE49-F238E27FC236}">
+                <a16:creationId xmlns:a16="http://schemas.microsoft.com/office/drawing/2014/main" id="{3BD32857-7231-4011-ACC8-6EB724F5CA54}"/>
+              </a:ext>
+              <a:ext uri="{C183D7F6-B498-43B3-948B-1728B52AA6E4}">
+                <adec:decorative xmlns:adec="http://schemas.microsoft.com/office/drawing/2017/decorative" val="1"/>
+              </a:ext>
+            </a:extLst>
+          </p:cNvPr>
+          <p:cNvSpPr>
+            <a:spLocks noGrp="1"/>
+          </p:cNvSpPr>
+          <p:nvPr>
+            <p:ph type="pic" sz="quarter" idx="13"/>
+          </p:nvPr>
+        </p:nvSpPr>
+        <p:spPr/>
+      </p:sp>
+      <p:sp>
+        <p:nvSpPr>
+          <p:cNvPr id="6" name="Picture Placeholder 5" descr="picture placeholder">
+            <a:extLst>
+              <a:ext uri="{FF2B5EF4-FFF2-40B4-BE49-F238E27FC236}">
+                <a16:creationId xmlns:a16="http://schemas.microsoft.com/office/drawing/2014/main" id="{ED0E3447-BD11-41C4-BC2D-4CD273F275AD}"/>
+              </a:ext>
+              <a:ext uri="{C183D7F6-B498-43B3-948B-1728B52AA6E4}">
+                <adec:decorative xmlns:adec="http://schemas.microsoft.com/office/drawing/2017/decorative" val="1"/>
+              </a:ext>
+            </a:extLst>
+          </p:cNvPr>
+          <p:cNvSpPr>
+            <a:spLocks noGrp="1"/>
+          </p:cNvSpPr>
+          <p:nvPr>
+            <p:ph type="pic" sz="quarter" idx="14"/>
+          </p:nvPr>
+        </p:nvSpPr>
+        <p:spPr/>
+      </p:sp>
+      <p:sp>
+        <p:nvSpPr>
+          <p:cNvPr id="7" name="Picture Placeholder 6" descr="picture placeholder">
+            <a:extLst>
+              <a:ext uri="{FF2B5EF4-FFF2-40B4-BE49-F238E27FC236}">
+                <a16:creationId xmlns:a16="http://schemas.microsoft.com/office/drawing/2014/main" id="{C1B94235-E2DF-414E-BD2F-85FA63D37175}"/>
+              </a:ext>
+              <a:ext uri="{C183D7F6-B498-43B3-948B-1728B52AA6E4}">
+                <adec:decorative xmlns:adec="http://schemas.microsoft.com/office/drawing/2017/decorative" val="1"/>
+              </a:ext>
+            </a:extLst>
+          </p:cNvPr>
+          <p:cNvSpPr>
+            <a:spLocks noGrp="1"/>
+          </p:cNvSpPr>
+          <p:nvPr>
+            <p:ph type="pic" sz="quarter" idx="15"/>
+          </p:nvPr>
+        </p:nvSpPr>
+        <p:spPr/>
+      </p:sp>
+      <p:sp>
+        <p:nvSpPr>
+          <p:cNvPr id="8" name="Picture Placeholder 7" descr="picture placeholder">
+            <a:extLst>
+              <a:ext uri="{FF2B5EF4-FFF2-40B4-BE49-F238E27FC236}">
+                <a16:creationId xmlns:a16="http://schemas.microsoft.com/office/drawing/2014/main" id="{51C607BD-9B12-4B12-8F2C-211833649381}"/>
+              </a:ext>
+              <a:ext uri="{C183D7F6-B498-43B3-948B-1728B52AA6E4}">
+                <adec:decorative xmlns:adec="http://schemas.microsoft.com/office/drawing/2017/decorative" val="1"/>
+              </a:ext>
+            </a:extLst>
+          </p:cNvPr>
+          <p:cNvSpPr>
+            <a:spLocks noGrp="1"/>
+          </p:cNvSpPr>
+          <p:nvPr>
+            <p:ph type="pic" sz="quarter" idx="16"/>
+          </p:nvPr>
+        </p:nvSpPr>
+        <p:spPr/>
+      </p:sp>
+      <p:sp>
+        <p:nvSpPr>
+          <p:cNvPr id="9" name="Picture Placeholder 8" descr="picture placeholder">
+            <a:extLst>
+              <a:ext uri="{FF2B5EF4-FFF2-40B4-BE49-F238E27FC236}">
+                <a16:creationId xmlns:a16="http://schemas.microsoft.com/office/drawing/2014/main" id="{5D9AC37B-F831-40D1-BB17-ACDA493FE79F}"/>
+              </a:ext>
+              <a:ext uri="{C183D7F6-B498-43B3-948B-1728B52AA6E4}">
+                <adec:decorative xmlns:adec="http://schemas.microsoft.com/office/drawing/2017/decorative" val="1"/>
+              </a:ext>
+            </a:extLst>
+          </p:cNvPr>
+          <p:cNvSpPr>
+            <a:spLocks noGrp="1"/>
+          </p:cNvSpPr>
+          <p:nvPr>
+            <p:ph type="pic" sz="quarter" idx="17"/>
+          </p:nvPr>
+        </p:nvSpPr>
+        <p:spPr/>
+      </p:sp>
+      <p:sp>
+        <p:nvSpPr>
+          <p:cNvPr id="3" name="Slide Number Placeholder 2">
+            <a:extLst>
+              <a:ext uri="{FF2B5EF4-FFF2-40B4-BE49-F238E27FC236}">
+                <a16:creationId xmlns:a16="http://schemas.microsoft.com/office/drawing/2014/main" id="{B3360D74-A90D-49A2-8557-620C763C95C2}"/>
+              </a:ext>
+            </a:extLst>
+          </p:cNvPr>
+          <p:cNvSpPr>
+            <a:spLocks noGrp="1"/>
+          </p:cNvSpPr>
+          <p:nvPr>
+            <p:ph type="sldNum" sz="quarter" idx="18"/>
+          </p:nvPr>
+        </p:nvSpPr>
+        <p:spPr/>
+        <p:txBody>
+          <a:bodyPr/>
+          <a:lstStyle/>
+          <a:p>
+            <a:pPr algn="r"/>
+            <a:fld id="{3D3C4EEC-F499-4A7F-B67B-5709763315B6}" type="slidenum">
+              <a:rPr lang="en-US" smtClean="0"/>
+              <a:pPr algn="r"/>
+              <a:t>17</a:t>
+            </a:fld>
+            <a:endParaRPr lang="en-US" dirty="0"/>
+          </a:p>
+        </p:txBody>
+      </p:sp>
+    </p:spTree>
+    <p:extLst>
+      <p:ext uri="{BB962C8B-B14F-4D97-AF65-F5344CB8AC3E}">
+        <p14:creationId xmlns:p14="http://schemas.microsoft.com/office/powerpoint/2010/main" val="2254659760"/>
+      </p:ext>
+    </p:extLst>
+  </p:cSld>
+  <p:clrMapOvr>
+    <a:masterClrMapping/>
+  </p:clrMapOvr>
+</p:sld>
+</file>
+
+<file path=ppt/slides/slide18.xml><?xml version="1.0" encoding="utf-8"?>
+<p:sld xmlns:a="http://schemas.openxmlformats.org/drawingml/2006/main" xmlns:r="http://schemas.openxmlformats.org/officeDocument/2006/relationships" xmlns:p="http://schemas.openxmlformats.org/presentationml/2006/main">
+  <p:cSld>
+    <p:spTree>
+      <p:nvGrpSpPr>
+        <p:cNvPr id="1" name=""/>
+        <p:cNvGrpSpPr/>
+        <p:nvPr/>
+      </p:nvGrpSpPr>
+      <p:grpSpPr>
+        <a:xfrm>
+          <a:off x="0" y="0"/>
+          <a:ext cx="0" cy="0"/>
+          <a:chOff x="0" y="0"/>
+          <a:chExt cx="0" cy="0"/>
+        </a:xfrm>
+      </p:grpSpPr>
+      <p:sp>
+        <p:nvSpPr>
+          <p:cNvPr id="30" name="Title 29">
+            <a:extLst>
+              <a:ext uri="{FF2B5EF4-FFF2-40B4-BE49-F238E27FC236}">
+                <a16:creationId xmlns:a16="http://schemas.microsoft.com/office/drawing/2014/main" id="{40475ECD-0D02-4B5E-BAD4-6677C5557887}"/>
+              </a:ext>
+            </a:extLst>
+          </p:cNvPr>
+          <p:cNvSpPr>
+            <a:spLocks noGrp="1"/>
+          </p:cNvSpPr>
+          <p:nvPr>
+            <p:ph type="title"/>
+          </p:nvPr>
+        </p:nvSpPr>
+        <p:spPr/>
+        <p:txBody>
+          <a:bodyPr/>
+          <a:lstStyle/>
+          <a:p>
+            <a:r>
+              <a:rPr lang="en-US" dirty="0"/>
+              <a:t>CLICK TO ADD TITLE 05</a:t>
+            </a:r>
+          </a:p>
+        </p:txBody>
+      </p:sp>
+      <p:sp>
+        <p:nvSpPr>
+          <p:cNvPr id="5" name="Picture Placeholder 4" descr="picture placeholder">
+            <a:extLst>
+              <a:ext uri="{FF2B5EF4-FFF2-40B4-BE49-F238E27FC236}">
+                <a16:creationId xmlns:a16="http://schemas.microsoft.com/office/drawing/2014/main" id="{ECF12740-82D2-47F0-B3E1-D57AABE07B2B}"/>
+              </a:ext>
+              <a:ext uri="{C183D7F6-B498-43B3-948B-1728B52AA6E4}">
+                <adec:decorative xmlns:adec="http://schemas.microsoft.com/office/drawing/2017/decorative" val="1"/>
+              </a:ext>
+            </a:extLst>
+          </p:cNvPr>
+          <p:cNvSpPr>
+            <a:spLocks noGrp="1"/>
+          </p:cNvSpPr>
+          <p:nvPr>
+            <p:ph type="pic" sz="quarter" idx="13"/>
+          </p:nvPr>
+        </p:nvSpPr>
+        <p:spPr/>
+      </p:sp>
+      <p:sp>
+        <p:nvSpPr>
+          <p:cNvPr id="7" name="Picture Placeholder 6" descr="picture placeholder">
+            <a:extLst>
+              <a:ext uri="{FF2B5EF4-FFF2-40B4-BE49-F238E27FC236}">
+                <a16:creationId xmlns:a16="http://schemas.microsoft.com/office/drawing/2014/main" id="{1B3AF415-1CC1-45B4-A9F4-F280ACAF563E}"/>
+              </a:ext>
+              <a:ext uri="{C183D7F6-B498-43B3-948B-1728B52AA6E4}">
+                <adec:decorative xmlns:adec="http://schemas.microsoft.com/office/drawing/2017/decorative" val="1"/>
+              </a:ext>
+            </a:extLst>
+          </p:cNvPr>
+          <p:cNvSpPr>
+            <a:spLocks noGrp="1"/>
+          </p:cNvSpPr>
+          <p:nvPr>
+            <p:ph type="pic" sz="quarter" idx="17"/>
+          </p:nvPr>
+        </p:nvSpPr>
+        <p:spPr/>
+      </p:sp>
+      <p:sp>
+        <p:nvSpPr>
+          <p:cNvPr id="8" name="Picture Placeholder 7" descr="picture placeholder">
+            <a:extLst>
+              <a:ext uri="{FF2B5EF4-FFF2-40B4-BE49-F238E27FC236}">
+                <a16:creationId xmlns:a16="http://schemas.microsoft.com/office/drawing/2014/main" id="{E4BD8F0D-C2CB-436E-B899-F31AE2273E5D}"/>
+              </a:ext>
+              <a:ext uri="{C183D7F6-B498-43B3-948B-1728B52AA6E4}">
+                <adec:decorative xmlns:adec="http://schemas.microsoft.com/office/drawing/2017/decorative" val="1"/>
+              </a:ext>
+            </a:extLst>
+          </p:cNvPr>
+          <p:cNvSpPr>
+            <a:spLocks noGrp="1"/>
+          </p:cNvSpPr>
+          <p:nvPr>
+            <p:ph type="pic" sz="quarter" idx="18"/>
+          </p:nvPr>
+        </p:nvSpPr>
+        <p:spPr/>
+      </p:sp>
+      <p:sp>
+        <p:nvSpPr>
+          <p:cNvPr id="6" name="Picture Placeholder 5" descr="picture placeholder">
+            <a:extLst>
+              <a:ext uri="{FF2B5EF4-FFF2-40B4-BE49-F238E27FC236}">
+                <a16:creationId xmlns:a16="http://schemas.microsoft.com/office/drawing/2014/main" id="{C5F1592C-1F34-449C-B603-AA47AFF59819}"/>
+              </a:ext>
+              <a:ext uri="{C183D7F6-B498-43B3-948B-1728B52AA6E4}">
+                <adec:decorative xmlns:adec="http://schemas.microsoft.com/office/drawing/2017/decorative" val="1"/>
+              </a:ext>
+            </a:extLst>
+          </p:cNvPr>
+          <p:cNvSpPr>
+            <a:spLocks noGrp="1"/>
+          </p:cNvSpPr>
+          <p:nvPr>
+            <p:ph type="pic" sz="quarter" idx="14"/>
+          </p:nvPr>
+        </p:nvSpPr>
+        <p:spPr/>
+      </p:sp>
+      <p:sp>
+        <p:nvSpPr>
+          <p:cNvPr id="9" name="Picture Placeholder 8" descr="picture placeholder">
+            <a:extLst>
+              <a:ext uri="{FF2B5EF4-FFF2-40B4-BE49-F238E27FC236}">
+                <a16:creationId xmlns:a16="http://schemas.microsoft.com/office/drawing/2014/main" id="{730286C1-8690-4C1F-BB14-42DD2C611675}"/>
+              </a:ext>
+              <a:ext uri="{C183D7F6-B498-43B3-948B-1728B52AA6E4}">
+                <adec:decorative xmlns:adec="http://schemas.microsoft.com/office/drawing/2017/decorative" val="1"/>
+              </a:ext>
+            </a:extLst>
+          </p:cNvPr>
+          <p:cNvSpPr>
+            <a:spLocks noGrp="1"/>
+          </p:cNvSpPr>
+          <p:nvPr>
+            <p:ph type="pic" sz="quarter" idx="19"/>
+          </p:nvPr>
+        </p:nvSpPr>
+        <p:spPr/>
+      </p:sp>
+      <p:sp>
+        <p:nvSpPr>
+          <p:cNvPr id="10" name="Picture Placeholder 9" descr="picture placeholder">
+            <a:extLst>
+              <a:ext uri="{FF2B5EF4-FFF2-40B4-BE49-F238E27FC236}">
+                <a16:creationId xmlns:a16="http://schemas.microsoft.com/office/drawing/2014/main" id="{225143F8-B17D-4658-BDA6-9F544FCB1BDC}"/>
+              </a:ext>
+              <a:ext uri="{C183D7F6-B498-43B3-948B-1728B52AA6E4}">
+                <adec:decorative xmlns:adec="http://schemas.microsoft.com/office/drawing/2017/decorative" val="1"/>
+              </a:ext>
+            </a:extLst>
+          </p:cNvPr>
+          <p:cNvSpPr>
+            <a:spLocks noGrp="1"/>
+          </p:cNvSpPr>
+          <p:nvPr>
+            <p:ph type="pic" sz="quarter" idx="20"/>
+          </p:nvPr>
+        </p:nvSpPr>
+        <p:spPr/>
+      </p:sp>
+      <p:sp>
+        <p:nvSpPr>
+          <p:cNvPr id="11" name="Picture Placeholder 10" descr="picture placeholder">
+            <a:extLst>
+              <a:ext uri="{FF2B5EF4-FFF2-40B4-BE49-F238E27FC236}">
+                <a16:creationId xmlns:a16="http://schemas.microsoft.com/office/drawing/2014/main" id="{DEFC9061-93AA-46CC-9E29-324C46289ED8}"/>
+              </a:ext>
+              <a:ext uri="{C183D7F6-B498-43B3-948B-1728B52AA6E4}">
+                <adec:decorative xmlns:adec="http://schemas.microsoft.com/office/drawing/2017/decorative" val="1"/>
+              </a:ext>
+            </a:extLst>
+          </p:cNvPr>
+          <p:cNvSpPr>
+            <a:spLocks noGrp="1"/>
+          </p:cNvSpPr>
+          <p:nvPr>
+            <p:ph type="pic" sz="quarter" idx="21"/>
+          </p:nvPr>
+        </p:nvSpPr>
+        <p:spPr/>
+      </p:sp>
+      <p:sp>
+        <p:nvSpPr>
+          <p:cNvPr id="3" name="Slide Number Placeholder 2">
+            <a:extLst>
+              <a:ext uri="{FF2B5EF4-FFF2-40B4-BE49-F238E27FC236}">
+                <a16:creationId xmlns:a16="http://schemas.microsoft.com/office/drawing/2014/main" id="{E371907E-0B46-4897-A29A-56BCE4D17744}"/>
+              </a:ext>
+            </a:extLst>
+          </p:cNvPr>
+          <p:cNvSpPr>
+            <a:spLocks noGrp="1"/>
+          </p:cNvSpPr>
+          <p:nvPr>
+            <p:ph type="sldNum" sz="quarter" idx="22"/>
+          </p:nvPr>
+        </p:nvSpPr>
+        <p:spPr/>
+        <p:txBody>
+          <a:bodyPr/>
+          <a:lstStyle/>
+          <a:p>
+            <a:pPr algn="r"/>
+            <a:fld id="{3D3C4EEC-F499-4A7F-B67B-5709763315B6}" type="slidenum">
+              <a:rPr lang="en-US" smtClean="0"/>
+              <a:pPr algn="r"/>
+              <a:t>18</a:t>
+            </a:fld>
+            <a:endParaRPr lang="en-US" dirty="0"/>
+          </a:p>
+        </p:txBody>
+      </p:sp>
+    </p:spTree>
+    <p:extLst>
+      <p:ext uri="{BB962C8B-B14F-4D97-AF65-F5344CB8AC3E}">
+        <p14:creationId xmlns:p14="http://schemas.microsoft.com/office/powerpoint/2010/main" val="2190017054"/>
+      </p:ext>
+    </p:extLst>
+  </p:cSld>
+  <p:clrMapOvr>
+    <a:masterClrMapping/>
+  </p:clrMapOvr>
+</p:sld>
+</file>
+
+<file path=ppt/slides/slide19.xml><?xml version="1.0" encoding="utf-8"?>
+<p:sld xmlns:a="http://schemas.openxmlformats.org/drawingml/2006/main" xmlns:r="http://schemas.openxmlformats.org/officeDocument/2006/relationships" xmlns:p="http://schemas.openxmlformats.org/presentationml/2006/main">
+  <p:cSld>
+    <p:spTree>
+      <p:nvGrpSpPr>
+        <p:cNvPr id="1" name=""/>
+        <p:cNvGrpSpPr/>
+        <p:nvPr/>
+      </p:nvGrpSpPr>
+      <p:grpSpPr>
+        <a:xfrm>
+          <a:off x="0" y="0"/>
+          <a:ext cx="0" cy="0"/>
+          <a:chOff x="0" y="0"/>
+          <a:chExt cx="0" cy="0"/>
+        </a:xfrm>
+      </p:grpSpPr>
+      <p:sp>
+        <p:nvSpPr>
+          <p:cNvPr id="21" name="Title 20">
+            <a:extLst>
+              <a:ext uri="{FF2B5EF4-FFF2-40B4-BE49-F238E27FC236}">
+                <a16:creationId xmlns:a16="http://schemas.microsoft.com/office/drawing/2014/main" id="{47B1DBF2-307B-48DA-90EF-0E95CF83CFAE}"/>
+              </a:ext>
+            </a:extLst>
+          </p:cNvPr>
+          <p:cNvSpPr>
+            <a:spLocks noGrp="1"/>
+          </p:cNvSpPr>
+          <p:nvPr>
+            <p:ph type="title"/>
+          </p:nvPr>
+        </p:nvSpPr>
+        <p:spPr/>
+        <p:txBody>
+          <a:bodyPr/>
+          <a:lstStyle/>
+          <a:p>
+            <a:r>
+              <a:rPr lang="en-US" dirty="0"/>
+              <a:t>CLICK TO ADD TITLE 06</a:t>
+            </a:r>
+          </a:p>
+        </p:txBody>
+      </p:sp>
+      <p:sp>
+        <p:nvSpPr>
+          <p:cNvPr id="5" name="Picture Placeholder 4" descr="picture placeholder">
+            <a:extLst>
+              <a:ext uri="{FF2B5EF4-FFF2-40B4-BE49-F238E27FC236}">
+                <a16:creationId xmlns:a16="http://schemas.microsoft.com/office/drawing/2014/main" id="{9E3433A5-1205-4C19-84EA-043A46F8C45B}"/>
+              </a:ext>
+              <a:ext uri="{C183D7F6-B498-43B3-948B-1728B52AA6E4}">
+                <adec:decorative xmlns:adec="http://schemas.microsoft.com/office/drawing/2017/decorative" val="1"/>
+              </a:ext>
+            </a:extLst>
+          </p:cNvPr>
+          <p:cNvSpPr>
+            <a:spLocks noGrp="1"/>
+          </p:cNvSpPr>
+          <p:nvPr>
+            <p:ph type="pic" sz="quarter" idx="14"/>
+          </p:nvPr>
+        </p:nvSpPr>
+        <p:spPr/>
+      </p:sp>
+      <p:sp>
+        <p:nvSpPr>
+          <p:cNvPr id="6" name="Picture Placeholder 5" descr="picture placeholder">
+            <a:extLst>
+              <a:ext uri="{FF2B5EF4-FFF2-40B4-BE49-F238E27FC236}">
+                <a16:creationId xmlns:a16="http://schemas.microsoft.com/office/drawing/2014/main" id="{05F22AD6-431E-4F8A-8D5A-B7BD09B3DD96}"/>
+              </a:ext>
+              <a:ext uri="{C183D7F6-B498-43B3-948B-1728B52AA6E4}">
+                <adec:decorative xmlns:adec="http://schemas.microsoft.com/office/drawing/2017/decorative" val="1"/>
+              </a:ext>
+            </a:extLst>
+          </p:cNvPr>
+          <p:cNvSpPr>
+            <a:spLocks noGrp="1"/>
+          </p:cNvSpPr>
+          <p:nvPr>
+            <p:ph type="pic" sz="quarter" idx="19"/>
+          </p:nvPr>
+        </p:nvSpPr>
+        <p:spPr/>
+      </p:sp>
+      <p:sp>
+        <p:nvSpPr>
+          <p:cNvPr id="7" name="Picture Placeholder 6" descr="picture placeholder">
+            <a:extLst>
+              <a:ext uri="{FF2B5EF4-FFF2-40B4-BE49-F238E27FC236}">
+                <a16:creationId xmlns:a16="http://schemas.microsoft.com/office/drawing/2014/main" id="{D6264F9A-2ED9-4F09-B474-46617932A6D3}"/>
+              </a:ext>
+              <a:ext uri="{C183D7F6-B498-43B3-948B-1728B52AA6E4}">
+                <adec:decorative xmlns:adec="http://schemas.microsoft.com/office/drawing/2017/decorative" val="1"/>
+              </a:ext>
+            </a:extLst>
+          </p:cNvPr>
+          <p:cNvSpPr>
+            <a:spLocks noGrp="1"/>
+          </p:cNvSpPr>
+          <p:nvPr>
+            <p:ph type="pic" sz="quarter" idx="20"/>
+          </p:nvPr>
+        </p:nvSpPr>
+        <p:spPr/>
+      </p:sp>
+      <p:sp>
+        <p:nvSpPr>
+          <p:cNvPr id="8" name="Picture Placeholder 7" descr="picture placeholder">
+            <a:extLst>
+              <a:ext uri="{FF2B5EF4-FFF2-40B4-BE49-F238E27FC236}">
+                <a16:creationId xmlns:a16="http://schemas.microsoft.com/office/drawing/2014/main" id="{3BD30730-8A28-43B6-BB75-916C9E4F62B3}"/>
+              </a:ext>
+              <a:ext uri="{C183D7F6-B498-43B3-948B-1728B52AA6E4}">
+                <adec:decorative xmlns:adec="http://schemas.microsoft.com/office/drawing/2017/decorative" val="1"/>
+              </a:ext>
+            </a:extLst>
+          </p:cNvPr>
+          <p:cNvSpPr>
+            <a:spLocks noGrp="1"/>
+          </p:cNvSpPr>
+          <p:nvPr>
+            <p:ph type="pic" sz="quarter" idx="21"/>
+          </p:nvPr>
+        </p:nvSpPr>
+        <p:spPr/>
+      </p:sp>
+      <p:sp>
+        <p:nvSpPr>
+          <p:cNvPr id="3" name="Slide Number Placeholder 2">
+            <a:extLst>
+              <a:ext uri="{FF2B5EF4-FFF2-40B4-BE49-F238E27FC236}">
+                <a16:creationId xmlns:a16="http://schemas.microsoft.com/office/drawing/2014/main" id="{D9F184D0-73A0-4B76-984E-92B972D29769}"/>
+              </a:ext>
+            </a:extLst>
+          </p:cNvPr>
+          <p:cNvSpPr>
+            <a:spLocks noGrp="1"/>
+          </p:cNvSpPr>
+          <p:nvPr>
+            <p:ph type="sldNum" sz="quarter" idx="22"/>
+          </p:nvPr>
+        </p:nvSpPr>
+        <p:spPr/>
+        <p:txBody>
+          <a:bodyPr/>
+          <a:lstStyle/>
+          <a:p>
+            <a:pPr algn="r"/>
+            <a:fld id="{3D3C4EEC-F499-4A7F-B67B-5709763315B6}" type="slidenum">
+              <a:rPr lang="en-US" smtClean="0"/>
+              <a:pPr algn="r"/>
+              <a:t>19</a:t>
+            </a:fld>
+            <a:endParaRPr lang="en-US" dirty="0"/>
+          </a:p>
+        </p:txBody>
+      </p:sp>
+    </p:spTree>
+    <p:extLst>
+      <p:ext uri="{BB962C8B-B14F-4D97-AF65-F5344CB8AC3E}">
+        <p14:creationId xmlns:p14="http://schemas.microsoft.com/office/powerpoint/2010/main" val="1084981323"/>
       </p:ext>
     </p:extLst>
   </p:cSld>
@@ -23424,9 +24334,16 @@
             <p:ph type="title"/>
           </p:nvPr>
         </p:nvSpPr>
-        <p:spPr/>
+        <p:spPr>
+          <a:xfrm>
+            <a:off x="-1" y="386223"/>
+            <a:ext cx="12192000" cy="907739"/>
+          </a:xfrm>
+        </p:spPr>
         <p:txBody>
-          <a:bodyPr/>
+          <a:bodyPr>
+            <a:normAutofit fontScale="90000"/>
+          </a:bodyPr>
           <a:lstStyle/>
           <a:p>
             <a:endParaRPr lang="en-US" dirty="0"/>
@@ -23757,6 +24674,961 @@
 </p:sld>
 </file>
 
+<file path=ppt/slides/slide20.xml><?xml version="1.0" encoding="utf-8"?>
+<p:sld xmlns:a="http://schemas.openxmlformats.org/drawingml/2006/main" xmlns:r="http://schemas.openxmlformats.org/officeDocument/2006/relationships" xmlns:p="http://schemas.openxmlformats.org/presentationml/2006/main">
+  <p:cSld>
+    <p:spTree>
+      <p:nvGrpSpPr>
+        <p:cNvPr id="1" name=""/>
+        <p:cNvGrpSpPr/>
+        <p:nvPr/>
+      </p:nvGrpSpPr>
+      <p:grpSpPr>
+        <a:xfrm>
+          <a:off x="0" y="0"/>
+          <a:ext cx="0" cy="0"/>
+          <a:chOff x="0" y="0"/>
+          <a:chExt cx="0" cy="0"/>
+        </a:xfrm>
+      </p:grpSpPr>
+      <p:sp>
+        <p:nvSpPr>
+          <p:cNvPr id="30" name="Title 29">
+            <a:extLst>
+              <a:ext uri="{FF2B5EF4-FFF2-40B4-BE49-F238E27FC236}">
+                <a16:creationId xmlns:a16="http://schemas.microsoft.com/office/drawing/2014/main" id="{684BCD8A-09DB-45C2-AA6B-94D01AF0902F}"/>
+              </a:ext>
+            </a:extLst>
+          </p:cNvPr>
+          <p:cNvSpPr>
+            <a:spLocks noGrp="1"/>
+          </p:cNvSpPr>
+          <p:nvPr>
+            <p:ph type="title"/>
+          </p:nvPr>
+        </p:nvSpPr>
+        <p:spPr/>
+        <p:txBody>
+          <a:bodyPr/>
+          <a:lstStyle/>
+          <a:p>
+            <a:r>
+              <a:rPr lang="en-US" dirty="0"/>
+              <a:t>CLICK TO ADD TITLE 09</a:t>
+            </a:r>
+          </a:p>
+        </p:txBody>
+      </p:sp>
+      <p:sp>
+        <p:nvSpPr>
+          <p:cNvPr id="5" name="Picture Placeholder 4" descr="picture placeholder">
+            <a:extLst>
+              <a:ext uri="{FF2B5EF4-FFF2-40B4-BE49-F238E27FC236}">
+                <a16:creationId xmlns:a16="http://schemas.microsoft.com/office/drawing/2014/main" id="{B3821C4A-84CC-439C-B54B-A0F2723C39A2}"/>
+              </a:ext>
+              <a:ext uri="{C183D7F6-B498-43B3-948B-1728B52AA6E4}">
+                <adec:decorative xmlns:adec="http://schemas.microsoft.com/office/drawing/2017/decorative" val="1"/>
+              </a:ext>
+            </a:extLst>
+          </p:cNvPr>
+          <p:cNvSpPr>
+            <a:spLocks noGrp="1"/>
+          </p:cNvSpPr>
+          <p:nvPr>
+            <p:ph type="pic" sz="quarter" idx="14"/>
+          </p:nvPr>
+        </p:nvSpPr>
+        <p:spPr/>
+      </p:sp>
+      <p:sp>
+        <p:nvSpPr>
+          <p:cNvPr id="6" name="Picture Placeholder 5" descr="picture placeholder">
+            <a:extLst>
+              <a:ext uri="{FF2B5EF4-FFF2-40B4-BE49-F238E27FC236}">
+                <a16:creationId xmlns:a16="http://schemas.microsoft.com/office/drawing/2014/main" id="{7D77E1B9-8953-47C0-9389-92508B71ED63}"/>
+              </a:ext>
+              <a:ext uri="{C183D7F6-B498-43B3-948B-1728B52AA6E4}">
+                <adec:decorative xmlns:adec="http://schemas.microsoft.com/office/drawing/2017/decorative" val="1"/>
+              </a:ext>
+            </a:extLst>
+          </p:cNvPr>
+          <p:cNvSpPr>
+            <a:spLocks noGrp="1"/>
+          </p:cNvSpPr>
+          <p:nvPr>
+            <p:ph type="pic" sz="quarter" idx="19"/>
+          </p:nvPr>
+        </p:nvSpPr>
+        <p:spPr/>
+      </p:sp>
+      <p:sp>
+        <p:nvSpPr>
+          <p:cNvPr id="7" name="Picture Placeholder 6" descr="picture placeholder">
+            <a:extLst>
+              <a:ext uri="{FF2B5EF4-FFF2-40B4-BE49-F238E27FC236}">
+                <a16:creationId xmlns:a16="http://schemas.microsoft.com/office/drawing/2014/main" id="{97BFED64-5E69-41D0-BF3C-07B68A31C5BA}"/>
+              </a:ext>
+              <a:ext uri="{C183D7F6-B498-43B3-948B-1728B52AA6E4}">
+                <adec:decorative xmlns:adec="http://schemas.microsoft.com/office/drawing/2017/decorative" val="1"/>
+              </a:ext>
+            </a:extLst>
+          </p:cNvPr>
+          <p:cNvSpPr>
+            <a:spLocks noGrp="1"/>
+          </p:cNvSpPr>
+          <p:nvPr>
+            <p:ph type="pic" sz="quarter" idx="22"/>
+          </p:nvPr>
+        </p:nvSpPr>
+        <p:spPr/>
+      </p:sp>
+      <p:sp>
+        <p:nvSpPr>
+          <p:cNvPr id="8" name="Picture Placeholder 7" descr="picture placeholder">
+            <a:extLst>
+              <a:ext uri="{FF2B5EF4-FFF2-40B4-BE49-F238E27FC236}">
+                <a16:creationId xmlns:a16="http://schemas.microsoft.com/office/drawing/2014/main" id="{31ABF86F-4C69-4980-BE2A-9321D4E45374}"/>
+              </a:ext>
+              <a:ext uri="{C183D7F6-B498-43B3-948B-1728B52AA6E4}">
+                <adec:decorative xmlns:adec="http://schemas.microsoft.com/office/drawing/2017/decorative" val="1"/>
+              </a:ext>
+            </a:extLst>
+          </p:cNvPr>
+          <p:cNvSpPr>
+            <a:spLocks noGrp="1"/>
+          </p:cNvSpPr>
+          <p:nvPr>
+            <p:ph type="pic" sz="quarter" idx="23"/>
+          </p:nvPr>
+        </p:nvSpPr>
+        <p:spPr/>
+      </p:sp>
+      <p:sp>
+        <p:nvSpPr>
+          <p:cNvPr id="9" name="Picture Placeholder 8" descr="picture placeholder">
+            <a:extLst>
+              <a:ext uri="{FF2B5EF4-FFF2-40B4-BE49-F238E27FC236}">
+                <a16:creationId xmlns:a16="http://schemas.microsoft.com/office/drawing/2014/main" id="{4DEC3E6A-EA3F-423C-9DB1-361466BA1091}"/>
+              </a:ext>
+              <a:ext uri="{C183D7F6-B498-43B3-948B-1728B52AA6E4}">
+                <adec:decorative xmlns:adec="http://schemas.microsoft.com/office/drawing/2017/decorative" val="1"/>
+              </a:ext>
+            </a:extLst>
+          </p:cNvPr>
+          <p:cNvSpPr>
+            <a:spLocks noGrp="1"/>
+          </p:cNvSpPr>
+          <p:nvPr>
+            <p:ph type="pic" sz="quarter" idx="24"/>
+          </p:nvPr>
+        </p:nvSpPr>
+        <p:spPr/>
+      </p:sp>
+      <p:sp>
+        <p:nvSpPr>
+          <p:cNvPr id="10" name="Picture Placeholder 9" descr="picture placeholder">
+            <a:extLst>
+              <a:ext uri="{FF2B5EF4-FFF2-40B4-BE49-F238E27FC236}">
+                <a16:creationId xmlns:a16="http://schemas.microsoft.com/office/drawing/2014/main" id="{C843F74C-7CC8-4568-AD47-7AAA1BD15109}"/>
+              </a:ext>
+              <a:ext uri="{C183D7F6-B498-43B3-948B-1728B52AA6E4}">
+                <adec:decorative xmlns:adec="http://schemas.microsoft.com/office/drawing/2017/decorative" val="1"/>
+              </a:ext>
+            </a:extLst>
+          </p:cNvPr>
+          <p:cNvSpPr>
+            <a:spLocks noGrp="1"/>
+          </p:cNvSpPr>
+          <p:nvPr>
+            <p:ph type="pic" sz="quarter" idx="25"/>
+          </p:nvPr>
+        </p:nvSpPr>
+        <p:spPr/>
+      </p:sp>
+      <p:sp>
+        <p:nvSpPr>
+          <p:cNvPr id="11" name="Picture Placeholder 10" descr="picture placeholder">
+            <a:extLst>
+              <a:ext uri="{FF2B5EF4-FFF2-40B4-BE49-F238E27FC236}">
+                <a16:creationId xmlns:a16="http://schemas.microsoft.com/office/drawing/2014/main" id="{99475363-6081-45D9-879B-C3D04F65D003}"/>
+              </a:ext>
+              <a:ext uri="{C183D7F6-B498-43B3-948B-1728B52AA6E4}">
+                <adec:decorative xmlns:adec="http://schemas.microsoft.com/office/drawing/2017/decorative" val="1"/>
+              </a:ext>
+            </a:extLst>
+          </p:cNvPr>
+          <p:cNvSpPr>
+            <a:spLocks noGrp="1"/>
+          </p:cNvSpPr>
+          <p:nvPr>
+            <p:ph type="pic" sz="quarter" idx="26"/>
+          </p:nvPr>
+        </p:nvSpPr>
+        <p:spPr/>
+      </p:sp>
+      <p:sp>
+        <p:nvSpPr>
+          <p:cNvPr id="3" name="Slide Number Placeholder 2">
+            <a:extLst>
+              <a:ext uri="{FF2B5EF4-FFF2-40B4-BE49-F238E27FC236}">
+                <a16:creationId xmlns:a16="http://schemas.microsoft.com/office/drawing/2014/main" id="{45C4C83B-5B69-4DC6-BD5A-C764A2A3685C}"/>
+              </a:ext>
+            </a:extLst>
+          </p:cNvPr>
+          <p:cNvSpPr>
+            <a:spLocks noGrp="1"/>
+          </p:cNvSpPr>
+          <p:nvPr>
+            <p:ph type="sldNum" sz="quarter" idx="27"/>
+          </p:nvPr>
+        </p:nvSpPr>
+        <p:spPr/>
+        <p:txBody>
+          <a:bodyPr/>
+          <a:lstStyle/>
+          <a:p>
+            <a:pPr algn="r"/>
+            <a:fld id="{3D3C4EEC-F499-4A7F-B67B-5709763315B6}" type="slidenum">
+              <a:rPr lang="en-US" smtClean="0"/>
+              <a:pPr algn="r"/>
+              <a:t>20</a:t>
+            </a:fld>
+            <a:endParaRPr lang="en-US" dirty="0"/>
+          </a:p>
+        </p:txBody>
+      </p:sp>
+    </p:spTree>
+    <p:extLst>
+      <p:ext uri="{BB962C8B-B14F-4D97-AF65-F5344CB8AC3E}">
+        <p14:creationId xmlns:p14="http://schemas.microsoft.com/office/powerpoint/2010/main" val="4111699749"/>
+      </p:ext>
+    </p:extLst>
+  </p:cSld>
+  <p:clrMapOvr>
+    <a:masterClrMapping/>
+  </p:clrMapOvr>
+</p:sld>
+</file>
+
+<file path=ppt/slides/slide21.xml><?xml version="1.0" encoding="utf-8"?>
+<p:sld xmlns:a="http://schemas.openxmlformats.org/drawingml/2006/main" xmlns:r="http://schemas.openxmlformats.org/officeDocument/2006/relationships" xmlns:p="http://schemas.openxmlformats.org/presentationml/2006/main">
+  <p:cSld>
+    <p:spTree>
+      <p:nvGrpSpPr>
+        <p:cNvPr id="1" name=""/>
+        <p:cNvGrpSpPr/>
+        <p:nvPr/>
+      </p:nvGrpSpPr>
+      <p:grpSpPr>
+        <a:xfrm>
+          <a:off x="0" y="0"/>
+          <a:ext cx="0" cy="0"/>
+          <a:chOff x="0" y="0"/>
+          <a:chExt cx="0" cy="0"/>
+        </a:xfrm>
+      </p:grpSpPr>
+      <p:sp>
+        <p:nvSpPr>
+          <p:cNvPr id="24" name="Title 23">
+            <a:extLst>
+              <a:ext uri="{FF2B5EF4-FFF2-40B4-BE49-F238E27FC236}">
+                <a16:creationId xmlns:a16="http://schemas.microsoft.com/office/drawing/2014/main" id="{4E91CB0E-B6EC-4B01-9AE4-5490DC447576}"/>
+              </a:ext>
+            </a:extLst>
+          </p:cNvPr>
+          <p:cNvSpPr>
+            <a:spLocks noGrp="1"/>
+          </p:cNvSpPr>
+          <p:nvPr>
+            <p:ph type="title"/>
+          </p:nvPr>
+        </p:nvSpPr>
+        <p:spPr/>
+        <p:txBody>
+          <a:bodyPr/>
+          <a:lstStyle/>
+          <a:p>
+            <a:r>
+              <a:rPr lang="en-US" dirty="0"/>
+              <a:t>CLICK TO ADD TITLE 10</a:t>
+            </a:r>
+          </a:p>
+        </p:txBody>
+      </p:sp>
+      <p:sp>
+        <p:nvSpPr>
+          <p:cNvPr id="5" name="Picture Placeholder 4" descr="picture placeholder">
+            <a:extLst>
+              <a:ext uri="{FF2B5EF4-FFF2-40B4-BE49-F238E27FC236}">
+                <a16:creationId xmlns:a16="http://schemas.microsoft.com/office/drawing/2014/main" id="{4E399D16-5AA5-4256-84B1-7BE449CBC2B0}"/>
+              </a:ext>
+              <a:ext uri="{C183D7F6-B498-43B3-948B-1728B52AA6E4}">
+                <adec:decorative xmlns:adec="http://schemas.microsoft.com/office/drawing/2017/decorative" val="1"/>
+              </a:ext>
+            </a:extLst>
+          </p:cNvPr>
+          <p:cNvSpPr>
+            <a:spLocks noGrp="1"/>
+          </p:cNvSpPr>
+          <p:nvPr>
+            <p:ph type="pic" sz="quarter" idx="22"/>
+          </p:nvPr>
+        </p:nvSpPr>
+        <p:spPr/>
+      </p:sp>
+      <p:sp>
+        <p:nvSpPr>
+          <p:cNvPr id="6" name="Picture Placeholder 5" descr="picture placeholder">
+            <a:extLst>
+              <a:ext uri="{FF2B5EF4-FFF2-40B4-BE49-F238E27FC236}">
+                <a16:creationId xmlns:a16="http://schemas.microsoft.com/office/drawing/2014/main" id="{FCB6419F-C43C-4ECA-8545-9CCEA47821C8}"/>
+              </a:ext>
+              <a:ext uri="{C183D7F6-B498-43B3-948B-1728B52AA6E4}">
+                <adec:decorative xmlns:adec="http://schemas.microsoft.com/office/drawing/2017/decorative" val="1"/>
+              </a:ext>
+            </a:extLst>
+          </p:cNvPr>
+          <p:cNvSpPr>
+            <a:spLocks noGrp="1"/>
+          </p:cNvSpPr>
+          <p:nvPr>
+            <p:ph type="pic" sz="quarter" idx="23"/>
+          </p:nvPr>
+        </p:nvSpPr>
+        <p:spPr/>
+      </p:sp>
+      <p:sp>
+        <p:nvSpPr>
+          <p:cNvPr id="9" name="Picture Placeholder 8" descr="picture placeholder">
+            <a:extLst>
+              <a:ext uri="{FF2B5EF4-FFF2-40B4-BE49-F238E27FC236}">
+                <a16:creationId xmlns:a16="http://schemas.microsoft.com/office/drawing/2014/main" id="{B3890189-3F84-4E38-876D-A145A2818D48}"/>
+              </a:ext>
+              <a:ext uri="{C183D7F6-B498-43B3-948B-1728B52AA6E4}">
+                <adec:decorative xmlns:adec="http://schemas.microsoft.com/office/drawing/2017/decorative" val="1"/>
+              </a:ext>
+            </a:extLst>
+          </p:cNvPr>
+          <p:cNvSpPr>
+            <a:spLocks noGrp="1"/>
+          </p:cNvSpPr>
+          <p:nvPr>
+            <p:ph type="pic" sz="quarter" idx="29"/>
+          </p:nvPr>
+        </p:nvSpPr>
+        <p:spPr/>
+      </p:sp>
+      <p:sp>
+        <p:nvSpPr>
+          <p:cNvPr id="7" name="Picture Placeholder 6" descr="picture placeholder">
+            <a:extLst>
+              <a:ext uri="{FF2B5EF4-FFF2-40B4-BE49-F238E27FC236}">
+                <a16:creationId xmlns:a16="http://schemas.microsoft.com/office/drawing/2014/main" id="{325072A7-132E-4082-926E-1F00665C2E30}"/>
+              </a:ext>
+              <a:ext uri="{C183D7F6-B498-43B3-948B-1728B52AA6E4}">
+                <adec:decorative xmlns:adec="http://schemas.microsoft.com/office/drawing/2017/decorative" val="1"/>
+              </a:ext>
+            </a:extLst>
+          </p:cNvPr>
+          <p:cNvSpPr>
+            <a:spLocks noGrp="1"/>
+          </p:cNvSpPr>
+          <p:nvPr>
+            <p:ph type="pic" sz="quarter" idx="27"/>
+          </p:nvPr>
+        </p:nvSpPr>
+        <p:spPr/>
+      </p:sp>
+      <p:sp>
+        <p:nvSpPr>
+          <p:cNvPr id="8" name="Picture Placeholder 7" descr="picture placeholder">
+            <a:extLst>
+              <a:ext uri="{FF2B5EF4-FFF2-40B4-BE49-F238E27FC236}">
+                <a16:creationId xmlns:a16="http://schemas.microsoft.com/office/drawing/2014/main" id="{3311E110-78EB-4703-B69E-E3D21386B6D7}"/>
+              </a:ext>
+              <a:ext uri="{C183D7F6-B498-43B3-948B-1728B52AA6E4}">
+                <adec:decorative xmlns:adec="http://schemas.microsoft.com/office/drawing/2017/decorative" val="1"/>
+              </a:ext>
+            </a:extLst>
+          </p:cNvPr>
+          <p:cNvSpPr>
+            <a:spLocks noGrp="1"/>
+          </p:cNvSpPr>
+          <p:nvPr>
+            <p:ph type="pic" sz="quarter" idx="28"/>
+          </p:nvPr>
+        </p:nvSpPr>
+        <p:spPr/>
+      </p:sp>
+      <p:sp>
+        <p:nvSpPr>
+          <p:cNvPr id="3" name="Slide Number Placeholder 2">
+            <a:extLst>
+              <a:ext uri="{FF2B5EF4-FFF2-40B4-BE49-F238E27FC236}">
+                <a16:creationId xmlns:a16="http://schemas.microsoft.com/office/drawing/2014/main" id="{841745E3-BCFB-4BF4-98AE-F26B4B2EA4D8}"/>
+              </a:ext>
+            </a:extLst>
+          </p:cNvPr>
+          <p:cNvSpPr>
+            <a:spLocks noGrp="1"/>
+          </p:cNvSpPr>
+          <p:nvPr>
+            <p:ph type="sldNum" sz="quarter" idx="30"/>
+          </p:nvPr>
+        </p:nvSpPr>
+        <p:spPr/>
+        <p:txBody>
+          <a:bodyPr/>
+          <a:lstStyle/>
+          <a:p>
+            <a:pPr algn="r"/>
+            <a:fld id="{3D3C4EEC-F499-4A7F-B67B-5709763315B6}" type="slidenum">
+              <a:rPr lang="en-US" smtClean="0"/>
+              <a:pPr algn="r"/>
+              <a:t>21</a:t>
+            </a:fld>
+            <a:endParaRPr lang="en-US" dirty="0"/>
+          </a:p>
+        </p:txBody>
+      </p:sp>
+    </p:spTree>
+    <p:extLst>
+      <p:ext uri="{BB962C8B-B14F-4D97-AF65-F5344CB8AC3E}">
+        <p14:creationId xmlns:p14="http://schemas.microsoft.com/office/powerpoint/2010/main" val="908184357"/>
+      </p:ext>
+    </p:extLst>
+  </p:cSld>
+  <p:clrMapOvr>
+    <a:masterClrMapping/>
+  </p:clrMapOvr>
+</p:sld>
+</file>
+
+<file path=ppt/slides/slide22.xml><?xml version="1.0" encoding="utf-8"?>
+<p:sld xmlns:a="http://schemas.openxmlformats.org/drawingml/2006/main" xmlns:r="http://schemas.openxmlformats.org/officeDocument/2006/relationships" xmlns:p="http://schemas.openxmlformats.org/presentationml/2006/main">
+  <p:cSld>
+    <p:spTree>
+      <p:nvGrpSpPr>
+        <p:cNvPr id="1" name=""/>
+        <p:cNvGrpSpPr/>
+        <p:nvPr/>
+      </p:nvGrpSpPr>
+      <p:grpSpPr>
+        <a:xfrm>
+          <a:off x="0" y="0"/>
+          <a:ext cx="0" cy="0"/>
+          <a:chOff x="0" y="0"/>
+          <a:chExt cx="0" cy="0"/>
+        </a:xfrm>
+      </p:grpSpPr>
+      <p:sp>
+        <p:nvSpPr>
+          <p:cNvPr id="40" name="Title 39">
+            <a:extLst>
+              <a:ext uri="{FF2B5EF4-FFF2-40B4-BE49-F238E27FC236}">
+                <a16:creationId xmlns:a16="http://schemas.microsoft.com/office/drawing/2014/main" id="{41C335CC-237C-4B50-AE9A-A644F0B7C83A}"/>
+              </a:ext>
+            </a:extLst>
+          </p:cNvPr>
+          <p:cNvSpPr>
+            <a:spLocks noGrp="1"/>
+          </p:cNvSpPr>
+          <p:nvPr>
+            <p:ph type="title"/>
+          </p:nvPr>
+        </p:nvSpPr>
+        <p:spPr/>
+        <p:txBody>
+          <a:bodyPr/>
+          <a:lstStyle/>
+          <a:p>
+            <a:r>
+              <a:rPr lang="en-US" dirty="0"/>
+              <a:t>CLICK TO ADD TITLE 11</a:t>
+            </a:r>
+          </a:p>
+        </p:txBody>
+      </p:sp>
+      <p:sp>
+        <p:nvSpPr>
+          <p:cNvPr id="4" name="Picture Placeholder 3" descr="picture placeholder">
+            <a:extLst>
+              <a:ext uri="{FF2B5EF4-FFF2-40B4-BE49-F238E27FC236}">
+                <a16:creationId xmlns:a16="http://schemas.microsoft.com/office/drawing/2014/main" id="{68B35A93-7323-443D-BD38-A1ADD66F40A6}"/>
+              </a:ext>
+              <a:ext uri="{C183D7F6-B498-43B3-948B-1728B52AA6E4}">
+                <adec:decorative xmlns:adec="http://schemas.microsoft.com/office/drawing/2017/decorative" val="1"/>
+              </a:ext>
+            </a:extLst>
+          </p:cNvPr>
+          <p:cNvSpPr>
+            <a:spLocks noGrp="1"/>
+          </p:cNvSpPr>
+          <p:nvPr>
+            <p:ph type="pic" sz="quarter" idx="22"/>
+          </p:nvPr>
+        </p:nvSpPr>
+        <p:spPr/>
+      </p:sp>
+      <p:sp>
+        <p:nvSpPr>
+          <p:cNvPr id="7" name="Picture Placeholder 6" descr="picture placeholder">
+            <a:extLst>
+              <a:ext uri="{FF2B5EF4-FFF2-40B4-BE49-F238E27FC236}">
+                <a16:creationId xmlns:a16="http://schemas.microsoft.com/office/drawing/2014/main" id="{440AB8A1-9D7B-416A-99C3-C7EEC3558471}"/>
+              </a:ext>
+              <a:ext uri="{C183D7F6-B498-43B3-948B-1728B52AA6E4}">
+                <adec:decorative xmlns:adec="http://schemas.microsoft.com/office/drawing/2017/decorative" val="1"/>
+              </a:ext>
+            </a:extLst>
+          </p:cNvPr>
+          <p:cNvSpPr>
+            <a:spLocks noGrp="1"/>
+          </p:cNvSpPr>
+          <p:nvPr>
+            <p:ph type="pic" sz="quarter" idx="29"/>
+          </p:nvPr>
+        </p:nvSpPr>
+        <p:spPr/>
+      </p:sp>
+      <p:sp>
+        <p:nvSpPr>
+          <p:cNvPr id="5" name="Picture Placeholder 4" descr="picture placeholder">
+            <a:extLst>
+              <a:ext uri="{FF2B5EF4-FFF2-40B4-BE49-F238E27FC236}">
+                <a16:creationId xmlns:a16="http://schemas.microsoft.com/office/drawing/2014/main" id="{4DE02F5E-72D2-4EC1-A1E6-39C6BF2B84DF}"/>
+              </a:ext>
+              <a:ext uri="{C183D7F6-B498-43B3-948B-1728B52AA6E4}">
+                <adec:decorative xmlns:adec="http://schemas.microsoft.com/office/drawing/2017/decorative" val="1"/>
+              </a:ext>
+            </a:extLst>
+          </p:cNvPr>
+          <p:cNvSpPr>
+            <a:spLocks noGrp="1"/>
+          </p:cNvSpPr>
+          <p:nvPr>
+            <p:ph type="pic" sz="quarter" idx="23"/>
+          </p:nvPr>
+        </p:nvSpPr>
+        <p:spPr/>
+      </p:sp>
+      <p:sp>
+        <p:nvSpPr>
+          <p:cNvPr id="6" name="Picture Placeholder 5" descr="picture placeholder">
+            <a:extLst>
+              <a:ext uri="{FF2B5EF4-FFF2-40B4-BE49-F238E27FC236}">
+                <a16:creationId xmlns:a16="http://schemas.microsoft.com/office/drawing/2014/main" id="{342B67C3-4624-4308-A360-F5B2B4DD4CD8}"/>
+              </a:ext>
+              <a:ext uri="{C183D7F6-B498-43B3-948B-1728B52AA6E4}">
+                <adec:decorative xmlns:adec="http://schemas.microsoft.com/office/drawing/2017/decorative" val="1"/>
+              </a:ext>
+            </a:extLst>
+          </p:cNvPr>
+          <p:cNvSpPr>
+            <a:spLocks noGrp="1"/>
+          </p:cNvSpPr>
+          <p:nvPr>
+            <p:ph type="pic" sz="quarter" idx="26"/>
+          </p:nvPr>
+        </p:nvSpPr>
+        <p:spPr/>
+      </p:sp>
+      <p:sp>
+        <p:nvSpPr>
+          <p:cNvPr id="8" name="Picture Placeholder 7" descr="picture placeholder">
+            <a:extLst>
+              <a:ext uri="{FF2B5EF4-FFF2-40B4-BE49-F238E27FC236}">
+                <a16:creationId xmlns:a16="http://schemas.microsoft.com/office/drawing/2014/main" id="{4381C8F4-5775-457E-8622-B9F7BDB02428}"/>
+              </a:ext>
+              <a:ext uri="{C183D7F6-B498-43B3-948B-1728B52AA6E4}">
+                <adec:decorative xmlns:adec="http://schemas.microsoft.com/office/drawing/2017/decorative" val="1"/>
+              </a:ext>
+            </a:extLst>
+          </p:cNvPr>
+          <p:cNvSpPr>
+            <a:spLocks noGrp="1"/>
+          </p:cNvSpPr>
+          <p:nvPr>
+            <p:ph type="pic" sz="quarter" idx="30"/>
+          </p:nvPr>
+        </p:nvSpPr>
+        <p:spPr/>
+      </p:sp>
+      <p:sp>
+        <p:nvSpPr>
+          <p:cNvPr id="2" name="Slide Number Placeholder 1">
+            <a:extLst>
+              <a:ext uri="{FF2B5EF4-FFF2-40B4-BE49-F238E27FC236}">
+                <a16:creationId xmlns:a16="http://schemas.microsoft.com/office/drawing/2014/main" id="{346F9043-33B9-4A2F-ACC3-8B7C6098CEDC}"/>
+              </a:ext>
+            </a:extLst>
+          </p:cNvPr>
+          <p:cNvSpPr>
+            <a:spLocks noGrp="1"/>
+          </p:cNvSpPr>
+          <p:nvPr>
+            <p:ph type="sldNum" sz="quarter" idx="31"/>
+          </p:nvPr>
+        </p:nvSpPr>
+        <p:spPr/>
+        <p:txBody>
+          <a:bodyPr/>
+          <a:lstStyle/>
+          <a:p>
+            <a:pPr algn="r"/>
+            <a:fld id="{3D3C4EEC-F499-4A7F-B67B-5709763315B6}" type="slidenum">
+              <a:rPr lang="en-US" smtClean="0"/>
+              <a:pPr algn="r"/>
+              <a:t>22</a:t>
+            </a:fld>
+            <a:endParaRPr lang="en-US" dirty="0"/>
+          </a:p>
+        </p:txBody>
+      </p:sp>
+    </p:spTree>
+    <p:extLst>
+      <p:ext uri="{BB962C8B-B14F-4D97-AF65-F5344CB8AC3E}">
+        <p14:creationId xmlns:p14="http://schemas.microsoft.com/office/powerpoint/2010/main" val="4069610393"/>
+      </p:ext>
+    </p:extLst>
+  </p:cSld>
+  <p:clrMapOvr>
+    <a:masterClrMapping/>
+  </p:clrMapOvr>
+</p:sld>
+</file>
+
+<file path=ppt/slides/slide23.xml><?xml version="1.0" encoding="utf-8"?>
+<p:sld xmlns:a="http://schemas.openxmlformats.org/drawingml/2006/main" xmlns:r="http://schemas.openxmlformats.org/officeDocument/2006/relationships" xmlns:p="http://schemas.openxmlformats.org/presentationml/2006/main">
+  <p:cSld>
+    <p:spTree>
+      <p:nvGrpSpPr>
+        <p:cNvPr id="1" name=""/>
+        <p:cNvGrpSpPr/>
+        <p:nvPr/>
+      </p:nvGrpSpPr>
+      <p:grpSpPr>
+        <a:xfrm>
+          <a:off x="0" y="0"/>
+          <a:ext cx="0" cy="0"/>
+          <a:chOff x="0" y="0"/>
+          <a:chExt cx="0" cy="0"/>
+        </a:xfrm>
+      </p:grpSpPr>
+      <p:sp>
+        <p:nvSpPr>
+          <p:cNvPr id="44" name="Title 43">
+            <a:extLst>
+              <a:ext uri="{FF2B5EF4-FFF2-40B4-BE49-F238E27FC236}">
+                <a16:creationId xmlns:a16="http://schemas.microsoft.com/office/drawing/2014/main" id="{EDD9B210-848C-494B-99EF-BF562135108E}"/>
+              </a:ext>
+            </a:extLst>
+          </p:cNvPr>
+          <p:cNvSpPr>
+            <a:spLocks noGrp="1"/>
+          </p:cNvSpPr>
+          <p:nvPr>
+            <p:ph type="title"/>
+          </p:nvPr>
+        </p:nvSpPr>
+        <p:spPr/>
+        <p:txBody>
+          <a:bodyPr/>
+          <a:lstStyle/>
+          <a:p>
+            <a:r>
+              <a:rPr lang="en-US" dirty="0"/>
+              <a:t>CLICK TO ADD TITLE 12</a:t>
+            </a:r>
+          </a:p>
+        </p:txBody>
+      </p:sp>
+      <p:sp>
+        <p:nvSpPr>
+          <p:cNvPr id="8" name="Picture Placeholder 7" descr="picture placeholder">
+            <a:extLst>
+              <a:ext uri="{FF2B5EF4-FFF2-40B4-BE49-F238E27FC236}">
+                <a16:creationId xmlns:a16="http://schemas.microsoft.com/office/drawing/2014/main" id="{BA106D24-76AC-48EF-BA67-349CE67E8296}"/>
+              </a:ext>
+              <a:ext uri="{C183D7F6-B498-43B3-948B-1728B52AA6E4}">
+                <adec:decorative xmlns:adec="http://schemas.microsoft.com/office/drawing/2017/decorative" val="1"/>
+              </a:ext>
+            </a:extLst>
+          </p:cNvPr>
+          <p:cNvSpPr>
+            <a:spLocks noGrp="1"/>
+          </p:cNvSpPr>
+          <p:nvPr>
+            <p:ph type="pic" sz="quarter" idx="31"/>
+          </p:nvPr>
+        </p:nvSpPr>
+        <p:spPr/>
+      </p:sp>
+      <p:sp>
+        <p:nvSpPr>
+          <p:cNvPr id="7" name="Picture Placeholder 6" descr="picture placeholder">
+            <a:extLst>
+              <a:ext uri="{FF2B5EF4-FFF2-40B4-BE49-F238E27FC236}">
+                <a16:creationId xmlns:a16="http://schemas.microsoft.com/office/drawing/2014/main" id="{0D946FF6-19C3-4E21-8D17-9A4E46A4E934}"/>
+              </a:ext>
+              <a:ext uri="{C183D7F6-B498-43B3-948B-1728B52AA6E4}">
+                <adec:decorative xmlns:adec="http://schemas.microsoft.com/office/drawing/2017/decorative" val="1"/>
+              </a:ext>
+            </a:extLst>
+          </p:cNvPr>
+          <p:cNvSpPr>
+            <a:spLocks noGrp="1"/>
+          </p:cNvSpPr>
+          <p:nvPr>
+            <p:ph type="pic" sz="quarter" idx="30"/>
+          </p:nvPr>
+        </p:nvSpPr>
+        <p:spPr/>
+      </p:sp>
+      <p:sp>
+        <p:nvSpPr>
+          <p:cNvPr id="6" name="Picture Placeholder 5" descr="picture placeholder">
+            <a:extLst>
+              <a:ext uri="{FF2B5EF4-FFF2-40B4-BE49-F238E27FC236}">
+                <a16:creationId xmlns:a16="http://schemas.microsoft.com/office/drawing/2014/main" id="{C5861818-2C66-4132-ABBE-8F2A7C572680}"/>
+              </a:ext>
+              <a:ext uri="{C183D7F6-B498-43B3-948B-1728B52AA6E4}">
+                <adec:decorative xmlns:adec="http://schemas.microsoft.com/office/drawing/2017/decorative" val="1"/>
+              </a:ext>
+            </a:extLst>
+          </p:cNvPr>
+          <p:cNvSpPr>
+            <a:spLocks noGrp="1"/>
+          </p:cNvSpPr>
+          <p:nvPr>
+            <p:ph type="pic" sz="quarter" idx="29"/>
+          </p:nvPr>
+        </p:nvSpPr>
+        <p:spPr/>
+      </p:sp>
+      <p:sp>
+        <p:nvSpPr>
+          <p:cNvPr id="4" name="Picture Placeholder 3" descr="picture placeholder">
+            <a:extLst>
+              <a:ext uri="{FF2B5EF4-FFF2-40B4-BE49-F238E27FC236}">
+                <a16:creationId xmlns:a16="http://schemas.microsoft.com/office/drawing/2014/main" id="{4B3C9E65-D949-41D5-88C8-9595C0077AD4}"/>
+              </a:ext>
+              <a:ext uri="{C183D7F6-B498-43B3-948B-1728B52AA6E4}">
+                <adec:decorative xmlns:adec="http://schemas.microsoft.com/office/drawing/2017/decorative" val="1"/>
+              </a:ext>
+            </a:extLst>
+          </p:cNvPr>
+          <p:cNvSpPr>
+            <a:spLocks noGrp="1"/>
+          </p:cNvSpPr>
+          <p:nvPr>
+            <p:ph type="pic" sz="quarter" idx="23"/>
+          </p:nvPr>
+        </p:nvSpPr>
+        <p:spPr/>
+      </p:sp>
+      <p:sp>
+        <p:nvSpPr>
+          <p:cNvPr id="5" name="Picture Placeholder 4" descr="picture placeholder">
+            <a:extLst>
+              <a:ext uri="{FF2B5EF4-FFF2-40B4-BE49-F238E27FC236}">
+                <a16:creationId xmlns:a16="http://schemas.microsoft.com/office/drawing/2014/main" id="{DA47CDD1-B018-4102-9618-518C368A2E2F}"/>
+              </a:ext>
+              <a:ext uri="{C183D7F6-B498-43B3-948B-1728B52AA6E4}">
+                <adec:decorative xmlns:adec="http://schemas.microsoft.com/office/drawing/2017/decorative" val="1"/>
+              </a:ext>
+            </a:extLst>
+          </p:cNvPr>
+          <p:cNvSpPr>
+            <a:spLocks noGrp="1"/>
+          </p:cNvSpPr>
+          <p:nvPr>
+            <p:ph type="pic" sz="quarter" idx="26"/>
+          </p:nvPr>
+        </p:nvSpPr>
+        <p:spPr/>
+      </p:sp>
+      <p:sp>
+        <p:nvSpPr>
+          <p:cNvPr id="10" name="Picture Placeholder 9" descr="picture placeholder">
+            <a:extLst>
+              <a:ext uri="{FF2B5EF4-FFF2-40B4-BE49-F238E27FC236}">
+                <a16:creationId xmlns:a16="http://schemas.microsoft.com/office/drawing/2014/main" id="{2C33F657-D297-4A82-A79C-B6C146B84DF8}"/>
+              </a:ext>
+              <a:ext uri="{C183D7F6-B498-43B3-948B-1728B52AA6E4}">
+                <adec:decorative xmlns:adec="http://schemas.microsoft.com/office/drawing/2017/decorative" val="1"/>
+              </a:ext>
+            </a:extLst>
+          </p:cNvPr>
+          <p:cNvSpPr>
+            <a:spLocks noGrp="1"/>
+          </p:cNvSpPr>
+          <p:nvPr>
+            <p:ph type="pic" sz="quarter" idx="33"/>
+          </p:nvPr>
+        </p:nvSpPr>
+        <p:spPr/>
+      </p:sp>
+      <p:sp>
+        <p:nvSpPr>
+          <p:cNvPr id="9" name="Picture Placeholder 8" descr="picture placeholder">
+            <a:extLst>
+              <a:ext uri="{FF2B5EF4-FFF2-40B4-BE49-F238E27FC236}">
+                <a16:creationId xmlns:a16="http://schemas.microsoft.com/office/drawing/2014/main" id="{9E82B07D-F3FD-4998-8512-D05622FC114F}"/>
+              </a:ext>
+              <a:ext uri="{C183D7F6-B498-43B3-948B-1728B52AA6E4}">
+                <adec:decorative xmlns:adec="http://schemas.microsoft.com/office/drawing/2017/decorative" val="1"/>
+              </a:ext>
+            </a:extLst>
+          </p:cNvPr>
+          <p:cNvSpPr>
+            <a:spLocks noGrp="1"/>
+          </p:cNvSpPr>
+          <p:nvPr>
+            <p:ph type="pic" sz="quarter" idx="32"/>
+          </p:nvPr>
+        </p:nvSpPr>
+        <p:spPr/>
+      </p:sp>
+      <p:sp>
+        <p:nvSpPr>
+          <p:cNvPr id="2" name="Slide Number Placeholder 1">
+            <a:extLst>
+              <a:ext uri="{FF2B5EF4-FFF2-40B4-BE49-F238E27FC236}">
+                <a16:creationId xmlns:a16="http://schemas.microsoft.com/office/drawing/2014/main" id="{4C35C0BB-7803-446F-843E-568452498B2C}"/>
+              </a:ext>
+            </a:extLst>
+          </p:cNvPr>
+          <p:cNvSpPr>
+            <a:spLocks noGrp="1"/>
+          </p:cNvSpPr>
+          <p:nvPr>
+            <p:ph type="sldNum" sz="quarter" idx="34"/>
+          </p:nvPr>
+        </p:nvSpPr>
+        <p:spPr/>
+        <p:txBody>
+          <a:bodyPr/>
+          <a:lstStyle/>
+          <a:p>
+            <a:pPr algn="r"/>
+            <a:fld id="{3D3C4EEC-F499-4A7F-B67B-5709763315B6}" type="slidenum">
+              <a:rPr lang="en-US" smtClean="0"/>
+              <a:pPr algn="r"/>
+              <a:t>23</a:t>
+            </a:fld>
+            <a:endParaRPr lang="en-US" dirty="0"/>
+          </a:p>
+        </p:txBody>
+      </p:sp>
+    </p:spTree>
+    <p:extLst>
+      <p:ext uri="{BB962C8B-B14F-4D97-AF65-F5344CB8AC3E}">
+        <p14:creationId xmlns:p14="http://schemas.microsoft.com/office/powerpoint/2010/main" val="426916248"/>
+      </p:ext>
+    </p:extLst>
+  </p:cSld>
+  <p:clrMapOvr>
+    <a:masterClrMapping/>
+  </p:clrMapOvr>
+</p:sld>
+</file>
+
+<file path=ppt/slides/slide24.xml><?xml version="1.0" encoding="utf-8"?>
+<p:sld xmlns:a="http://schemas.openxmlformats.org/drawingml/2006/main" xmlns:r="http://schemas.openxmlformats.org/officeDocument/2006/relationships" xmlns:p="http://schemas.openxmlformats.org/presentationml/2006/main">
+  <p:cSld>
+    <p:spTree>
+      <p:nvGrpSpPr>
+        <p:cNvPr id="1" name=""/>
+        <p:cNvGrpSpPr/>
+        <p:nvPr/>
+      </p:nvGrpSpPr>
+      <p:grpSpPr>
+        <a:xfrm>
+          <a:off x="0" y="0"/>
+          <a:ext cx="0" cy="0"/>
+          <a:chOff x="0" y="0"/>
+          <a:chExt cx="0" cy="0"/>
+        </a:xfrm>
+      </p:grpSpPr>
+      <p:sp>
+        <p:nvSpPr>
+          <p:cNvPr id="4" name="Title 3">
+            <a:extLst>
+              <a:ext uri="{FF2B5EF4-FFF2-40B4-BE49-F238E27FC236}">
+                <a16:creationId xmlns:a16="http://schemas.microsoft.com/office/drawing/2014/main" id="{E98DCA46-603B-4178-8707-30E192CE6B8D}"/>
+              </a:ext>
+            </a:extLst>
+          </p:cNvPr>
+          <p:cNvSpPr>
+            <a:spLocks noGrp="1"/>
+          </p:cNvSpPr>
+          <p:nvPr>
+            <p:ph type="title"/>
+          </p:nvPr>
+        </p:nvSpPr>
+        <p:spPr/>
+        <p:txBody>
+          <a:bodyPr/>
+          <a:lstStyle/>
+          <a:p>
+            <a:r>
+              <a:rPr lang="en-US" dirty="0"/>
+              <a:t>Customize this Template</a:t>
+            </a:r>
+          </a:p>
+        </p:txBody>
+      </p:sp>
+      <p:sp>
+        <p:nvSpPr>
+          <p:cNvPr id="2" name="Text Placeholder 1">
+            <a:extLst>
+              <a:ext uri="{FF2B5EF4-FFF2-40B4-BE49-F238E27FC236}">
+                <a16:creationId xmlns:a16="http://schemas.microsoft.com/office/drawing/2014/main" id="{914E6CF6-9233-4E0A-B2D1-49F7A53624DA}"/>
+              </a:ext>
+            </a:extLst>
+          </p:cNvPr>
+          <p:cNvSpPr>
+            <a:spLocks noGrp="1"/>
+          </p:cNvSpPr>
+          <p:nvPr>
+            <p:ph type="body" sz="quarter" idx="13"/>
+          </p:nvPr>
+        </p:nvSpPr>
+        <p:spPr/>
+        <p:txBody>
+          <a:bodyPr/>
+          <a:lstStyle/>
+          <a:p>
+            <a:r>
+              <a:rPr lang="en-US" u="sng" dirty="0">
+                <a:hlinkClick r:id="rId2">
+                  <a:extLst>
+                    <a:ext uri="{A12FA001-AC4F-418D-AE19-62706E023703}">
+                      <ahyp:hlinkClr xmlns:ahyp="http://schemas.microsoft.com/office/drawing/2018/hyperlinkcolor" val="tx"/>
+                    </a:ext>
+                  </a:extLst>
+                </a:hlinkClick>
+              </a:rPr>
+              <a:t>Template Editing Instructions and Feedback</a:t>
+            </a:r>
+            <a:endParaRPr lang="en-US" u="sng" dirty="0"/>
+          </a:p>
+        </p:txBody>
+      </p:sp>
+    </p:spTree>
+    <p:extLst>
+      <p:ext uri="{BB962C8B-B14F-4D97-AF65-F5344CB8AC3E}">
+        <p14:creationId xmlns:p14="http://schemas.microsoft.com/office/powerpoint/2010/main" val="59582380"/>
+      </p:ext>
+    </p:extLst>
+  </p:cSld>
+  <p:clrMapOvr>
+    <a:masterClrMapping/>
+  </p:clrMapOvr>
+</p:sld>
+</file>
+
 <file path=ppt/slides/slide3.xml><?xml version="1.0" encoding="utf-8"?>
 <p:sld xmlns:a="http://schemas.openxmlformats.org/drawingml/2006/main" xmlns:r="http://schemas.openxmlformats.org/officeDocument/2006/relationships" xmlns:p="http://schemas.openxmlformats.org/presentationml/2006/main">
   <p:cSld>
@@ -23797,7 +25669,7 @@
           <a:p>
             <a:r>
               <a:rPr lang="en-US" dirty="0"/>
-              <a:t>SECTION TITLE </a:t>
+              <a:t>Theme </a:t>
             </a:r>
           </a:p>
         </p:txBody>
@@ -23825,7 +25697,7 @@
           <a:p>
             <a:r>
               <a:rPr lang="en-US" dirty="0"/>
-              <a:t>Lorem ipsum dolor sit amet, consectetur adipiscing elit.</a:t>
+              <a:t>Drinking helps the pain go away</a:t>
             </a:r>
           </a:p>
         </p:txBody>
@@ -23862,13 +25734,10 @@
       </p:grpSpPr>
       <p:sp>
         <p:nvSpPr>
-          <p:cNvPr id="21" name="Picture Placeholder 20" descr="picture placeholder">
-            <a:extLst>
-              <a:ext uri="{FF2B5EF4-FFF2-40B4-BE49-F238E27FC236}">
-                <a16:creationId xmlns:a16="http://schemas.microsoft.com/office/drawing/2014/main" id="{5E908D80-C22E-4B04-8DB0-90A69BDE6BCF}"/>
-              </a:ext>
-              <a:ext uri="{C183D7F6-B498-43B3-948B-1728B52AA6E4}">
-                <adec:decorative xmlns:adec="http://schemas.microsoft.com/office/drawing/2017/decorative" val="1"/>
+          <p:cNvPr id="21" name="Title 20">
+            <a:extLst>
+              <a:ext uri="{FF2B5EF4-FFF2-40B4-BE49-F238E27FC236}">
+                <a16:creationId xmlns:a16="http://schemas.microsoft.com/office/drawing/2014/main" id="{47B1DBF2-307B-48DA-90EF-0E95CF83CFAE}"/>
               </a:ext>
             </a:extLst>
           </p:cNvPr>
@@ -23876,17 +25745,27 @@
             <a:spLocks noGrp="1"/>
           </p:cNvSpPr>
           <p:nvPr>
-            <p:ph type="pic" sz="quarter" idx="13"/>
+            <p:ph type="title"/>
           </p:nvPr>
         </p:nvSpPr>
         <p:spPr/>
+        <p:txBody>
+          <a:bodyPr/>
+          <a:lstStyle/>
+          <a:p>
+            <a:r>
+              <a:rPr lang="en-US" dirty="0"/>
+              <a:t>Project Background</a:t>
+            </a:r>
+          </a:p>
+        </p:txBody>
       </p:sp>
       <p:sp>
         <p:nvSpPr>
-          <p:cNvPr id="22" name="Picture Placeholder 21" descr="picture placeholder">
-            <a:extLst>
-              <a:ext uri="{FF2B5EF4-FFF2-40B4-BE49-F238E27FC236}">
-                <a16:creationId xmlns:a16="http://schemas.microsoft.com/office/drawing/2014/main" id="{C034C7F2-5C76-4E42-BABE-34E0750A3C65}"/>
+          <p:cNvPr id="5" name="Picture Placeholder 4" descr="picture placeholder">
+            <a:extLst>
+              <a:ext uri="{FF2B5EF4-FFF2-40B4-BE49-F238E27FC236}">
+                <a16:creationId xmlns:a16="http://schemas.microsoft.com/office/drawing/2014/main" id="{9E3433A5-1205-4C19-84EA-043A46F8C45B}"/>
               </a:ext>
               <a:ext uri="{C183D7F6-B498-43B3-948B-1728B52AA6E4}">
                 <adec:decorative xmlns:adec="http://schemas.microsoft.com/office/drawing/2017/decorative" val="1"/>
@@ -23904,10 +25783,10 @@
       </p:sp>
       <p:sp>
         <p:nvSpPr>
-          <p:cNvPr id="23" name="Picture Placeholder 22" descr="picture placeholder">
-            <a:extLst>
-              <a:ext uri="{FF2B5EF4-FFF2-40B4-BE49-F238E27FC236}">
-                <a16:creationId xmlns:a16="http://schemas.microsoft.com/office/drawing/2014/main" id="{21495EBA-7EF5-49DF-B801-E1CC60BEB4E4}"/>
+          <p:cNvPr id="6" name="Picture Placeholder 5" descr="picture placeholder">
+            <a:extLst>
+              <a:ext uri="{FF2B5EF4-FFF2-40B4-BE49-F238E27FC236}">
+                <a16:creationId xmlns:a16="http://schemas.microsoft.com/office/drawing/2014/main" id="{05F22AD6-431E-4F8A-8D5A-B7BD09B3DD96}"/>
               </a:ext>
               <a:ext uri="{C183D7F6-B498-43B3-948B-1728B52AA6E4}">
                 <adec:decorative xmlns:adec="http://schemas.microsoft.com/office/drawing/2017/decorative" val="1"/>
@@ -23918,20 +25797,22 @@
             <a:spLocks noGrp="1"/>
           </p:cNvSpPr>
           <p:nvPr>
-            <p:ph type="pic" sz="quarter" idx="15"/>
+            <p:ph type="pic" sz="quarter" idx="19"/>
           </p:nvPr>
         </p:nvSpPr>
-        <p:spPr/>
+        <p:spPr>
+          <a:xfrm>
+            <a:off x="7210781" y="1340516"/>
+            <a:ext cx="4023531" cy="4966704"/>
+          </a:xfrm>
+        </p:spPr>
       </p:sp>
       <p:sp>
         <p:nvSpPr>
-          <p:cNvPr id="24" name="Picture Placeholder 23" descr="picture placeholder">
-            <a:extLst>
-              <a:ext uri="{FF2B5EF4-FFF2-40B4-BE49-F238E27FC236}">
-                <a16:creationId xmlns:a16="http://schemas.microsoft.com/office/drawing/2014/main" id="{EBFF32CF-0EEC-4B83-A2C1-6D753CAA98D4}"/>
-              </a:ext>
-              <a:ext uri="{C183D7F6-B498-43B3-948B-1728B52AA6E4}">
-                <adec:decorative xmlns:adec="http://schemas.microsoft.com/office/drawing/2017/decorative" val="1"/>
+          <p:cNvPr id="3" name="Slide Number Placeholder 2">
+            <a:extLst>
+              <a:ext uri="{FF2B5EF4-FFF2-40B4-BE49-F238E27FC236}">
+                <a16:creationId xmlns:a16="http://schemas.microsoft.com/office/drawing/2014/main" id="{D9F184D0-73A0-4B76-984E-92B972D29769}"/>
               </a:ext>
             </a:extLst>
           </p:cNvPr>
@@ -23939,100 +25820,7 @@
             <a:spLocks noGrp="1"/>
           </p:cNvSpPr>
           <p:nvPr>
-            <p:ph type="pic" sz="quarter" idx="16"/>
-          </p:nvPr>
-        </p:nvSpPr>
-        <p:spPr/>
-      </p:sp>
-      <p:sp>
-        <p:nvSpPr>
-          <p:cNvPr id="25" name="Picture Placeholder 24" descr="picture placeholder">
-            <a:extLst>
-              <a:ext uri="{FF2B5EF4-FFF2-40B4-BE49-F238E27FC236}">
-                <a16:creationId xmlns:a16="http://schemas.microsoft.com/office/drawing/2014/main" id="{E2FF048B-D827-4F8D-8424-D7E244076564}"/>
-              </a:ext>
-              <a:ext uri="{C183D7F6-B498-43B3-948B-1728B52AA6E4}">
-                <adec:decorative xmlns:adec="http://schemas.microsoft.com/office/drawing/2017/decorative" val="1"/>
-              </a:ext>
-            </a:extLst>
-          </p:cNvPr>
-          <p:cNvSpPr>
-            <a:spLocks noGrp="1"/>
-          </p:cNvSpPr>
-          <p:nvPr>
-            <p:ph type="pic" sz="quarter" idx="17"/>
-          </p:nvPr>
-        </p:nvSpPr>
-        <p:spPr/>
-      </p:sp>
-      <p:sp>
-        <p:nvSpPr>
-          <p:cNvPr id="26" name="Picture Placeholder 25" descr="picture placeholder">
-            <a:extLst>
-              <a:ext uri="{FF2B5EF4-FFF2-40B4-BE49-F238E27FC236}">
-                <a16:creationId xmlns:a16="http://schemas.microsoft.com/office/drawing/2014/main" id="{CA5B4573-4DFA-470D-8F00-FAB92899D1B7}"/>
-              </a:ext>
-              <a:ext uri="{C183D7F6-B498-43B3-948B-1728B52AA6E4}">
-                <adec:decorative xmlns:adec="http://schemas.microsoft.com/office/drawing/2017/decorative" val="1"/>
-              </a:ext>
-            </a:extLst>
-          </p:cNvPr>
-          <p:cNvSpPr>
-            <a:spLocks noGrp="1"/>
-          </p:cNvSpPr>
-          <p:nvPr>
-            <p:ph type="pic" sz="quarter" idx="18"/>
-          </p:nvPr>
-        </p:nvSpPr>
-        <p:spPr/>
-      </p:sp>
-      <p:sp>
-        <p:nvSpPr>
-          <p:cNvPr id="50" name="Title 49">
-            <a:extLst>
-              <a:ext uri="{FF2B5EF4-FFF2-40B4-BE49-F238E27FC236}">
-                <a16:creationId xmlns:a16="http://schemas.microsoft.com/office/drawing/2014/main" id="{929A9472-7DD3-4613-BBE2-2F25EDAA346A}"/>
-              </a:ext>
-            </a:extLst>
-          </p:cNvPr>
-          <p:cNvSpPr>
-            <a:spLocks noGrp="1"/>
-          </p:cNvSpPr>
-          <p:nvPr>
-            <p:ph type="title"/>
-          </p:nvPr>
-        </p:nvSpPr>
-        <p:spPr>
-          <a:xfrm>
-            <a:off x="-1" y="366558"/>
-            <a:ext cx="12192000" cy="1188000"/>
-          </a:xfrm>
-        </p:spPr>
-        <p:txBody>
-          <a:bodyPr/>
-          <a:lstStyle/>
-          <a:p>
-            <a:r>
-              <a:rPr lang="en-US" dirty="0"/>
-              <a:t>CLICK TO ADD TITLE</a:t>
-            </a:r>
-          </a:p>
-        </p:txBody>
-      </p:sp>
-      <p:sp>
-        <p:nvSpPr>
-          <p:cNvPr id="3" name="Slide Number Placeholder 2">
-            <a:extLst>
-              <a:ext uri="{FF2B5EF4-FFF2-40B4-BE49-F238E27FC236}">
-                <a16:creationId xmlns:a16="http://schemas.microsoft.com/office/drawing/2014/main" id="{5F446065-B403-40C5-A4D7-8D6CF3855EC5}"/>
-              </a:ext>
-            </a:extLst>
-          </p:cNvPr>
-          <p:cNvSpPr>
-            <a:spLocks noGrp="1"/>
-          </p:cNvSpPr>
-          <p:nvPr>
-            <p:ph type="sldNum" sz="quarter" idx="19"/>
+            <p:ph type="sldNum" sz="quarter" idx="22"/>
           </p:nvPr>
         </p:nvSpPr>
         <p:spPr/>
@@ -24050,10 +25838,158 @@
           </a:p>
         </p:txBody>
       </p:sp>
+      <p:sp>
+        <p:nvSpPr>
+          <p:cNvPr id="2" name="TextBox 1">
+            <a:extLst>
+              <a:ext uri="{FF2B5EF4-FFF2-40B4-BE49-F238E27FC236}">
+                <a16:creationId xmlns:a16="http://schemas.microsoft.com/office/drawing/2014/main" id="{3B088658-4805-7928-4C58-77EBAB20FFE4}"/>
+              </a:ext>
+            </a:extLst>
+          </p:cNvPr>
+          <p:cNvSpPr txBox="1"/>
+          <p:nvPr/>
+        </p:nvSpPr>
+        <p:spPr>
+          <a:xfrm>
+            <a:off x="7253570" y="1345566"/>
+            <a:ext cx="3933265" cy="4247317"/>
+          </a:xfrm>
+          <a:prstGeom prst="rect">
+            <a:avLst/>
+          </a:prstGeom>
+          <a:noFill/>
+        </p:spPr>
+        <p:txBody>
+          <a:bodyPr wrap="square" rtlCol="0">
+            <a:spAutoFit/>
+          </a:bodyPr>
+          <a:lstStyle/>
+          <a:p>
+            <a:pPr marL="285750" indent="-285750">
+              <a:buFont typeface="Arial" panose="020B0604020202020204" pitchFamily="34" charset="0"/>
+              <a:buChar char="•"/>
+            </a:pPr>
+            <a:r>
+              <a:rPr lang="en-US" dirty="0">
+                <a:solidFill>
+                  <a:schemeClr val="bg1"/>
+                </a:solidFill>
+              </a:rPr>
+              <a:t>Why we are doing this</a:t>
+            </a:r>
+          </a:p>
+          <a:p>
+            <a:pPr marL="742950" lvl="1" indent="-285750">
+              <a:buFont typeface="Arial" panose="020B0604020202020204" pitchFamily="34" charset="0"/>
+              <a:buChar char="•"/>
+            </a:pPr>
+            <a:r>
+              <a:rPr lang="en-US" dirty="0">
+                <a:solidFill>
+                  <a:schemeClr val="bg1"/>
+                </a:solidFill>
+              </a:rPr>
+              <a:t>Does investment in Esports make sense based on viewership data</a:t>
+            </a:r>
+          </a:p>
+          <a:p>
+            <a:pPr marL="742950" lvl="1" indent="-285750">
+              <a:buFont typeface="Arial" panose="020B0604020202020204" pitchFamily="34" charset="0"/>
+              <a:buChar char="•"/>
+            </a:pPr>
+            <a:r>
+              <a:rPr lang="en-US" dirty="0">
+                <a:solidFill>
+                  <a:schemeClr val="bg1"/>
+                </a:solidFill>
+              </a:rPr>
+              <a:t>Will gaming become a viable commercial pursuit?</a:t>
+            </a:r>
+          </a:p>
+          <a:p>
+            <a:pPr marL="742950" lvl="1" indent="-285750">
+              <a:buFont typeface="Arial" panose="020B0604020202020204" pitchFamily="34" charset="0"/>
+              <a:buChar char="•"/>
+            </a:pPr>
+            <a:r>
+              <a:rPr lang="en-US" dirty="0">
+                <a:solidFill>
+                  <a:schemeClr val="bg1"/>
+                </a:solidFill>
+              </a:rPr>
+              <a:t>NFL is the dominant TV establishment</a:t>
+            </a:r>
+          </a:p>
+          <a:p>
+            <a:pPr marL="742950" lvl="1" indent="-285750">
+              <a:buFont typeface="Arial" panose="020B0604020202020204" pitchFamily="34" charset="0"/>
+              <a:buChar char="•"/>
+            </a:pPr>
+            <a:r>
+              <a:rPr lang="en-US" dirty="0">
+                <a:solidFill>
+                  <a:schemeClr val="bg1"/>
+                </a:solidFill>
+              </a:rPr>
+              <a:t>Esports is a younger field</a:t>
+            </a:r>
+          </a:p>
+          <a:p>
+            <a:pPr marL="742950" lvl="1" indent="-285750">
+              <a:buFont typeface="Arial" panose="020B0604020202020204" pitchFamily="34" charset="0"/>
+              <a:buChar char="•"/>
+            </a:pPr>
+            <a:r>
+              <a:rPr lang="en-US" dirty="0">
+                <a:solidFill>
+                  <a:schemeClr val="bg1"/>
+                </a:solidFill>
+              </a:rPr>
+              <a:t>Will the Esports growth help it overtake NFL viewership numbers</a:t>
+            </a:r>
+          </a:p>
+          <a:p>
+            <a:pPr marL="285750" indent="-285750">
+              <a:buFont typeface="Arial" panose="020B0604020202020204" pitchFamily="34" charset="0"/>
+              <a:buChar char="•"/>
+            </a:pPr>
+            <a:r>
+              <a:rPr lang="en-US" dirty="0">
+                <a:solidFill>
+                  <a:schemeClr val="bg1"/>
+                </a:solidFill>
+              </a:rPr>
+              <a:t>Initial thoughts/expectations</a:t>
+            </a:r>
+          </a:p>
+          <a:p>
+            <a:pPr marL="285750" indent="-285750">
+              <a:buFont typeface="Arial" panose="020B0604020202020204" pitchFamily="34" charset="0"/>
+              <a:buChar char="•"/>
+            </a:pPr>
+            <a:r>
+              <a:rPr lang="en-US" dirty="0">
+                <a:solidFill>
+                  <a:schemeClr val="bg1"/>
+                </a:solidFill>
+              </a:rPr>
+              <a:t>Anything else</a:t>
+            </a:r>
+          </a:p>
+          <a:p>
+            <a:pPr marL="285750" indent="-285750">
+              <a:buFont typeface="Arial" panose="020B0604020202020204" pitchFamily="34" charset="0"/>
+              <a:buChar char="•"/>
+            </a:pPr>
+            <a:endParaRPr lang="en-US" dirty="0"/>
+          </a:p>
+        </p:txBody>
+      </p:sp>
     </p:spTree>
     <p:extLst>
       <p:ext uri="{BB962C8B-B14F-4D97-AF65-F5344CB8AC3E}">
-        <p14:creationId xmlns:p14="http://schemas.microsoft.com/office/powerpoint/2010/main" val="4001816107"/>
+        <p14:creationId xmlns:p14="http://schemas.microsoft.com/office/powerpoint/2010/main" val="2942444688"/>
       </p:ext>
     </p:extLst>
   </p:cSld>
@@ -24082,10 +26018,10 @@
       </p:grpSpPr>
       <p:sp>
         <p:nvSpPr>
-          <p:cNvPr id="39" name="Title 38">
-            <a:extLst>
-              <a:ext uri="{FF2B5EF4-FFF2-40B4-BE49-F238E27FC236}">
-                <a16:creationId xmlns:a16="http://schemas.microsoft.com/office/drawing/2014/main" id="{57E32F23-88F7-4019-96BA-D9F1F3935AD2}"/>
+          <p:cNvPr id="2" name="Title 1">
+            <a:extLst>
+              <a:ext uri="{FF2B5EF4-FFF2-40B4-BE49-F238E27FC236}">
+                <a16:creationId xmlns:a16="http://schemas.microsoft.com/office/drawing/2014/main" id="{C8D2E368-5DFD-40C4-B989-C018F461FAD5}"/>
               </a:ext>
             </a:extLst>
           </p:cNvPr>
@@ -24103,20 +26039,17 @@
           <a:p>
             <a:r>
               <a:rPr lang="en-US" dirty="0"/>
-              <a:t>CLICK TO ADD TITLE 02</a:t>
+              <a:t>Coding Approach</a:t>
             </a:r>
           </a:p>
         </p:txBody>
       </p:sp>
       <p:sp>
         <p:nvSpPr>
-          <p:cNvPr id="5" name="Picture Placeholder 4" descr="picture placeholder">
-            <a:extLst>
-              <a:ext uri="{FF2B5EF4-FFF2-40B4-BE49-F238E27FC236}">
-                <a16:creationId xmlns:a16="http://schemas.microsoft.com/office/drawing/2014/main" id="{19F85D97-45E0-4757-9607-13709EDD751B}"/>
-              </a:ext>
-              <a:ext uri="{C183D7F6-B498-43B3-948B-1728B52AA6E4}">
-                <adec:decorative xmlns:adec="http://schemas.microsoft.com/office/drawing/2017/decorative" val="1"/>
+          <p:cNvPr id="3" name="Text Placeholder 2">
+            <a:extLst>
+              <a:ext uri="{FF2B5EF4-FFF2-40B4-BE49-F238E27FC236}">
+                <a16:creationId xmlns:a16="http://schemas.microsoft.com/office/drawing/2014/main" id="{5B1F89F6-7D67-4681-8E5E-8A5F0C2EF61B}"/>
               </a:ext>
             </a:extLst>
           </p:cNvPr>
@@ -24124,151 +26057,7 @@
             <a:spLocks noGrp="1"/>
           </p:cNvSpPr>
           <p:nvPr>
-            <p:ph type="pic" sz="quarter" idx="13"/>
-          </p:nvPr>
-        </p:nvSpPr>
-        <p:spPr/>
-      </p:sp>
-      <p:sp>
-        <p:nvSpPr>
-          <p:cNvPr id="9" name="Picture Placeholder 8" descr="picture placeholder">
-            <a:extLst>
-              <a:ext uri="{FF2B5EF4-FFF2-40B4-BE49-F238E27FC236}">
-                <a16:creationId xmlns:a16="http://schemas.microsoft.com/office/drawing/2014/main" id="{A0D413A7-4CC3-432A-9B24-B690B6AE66BE}"/>
-              </a:ext>
-              <a:ext uri="{C183D7F6-B498-43B3-948B-1728B52AA6E4}">
-                <adec:decorative xmlns:adec="http://schemas.microsoft.com/office/drawing/2017/decorative" val="1"/>
-              </a:ext>
-            </a:extLst>
-          </p:cNvPr>
-          <p:cNvSpPr>
-            <a:spLocks noGrp="1"/>
-          </p:cNvSpPr>
-          <p:nvPr>
-            <p:ph type="pic" sz="quarter" idx="19"/>
-          </p:nvPr>
-        </p:nvSpPr>
-        <p:spPr/>
-      </p:sp>
-      <p:sp>
-        <p:nvSpPr>
-          <p:cNvPr id="10" name="Picture Placeholder 9" descr="picture placeholder">
-            <a:extLst>
-              <a:ext uri="{FF2B5EF4-FFF2-40B4-BE49-F238E27FC236}">
-                <a16:creationId xmlns:a16="http://schemas.microsoft.com/office/drawing/2014/main" id="{96D60B10-4675-4D3B-9349-545BAF8171FE}"/>
-              </a:ext>
-              <a:ext uri="{C183D7F6-B498-43B3-948B-1728B52AA6E4}">
-                <adec:decorative xmlns:adec="http://schemas.microsoft.com/office/drawing/2017/decorative" val="1"/>
-              </a:ext>
-            </a:extLst>
-          </p:cNvPr>
-          <p:cNvSpPr>
-            <a:spLocks noGrp="1"/>
-          </p:cNvSpPr>
-          <p:nvPr>
-            <p:ph type="pic" sz="quarter" idx="20"/>
-          </p:nvPr>
-        </p:nvSpPr>
-        <p:spPr/>
-      </p:sp>
-      <p:sp>
-        <p:nvSpPr>
-          <p:cNvPr id="11" name="Picture Placeholder 10" descr="picture placeholder">
-            <a:extLst>
-              <a:ext uri="{FF2B5EF4-FFF2-40B4-BE49-F238E27FC236}">
-                <a16:creationId xmlns:a16="http://schemas.microsoft.com/office/drawing/2014/main" id="{D352D547-51D6-4AC1-A9EC-8E1BA8F8B780}"/>
-              </a:ext>
-              <a:ext uri="{C183D7F6-B498-43B3-948B-1728B52AA6E4}">
-                <adec:decorative xmlns:adec="http://schemas.microsoft.com/office/drawing/2017/decorative" val="1"/>
-              </a:ext>
-            </a:extLst>
-          </p:cNvPr>
-          <p:cNvSpPr>
-            <a:spLocks noGrp="1"/>
-          </p:cNvSpPr>
-          <p:nvPr>
-            <p:ph type="pic" sz="quarter" idx="21"/>
-          </p:nvPr>
-        </p:nvSpPr>
-        <p:spPr/>
-      </p:sp>
-      <p:sp>
-        <p:nvSpPr>
-          <p:cNvPr id="6" name="Picture Placeholder 5" descr="picture placeholder">
-            <a:extLst>
-              <a:ext uri="{FF2B5EF4-FFF2-40B4-BE49-F238E27FC236}">
-                <a16:creationId xmlns:a16="http://schemas.microsoft.com/office/drawing/2014/main" id="{6CB6DE2D-0061-41C5-B817-50C54B4B674D}"/>
-              </a:ext>
-              <a:ext uri="{C183D7F6-B498-43B3-948B-1728B52AA6E4}">
-                <adec:decorative xmlns:adec="http://schemas.microsoft.com/office/drawing/2017/decorative" val="1"/>
-              </a:ext>
-            </a:extLst>
-          </p:cNvPr>
-          <p:cNvSpPr>
-            <a:spLocks noGrp="1"/>
-          </p:cNvSpPr>
-          <p:nvPr>
-            <p:ph type="pic" sz="quarter" idx="16"/>
-          </p:nvPr>
-        </p:nvSpPr>
-        <p:spPr/>
-      </p:sp>
-      <p:sp>
-        <p:nvSpPr>
-          <p:cNvPr id="7" name="Picture Placeholder 6" descr="picture placeholder">
-            <a:extLst>
-              <a:ext uri="{FF2B5EF4-FFF2-40B4-BE49-F238E27FC236}">
-                <a16:creationId xmlns:a16="http://schemas.microsoft.com/office/drawing/2014/main" id="{760FA0BE-32C2-406B-9B1B-D3296C6344EC}"/>
-              </a:ext>
-              <a:ext uri="{C183D7F6-B498-43B3-948B-1728B52AA6E4}">
-                <adec:decorative xmlns:adec="http://schemas.microsoft.com/office/drawing/2017/decorative" val="1"/>
-              </a:ext>
-            </a:extLst>
-          </p:cNvPr>
-          <p:cNvSpPr>
-            <a:spLocks noGrp="1"/>
-          </p:cNvSpPr>
-          <p:nvPr>
-            <p:ph type="pic" sz="quarter" idx="17"/>
-          </p:nvPr>
-        </p:nvSpPr>
-        <p:spPr/>
-      </p:sp>
-      <p:sp>
-        <p:nvSpPr>
-          <p:cNvPr id="8" name="Picture Placeholder 7" descr="picture placeholder">
-            <a:extLst>
-              <a:ext uri="{FF2B5EF4-FFF2-40B4-BE49-F238E27FC236}">
-                <a16:creationId xmlns:a16="http://schemas.microsoft.com/office/drawing/2014/main" id="{BCB9B189-B977-435E-A33D-24084EAD7652}"/>
-              </a:ext>
-              <a:ext uri="{C183D7F6-B498-43B3-948B-1728B52AA6E4}">
-                <adec:decorative xmlns:adec="http://schemas.microsoft.com/office/drawing/2017/decorative" val="1"/>
-              </a:ext>
-            </a:extLst>
-          </p:cNvPr>
-          <p:cNvSpPr>
-            <a:spLocks noGrp="1"/>
-          </p:cNvSpPr>
-          <p:nvPr>
-            <p:ph type="pic" sz="quarter" idx="18"/>
-          </p:nvPr>
-        </p:nvSpPr>
-        <p:spPr/>
-      </p:sp>
-      <p:sp>
-        <p:nvSpPr>
-          <p:cNvPr id="3" name="Slide Number Placeholder 2">
-            <a:extLst>
-              <a:ext uri="{FF2B5EF4-FFF2-40B4-BE49-F238E27FC236}">
-                <a16:creationId xmlns:a16="http://schemas.microsoft.com/office/drawing/2014/main" id="{F20C02BF-49ED-496E-9ABA-15E6BF632132}"/>
-              </a:ext>
-            </a:extLst>
-          </p:cNvPr>
-          <p:cNvSpPr>
-            <a:spLocks noGrp="1"/>
-          </p:cNvSpPr>
-          <p:nvPr>
-            <p:ph type="sldNum" sz="quarter" idx="22"/>
+            <p:ph type="body" idx="1"/>
           </p:nvPr>
         </p:nvSpPr>
         <p:spPr/>
@@ -24276,20 +26065,17 @@
           <a:bodyPr/>
           <a:lstStyle/>
           <a:p>
-            <a:pPr algn="r"/>
-            <a:fld id="{3D3C4EEC-F499-4A7F-B67B-5709763315B6}" type="slidenum">
-              <a:rPr lang="en-US" smtClean="0"/>
-              <a:pPr algn="r"/>
-              <a:t>5</a:t>
-            </a:fld>
-            <a:endParaRPr lang="en-US" dirty="0"/>
+            <a:r>
+              <a:rPr lang="en-US" dirty="0"/>
+              <a:t>Google, Trial, and Error</a:t>
+            </a:r>
           </a:p>
         </p:txBody>
       </p:sp>
     </p:spTree>
     <p:extLst>
       <p:ext uri="{BB962C8B-B14F-4D97-AF65-F5344CB8AC3E}">
-        <p14:creationId xmlns:p14="http://schemas.microsoft.com/office/powerpoint/2010/main" val="795949296"/>
+        <p14:creationId xmlns:p14="http://schemas.microsoft.com/office/powerpoint/2010/main" val="198036387"/>
       </p:ext>
     </p:extLst>
   </p:cSld>
@@ -24318,10 +26104,10 @@
       </p:grpSpPr>
       <p:sp>
         <p:nvSpPr>
-          <p:cNvPr id="25" name="Title 24">
-            <a:extLst>
-              <a:ext uri="{FF2B5EF4-FFF2-40B4-BE49-F238E27FC236}">
-                <a16:creationId xmlns:a16="http://schemas.microsoft.com/office/drawing/2014/main" id="{D27F2071-6AF5-4F31-9368-D7653D8792D5}"/>
+          <p:cNvPr id="2" name="Title 1">
+            <a:extLst>
+              <a:ext uri="{FF2B5EF4-FFF2-40B4-BE49-F238E27FC236}">
+                <a16:creationId xmlns:a16="http://schemas.microsoft.com/office/drawing/2014/main" id="{C8D2E368-5DFD-40C4-B989-C018F461FAD5}"/>
               </a:ext>
             </a:extLst>
           </p:cNvPr>
@@ -24339,20 +26125,17 @@
           <a:p>
             <a:r>
               <a:rPr lang="en-US" dirty="0"/>
-              <a:t>CLICK TO ADD TITLE 03</a:t>
+              <a:t>Data Wrangling</a:t>
             </a:r>
           </a:p>
         </p:txBody>
       </p:sp>
       <p:sp>
         <p:nvSpPr>
-          <p:cNvPr id="5" name="Picture Placeholder 4" descr="picture placeholder">
-            <a:extLst>
-              <a:ext uri="{FF2B5EF4-FFF2-40B4-BE49-F238E27FC236}">
-                <a16:creationId xmlns:a16="http://schemas.microsoft.com/office/drawing/2014/main" id="{FFC4467F-1FCB-4DF1-AD54-A68D414594D3}"/>
-              </a:ext>
-              <a:ext uri="{C183D7F6-B498-43B3-948B-1728B52AA6E4}">
-                <adec:decorative xmlns:adec="http://schemas.microsoft.com/office/drawing/2017/decorative" val="1"/>
+          <p:cNvPr id="3" name="Text Placeholder 2">
+            <a:extLst>
+              <a:ext uri="{FF2B5EF4-FFF2-40B4-BE49-F238E27FC236}">
+                <a16:creationId xmlns:a16="http://schemas.microsoft.com/office/drawing/2014/main" id="{5B1F89F6-7D67-4681-8E5E-8A5F0C2EF61B}"/>
               </a:ext>
             </a:extLst>
           </p:cNvPr>
@@ -24360,67 +26143,7 @@
             <a:spLocks noGrp="1"/>
           </p:cNvSpPr>
           <p:nvPr>
-            <p:ph type="pic" sz="quarter" idx="13"/>
-          </p:nvPr>
-        </p:nvSpPr>
-        <p:spPr/>
-      </p:sp>
-      <p:sp>
-        <p:nvSpPr>
-          <p:cNvPr id="6" name="Picture Placeholder 5" descr="picture placeholder">
-            <a:extLst>
-              <a:ext uri="{FF2B5EF4-FFF2-40B4-BE49-F238E27FC236}">
-                <a16:creationId xmlns:a16="http://schemas.microsoft.com/office/drawing/2014/main" id="{CE0C87B8-A879-4AF7-A7B7-375620D39D84}"/>
-              </a:ext>
-              <a:ext uri="{C183D7F6-B498-43B3-948B-1728B52AA6E4}">
-                <adec:decorative xmlns:adec="http://schemas.microsoft.com/office/drawing/2017/decorative" val="1"/>
-              </a:ext>
-            </a:extLst>
-          </p:cNvPr>
-          <p:cNvSpPr>
-            <a:spLocks noGrp="1"/>
-          </p:cNvSpPr>
-          <p:nvPr>
-            <p:ph type="pic" sz="quarter" idx="14"/>
-          </p:nvPr>
-        </p:nvSpPr>
-        <p:spPr/>
-      </p:sp>
-      <p:sp>
-        <p:nvSpPr>
-          <p:cNvPr id="7" name="Picture Placeholder 6" descr="picture placeholder">
-            <a:extLst>
-              <a:ext uri="{FF2B5EF4-FFF2-40B4-BE49-F238E27FC236}">
-                <a16:creationId xmlns:a16="http://schemas.microsoft.com/office/drawing/2014/main" id="{9DB1BD8D-EADA-498A-BCFC-CEE42588B672}"/>
-              </a:ext>
-              <a:ext uri="{C183D7F6-B498-43B3-948B-1728B52AA6E4}">
-                <adec:decorative xmlns:adec="http://schemas.microsoft.com/office/drawing/2017/decorative" val="1"/>
-              </a:ext>
-            </a:extLst>
-          </p:cNvPr>
-          <p:cNvSpPr>
-            <a:spLocks noGrp="1"/>
-          </p:cNvSpPr>
-          <p:nvPr>
-            <p:ph type="pic" sz="quarter" idx="15"/>
-          </p:nvPr>
-        </p:nvSpPr>
-        <p:spPr/>
-      </p:sp>
-      <p:sp>
-        <p:nvSpPr>
-          <p:cNvPr id="3" name="Slide Number Placeholder 2">
-            <a:extLst>
-              <a:ext uri="{FF2B5EF4-FFF2-40B4-BE49-F238E27FC236}">
-                <a16:creationId xmlns:a16="http://schemas.microsoft.com/office/drawing/2014/main" id="{6539ABD2-421C-456E-8CA3-6F9E0762EEC3}"/>
-              </a:ext>
-            </a:extLst>
-          </p:cNvPr>
-          <p:cNvSpPr>
-            <a:spLocks noGrp="1"/>
-          </p:cNvSpPr>
-          <p:nvPr>
-            <p:ph type="sldNum" sz="quarter" idx="16"/>
+            <p:ph type="body" idx="1"/>
           </p:nvPr>
         </p:nvSpPr>
         <p:spPr/>
@@ -24428,20 +26151,17 @@
           <a:bodyPr/>
           <a:lstStyle/>
           <a:p>
-            <a:pPr algn="r"/>
-            <a:fld id="{3D3C4EEC-F499-4A7F-B67B-5709763315B6}" type="slidenum">
-              <a:rPr lang="en-US" smtClean="0"/>
-              <a:pPr algn="r"/>
-              <a:t>6</a:t>
-            </a:fld>
-            <a:endParaRPr lang="en-US" dirty="0"/>
+            <a:r>
+              <a:rPr lang="en-US" dirty="0"/>
+              <a:t>Wrangler, please sponsor us.  We need new jeans.</a:t>
+            </a:r>
           </a:p>
         </p:txBody>
       </p:sp>
     </p:spTree>
     <p:extLst>
       <p:ext uri="{BB962C8B-B14F-4D97-AF65-F5344CB8AC3E}">
-        <p14:creationId xmlns:p14="http://schemas.microsoft.com/office/powerpoint/2010/main" val="4036421104"/>
+        <p14:creationId xmlns:p14="http://schemas.microsoft.com/office/powerpoint/2010/main" val="1209505808"/>
       </p:ext>
     </p:extLst>
   </p:cSld>
@@ -24470,10 +26190,10 @@
       </p:grpSpPr>
       <p:sp>
         <p:nvSpPr>
-          <p:cNvPr id="24" name="Title 23">
-            <a:extLst>
-              <a:ext uri="{FF2B5EF4-FFF2-40B4-BE49-F238E27FC236}">
-                <a16:creationId xmlns:a16="http://schemas.microsoft.com/office/drawing/2014/main" id="{62AEAB66-5D0B-48D9-BCB8-2598CE27D4F5}"/>
+          <p:cNvPr id="21" name="Title 20">
+            <a:extLst>
+              <a:ext uri="{FF2B5EF4-FFF2-40B4-BE49-F238E27FC236}">
+                <a16:creationId xmlns:a16="http://schemas.microsoft.com/office/drawing/2014/main" id="{47B1DBF2-307B-48DA-90EF-0E95CF83CFAE}"/>
               </a:ext>
             </a:extLst>
           </p:cNvPr>
@@ -24491,20 +26211,17 @@
           <a:p>
             <a:r>
               <a:rPr lang="en-US" dirty="0"/>
-              <a:t>CLICK TO ADD TITLE 04</a:t>
+              <a:t>Data Flow</a:t>
             </a:r>
           </a:p>
         </p:txBody>
       </p:sp>
       <p:sp>
         <p:nvSpPr>
-          <p:cNvPr id="5" name="Picture Placeholder 4" descr="picture placeholder">
-            <a:extLst>
-              <a:ext uri="{FF2B5EF4-FFF2-40B4-BE49-F238E27FC236}">
-                <a16:creationId xmlns:a16="http://schemas.microsoft.com/office/drawing/2014/main" id="{3BD32857-7231-4011-ACC8-6EB724F5CA54}"/>
-              </a:ext>
-              <a:ext uri="{C183D7F6-B498-43B3-948B-1728B52AA6E4}">
-                <adec:decorative xmlns:adec="http://schemas.microsoft.com/office/drawing/2017/decorative" val="1"/>
+          <p:cNvPr id="3" name="Slide Number Placeholder 2">
+            <a:extLst>
+              <a:ext uri="{FF2B5EF4-FFF2-40B4-BE49-F238E27FC236}">
+                <a16:creationId xmlns:a16="http://schemas.microsoft.com/office/drawing/2014/main" id="{D9F184D0-73A0-4B76-984E-92B972D29769}"/>
               </a:ext>
             </a:extLst>
           </p:cNvPr>
@@ -24512,109 +26229,7 @@
             <a:spLocks noGrp="1"/>
           </p:cNvSpPr>
           <p:nvPr>
-            <p:ph type="pic" sz="quarter" idx="13"/>
-          </p:nvPr>
-        </p:nvSpPr>
-        <p:spPr/>
-      </p:sp>
-      <p:sp>
-        <p:nvSpPr>
-          <p:cNvPr id="6" name="Picture Placeholder 5" descr="picture placeholder">
-            <a:extLst>
-              <a:ext uri="{FF2B5EF4-FFF2-40B4-BE49-F238E27FC236}">
-                <a16:creationId xmlns:a16="http://schemas.microsoft.com/office/drawing/2014/main" id="{ED0E3447-BD11-41C4-BC2D-4CD273F275AD}"/>
-              </a:ext>
-              <a:ext uri="{C183D7F6-B498-43B3-948B-1728B52AA6E4}">
-                <adec:decorative xmlns:adec="http://schemas.microsoft.com/office/drawing/2017/decorative" val="1"/>
-              </a:ext>
-            </a:extLst>
-          </p:cNvPr>
-          <p:cNvSpPr>
-            <a:spLocks noGrp="1"/>
-          </p:cNvSpPr>
-          <p:nvPr>
-            <p:ph type="pic" sz="quarter" idx="14"/>
-          </p:nvPr>
-        </p:nvSpPr>
-        <p:spPr/>
-      </p:sp>
-      <p:sp>
-        <p:nvSpPr>
-          <p:cNvPr id="7" name="Picture Placeholder 6" descr="picture placeholder">
-            <a:extLst>
-              <a:ext uri="{FF2B5EF4-FFF2-40B4-BE49-F238E27FC236}">
-                <a16:creationId xmlns:a16="http://schemas.microsoft.com/office/drawing/2014/main" id="{C1B94235-E2DF-414E-BD2F-85FA63D37175}"/>
-              </a:ext>
-              <a:ext uri="{C183D7F6-B498-43B3-948B-1728B52AA6E4}">
-                <adec:decorative xmlns:adec="http://schemas.microsoft.com/office/drawing/2017/decorative" val="1"/>
-              </a:ext>
-            </a:extLst>
-          </p:cNvPr>
-          <p:cNvSpPr>
-            <a:spLocks noGrp="1"/>
-          </p:cNvSpPr>
-          <p:nvPr>
-            <p:ph type="pic" sz="quarter" idx="15"/>
-          </p:nvPr>
-        </p:nvSpPr>
-        <p:spPr/>
-      </p:sp>
-      <p:sp>
-        <p:nvSpPr>
-          <p:cNvPr id="8" name="Picture Placeholder 7" descr="picture placeholder">
-            <a:extLst>
-              <a:ext uri="{FF2B5EF4-FFF2-40B4-BE49-F238E27FC236}">
-                <a16:creationId xmlns:a16="http://schemas.microsoft.com/office/drawing/2014/main" id="{51C607BD-9B12-4B12-8F2C-211833649381}"/>
-              </a:ext>
-              <a:ext uri="{C183D7F6-B498-43B3-948B-1728B52AA6E4}">
-                <adec:decorative xmlns:adec="http://schemas.microsoft.com/office/drawing/2017/decorative" val="1"/>
-              </a:ext>
-            </a:extLst>
-          </p:cNvPr>
-          <p:cNvSpPr>
-            <a:spLocks noGrp="1"/>
-          </p:cNvSpPr>
-          <p:nvPr>
-            <p:ph type="pic" sz="quarter" idx="16"/>
-          </p:nvPr>
-        </p:nvSpPr>
-        <p:spPr/>
-      </p:sp>
-      <p:sp>
-        <p:nvSpPr>
-          <p:cNvPr id="9" name="Picture Placeholder 8" descr="picture placeholder">
-            <a:extLst>
-              <a:ext uri="{FF2B5EF4-FFF2-40B4-BE49-F238E27FC236}">
-                <a16:creationId xmlns:a16="http://schemas.microsoft.com/office/drawing/2014/main" id="{5D9AC37B-F831-40D1-BB17-ACDA493FE79F}"/>
-              </a:ext>
-              <a:ext uri="{C183D7F6-B498-43B3-948B-1728B52AA6E4}">
-                <adec:decorative xmlns:adec="http://schemas.microsoft.com/office/drawing/2017/decorative" val="1"/>
-              </a:ext>
-            </a:extLst>
-          </p:cNvPr>
-          <p:cNvSpPr>
-            <a:spLocks noGrp="1"/>
-          </p:cNvSpPr>
-          <p:nvPr>
-            <p:ph type="pic" sz="quarter" idx="17"/>
-          </p:nvPr>
-        </p:nvSpPr>
-        <p:spPr/>
-      </p:sp>
-      <p:sp>
-        <p:nvSpPr>
-          <p:cNvPr id="3" name="Slide Number Placeholder 2">
-            <a:extLst>
-              <a:ext uri="{FF2B5EF4-FFF2-40B4-BE49-F238E27FC236}">
-                <a16:creationId xmlns:a16="http://schemas.microsoft.com/office/drawing/2014/main" id="{B3360D74-A90D-49A2-8557-620C763C95C2}"/>
-              </a:ext>
-            </a:extLst>
-          </p:cNvPr>
-          <p:cNvSpPr>
-            <a:spLocks noGrp="1"/>
-          </p:cNvSpPr>
-          <p:nvPr>
-            <p:ph type="sldNum" sz="quarter" idx="18"/>
+            <p:ph type="sldNum" sz="quarter" idx="22"/>
           </p:nvPr>
         </p:nvSpPr>
         <p:spPr/>
@@ -24632,10 +26247,36 @@
           </a:p>
         </p:txBody>
       </p:sp>
+      <p:sp>
+        <p:nvSpPr>
+          <p:cNvPr id="4" name="Picture Placeholder 4" descr="picture placeholder">
+            <a:extLst>
+              <a:ext uri="{FF2B5EF4-FFF2-40B4-BE49-F238E27FC236}">
+                <a16:creationId xmlns:a16="http://schemas.microsoft.com/office/drawing/2014/main" id="{36DA6F8F-E109-0362-E912-E096F0B25F58}"/>
+              </a:ext>
+              <a:ext uri="{C183D7F6-B498-43B3-948B-1728B52AA6E4}">
+                <adec:decorative xmlns:adec="http://schemas.microsoft.com/office/drawing/2017/decorative" val="1"/>
+              </a:ext>
+            </a:extLst>
+          </p:cNvPr>
+          <p:cNvSpPr>
+            <a:spLocks noGrp="1"/>
+          </p:cNvSpPr>
+          <p:nvPr>
+            <p:ph type="pic" sz="quarter" idx="14"/>
+          </p:nvPr>
+        </p:nvSpPr>
+        <p:spPr>
+          <a:xfrm>
+            <a:off x="968831" y="1340516"/>
+            <a:ext cx="10314520" cy="4966704"/>
+          </a:xfrm>
+        </p:spPr>
+      </p:sp>
     </p:spTree>
     <p:extLst>
       <p:ext uri="{BB962C8B-B14F-4D97-AF65-F5344CB8AC3E}">
-        <p14:creationId xmlns:p14="http://schemas.microsoft.com/office/powerpoint/2010/main" val="2254659760"/>
+        <p14:creationId xmlns:p14="http://schemas.microsoft.com/office/powerpoint/2010/main" val="2914659228"/>
       </p:ext>
     </p:extLst>
   </p:cSld>
@@ -24664,10 +26305,10 @@
       </p:grpSpPr>
       <p:sp>
         <p:nvSpPr>
-          <p:cNvPr id="30" name="Title 29">
-            <a:extLst>
-              <a:ext uri="{FF2B5EF4-FFF2-40B4-BE49-F238E27FC236}">
-                <a16:creationId xmlns:a16="http://schemas.microsoft.com/office/drawing/2014/main" id="{40475ECD-0D02-4B5E-BAD4-6677C5557887}"/>
+          <p:cNvPr id="2" name="Title 1">
+            <a:extLst>
+              <a:ext uri="{FF2B5EF4-FFF2-40B4-BE49-F238E27FC236}">
+                <a16:creationId xmlns:a16="http://schemas.microsoft.com/office/drawing/2014/main" id="{C8D2E368-5DFD-40C4-B989-C018F461FAD5}"/>
               </a:ext>
             </a:extLst>
           </p:cNvPr>
@@ -24685,20 +26326,17 @@
           <a:p>
             <a:r>
               <a:rPr lang="en-US" dirty="0"/>
-              <a:t>CLICK TO ADD TITLE 05</a:t>
+              <a:t>Final Visualization</a:t>
             </a:r>
           </a:p>
         </p:txBody>
       </p:sp>
       <p:sp>
         <p:nvSpPr>
-          <p:cNvPr id="5" name="Picture Placeholder 4" descr="picture placeholder">
-            <a:extLst>
-              <a:ext uri="{FF2B5EF4-FFF2-40B4-BE49-F238E27FC236}">
-                <a16:creationId xmlns:a16="http://schemas.microsoft.com/office/drawing/2014/main" id="{ECF12740-82D2-47F0-B3E1-D57AABE07B2B}"/>
-              </a:ext>
-              <a:ext uri="{C183D7F6-B498-43B3-948B-1728B52AA6E4}">
-                <adec:decorative xmlns:adec="http://schemas.microsoft.com/office/drawing/2017/decorative" val="1"/>
+          <p:cNvPr id="3" name="Text Placeholder 2">
+            <a:extLst>
+              <a:ext uri="{FF2B5EF4-FFF2-40B4-BE49-F238E27FC236}">
+                <a16:creationId xmlns:a16="http://schemas.microsoft.com/office/drawing/2014/main" id="{5B1F89F6-7D67-4681-8E5E-8A5F0C2EF61B}"/>
               </a:ext>
             </a:extLst>
           </p:cNvPr>
@@ -24706,151 +26344,7 @@
             <a:spLocks noGrp="1"/>
           </p:cNvSpPr>
           <p:nvPr>
-            <p:ph type="pic" sz="quarter" idx="13"/>
-          </p:nvPr>
-        </p:nvSpPr>
-        <p:spPr/>
-      </p:sp>
-      <p:sp>
-        <p:nvSpPr>
-          <p:cNvPr id="7" name="Picture Placeholder 6" descr="picture placeholder">
-            <a:extLst>
-              <a:ext uri="{FF2B5EF4-FFF2-40B4-BE49-F238E27FC236}">
-                <a16:creationId xmlns:a16="http://schemas.microsoft.com/office/drawing/2014/main" id="{1B3AF415-1CC1-45B4-A9F4-F280ACAF563E}"/>
-              </a:ext>
-              <a:ext uri="{C183D7F6-B498-43B3-948B-1728B52AA6E4}">
-                <adec:decorative xmlns:adec="http://schemas.microsoft.com/office/drawing/2017/decorative" val="1"/>
-              </a:ext>
-            </a:extLst>
-          </p:cNvPr>
-          <p:cNvSpPr>
-            <a:spLocks noGrp="1"/>
-          </p:cNvSpPr>
-          <p:nvPr>
-            <p:ph type="pic" sz="quarter" idx="17"/>
-          </p:nvPr>
-        </p:nvSpPr>
-        <p:spPr/>
-      </p:sp>
-      <p:sp>
-        <p:nvSpPr>
-          <p:cNvPr id="8" name="Picture Placeholder 7" descr="picture placeholder">
-            <a:extLst>
-              <a:ext uri="{FF2B5EF4-FFF2-40B4-BE49-F238E27FC236}">
-                <a16:creationId xmlns:a16="http://schemas.microsoft.com/office/drawing/2014/main" id="{E4BD8F0D-C2CB-436E-B899-F31AE2273E5D}"/>
-              </a:ext>
-              <a:ext uri="{C183D7F6-B498-43B3-948B-1728B52AA6E4}">
-                <adec:decorative xmlns:adec="http://schemas.microsoft.com/office/drawing/2017/decorative" val="1"/>
-              </a:ext>
-            </a:extLst>
-          </p:cNvPr>
-          <p:cNvSpPr>
-            <a:spLocks noGrp="1"/>
-          </p:cNvSpPr>
-          <p:nvPr>
-            <p:ph type="pic" sz="quarter" idx="18"/>
-          </p:nvPr>
-        </p:nvSpPr>
-        <p:spPr/>
-      </p:sp>
-      <p:sp>
-        <p:nvSpPr>
-          <p:cNvPr id="6" name="Picture Placeholder 5" descr="picture placeholder">
-            <a:extLst>
-              <a:ext uri="{FF2B5EF4-FFF2-40B4-BE49-F238E27FC236}">
-                <a16:creationId xmlns:a16="http://schemas.microsoft.com/office/drawing/2014/main" id="{C5F1592C-1F34-449C-B603-AA47AFF59819}"/>
-              </a:ext>
-              <a:ext uri="{C183D7F6-B498-43B3-948B-1728B52AA6E4}">
-                <adec:decorative xmlns:adec="http://schemas.microsoft.com/office/drawing/2017/decorative" val="1"/>
-              </a:ext>
-            </a:extLst>
-          </p:cNvPr>
-          <p:cNvSpPr>
-            <a:spLocks noGrp="1"/>
-          </p:cNvSpPr>
-          <p:nvPr>
-            <p:ph type="pic" sz="quarter" idx="14"/>
-          </p:nvPr>
-        </p:nvSpPr>
-        <p:spPr/>
-      </p:sp>
-      <p:sp>
-        <p:nvSpPr>
-          <p:cNvPr id="9" name="Picture Placeholder 8" descr="picture placeholder">
-            <a:extLst>
-              <a:ext uri="{FF2B5EF4-FFF2-40B4-BE49-F238E27FC236}">
-                <a16:creationId xmlns:a16="http://schemas.microsoft.com/office/drawing/2014/main" id="{730286C1-8690-4C1F-BB14-42DD2C611675}"/>
-              </a:ext>
-              <a:ext uri="{C183D7F6-B498-43B3-948B-1728B52AA6E4}">
-                <adec:decorative xmlns:adec="http://schemas.microsoft.com/office/drawing/2017/decorative" val="1"/>
-              </a:ext>
-            </a:extLst>
-          </p:cNvPr>
-          <p:cNvSpPr>
-            <a:spLocks noGrp="1"/>
-          </p:cNvSpPr>
-          <p:nvPr>
-            <p:ph type="pic" sz="quarter" idx="19"/>
-          </p:nvPr>
-        </p:nvSpPr>
-        <p:spPr/>
-      </p:sp>
-      <p:sp>
-        <p:nvSpPr>
-          <p:cNvPr id="10" name="Picture Placeholder 9" descr="picture placeholder">
-            <a:extLst>
-              <a:ext uri="{FF2B5EF4-FFF2-40B4-BE49-F238E27FC236}">
-                <a16:creationId xmlns:a16="http://schemas.microsoft.com/office/drawing/2014/main" id="{225143F8-B17D-4658-BDA6-9F544FCB1BDC}"/>
-              </a:ext>
-              <a:ext uri="{C183D7F6-B498-43B3-948B-1728B52AA6E4}">
-                <adec:decorative xmlns:adec="http://schemas.microsoft.com/office/drawing/2017/decorative" val="1"/>
-              </a:ext>
-            </a:extLst>
-          </p:cNvPr>
-          <p:cNvSpPr>
-            <a:spLocks noGrp="1"/>
-          </p:cNvSpPr>
-          <p:nvPr>
-            <p:ph type="pic" sz="quarter" idx="20"/>
-          </p:nvPr>
-        </p:nvSpPr>
-        <p:spPr/>
-      </p:sp>
-      <p:sp>
-        <p:nvSpPr>
-          <p:cNvPr id="11" name="Picture Placeholder 10" descr="picture placeholder">
-            <a:extLst>
-              <a:ext uri="{FF2B5EF4-FFF2-40B4-BE49-F238E27FC236}">
-                <a16:creationId xmlns:a16="http://schemas.microsoft.com/office/drawing/2014/main" id="{DEFC9061-93AA-46CC-9E29-324C46289ED8}"/>
-              </a:ext>
-              <a:ext uri="{C183D7F6-B498-43B3-948B-1728B52AA6E4}">
-                <adec:decorative xmlns:adec="http://schemas.microsoft.com/office/drawing/2017/decorative" val="1"/>
-              </a:ext>
-            </a:extLst>
-          </p:cNvPr>
-          <p:cNvSpPr>
-            <a:spLocks noGrp="1"/>
-          </p:cNvSpPr>
-          <p:nvPr>
-            <p:ph type="pic" sz="quarter" idx="21"/>
-          </p:nvPr>
-        </p:nvSpPr>
-        <p:spPr/>
-      </p:sp>
-      <p:sp>
-        <p:nvSpPr>
-          <p:cNvPr id="3" name="Slide Number Placeholder 2">
-            <a:extLst>
-              <a:ext uri="{FF2B5EF4-FFF2-40B4-BE49-F238E27FC236}">
-                <a16:creationId xmlns:a16="http://schemas.microsoft.com/office/drawing/2014/main" id="{E371907E-0B46-4897-A29A-56BCE4D17744}"/>
-              </a:ext>
-            </a:extLst>
-          </p:cNvPr>
-          <p:cNvSpPr>
-            <a:spLocks noGrp="1"/>
-          </p:cNvSpPr>
-          <p:nvPr>
-            <p:ph type="sldNum" sz="quarter" idx="22"/>
+            <p:ph type="body" idx="1"/>
           </p:nvPr>
         </p:nvSpPr>
         <p:spPr/>
@@ -24858,20 +26352,17 @@
           <a:bodyPr/>
           <a:lstStyle/>
           <a:p>
-            <a:pPr algn="r"/>
-            <a:fld id="{3D3C4EEC-F499-4A7F-B67B-5709763315B6}" type="slidenum">
-              <a:rPr lang="en-US" smtClean="0"/>
-              <a:pPr algn="r"/>
-              <a:t>8</a:t>
-            </a:fld>
-            <a:endParaRPr lang="en-US" dirty="0"/>
+            <a:r>
+              <a:rPr lang="en-US" dirty="0"/>
+              <a:t>An absolute beauty</a:t>
+            </a:r>
           </a:p>
         </p:txBody>
       </p:sp>
     </p:spTree>
     <p:extLst>
       <p:ext uri="{BB962C8B-B14F-4D97-AF65-F5344CB8AC3E}">
-        <p14:creationId xmlns:p14="http://schemas.microsoft.com/office/powerpoint/2010/main" val="2190017054"/>
+        <p14:creationId xmlns:p14="http://schemas.microsoft.com/office/powerpoint/2010/main" val="3253604849"/>
       </p:ext>
     </p:extLst>
   </p:cSld>
@@ -24921,7 +26412,7 @@
           <a:p>
             <a:r>
               <a:rPr lang="en-US" dirty="0"/>
-              <a:t>CLICK TO ADD TITLE 06</a:t>
+              <a:t>Database and Datasets</a:t>
             </a:r>
           </a:p>
         </p:txBody>
@@ -24966,49 +26457,12 @@
             <p:ph type="pic" sz="quarter" idx="19"/>
           </p:nvPr>
         </p:nvSpPr>
-        <p:spPr/>
-      </p:sp>
-      <p:sp>
-        <p:nvSpPr>
-          <p:cNvPr id="7" name="Picture Placeholder 6" descr="picture placeholder">
-            <a:extLst>
-              <a:ext uri="{FF2B5EF4-FFF2-40B4-BE49-F238E27FC236}">
-                <a16:creationId xmlns:a16="http://schemas.microsoft.com/office/drawing/2014/main" id="{D6264F9A-2ED9-4F09-B474-46617932A6D3}"/>
-              </a:ext>
-              <a:ext uri="{C183D7F6-B498-43B3-948B-1728B52AA6E4}">
-                <adec:decorative xmlns:adec="http://schemas.microsoft.com/office/drawing/2017/decorative" val="1"/>
-              </a:ext>
-            </a:extLst>
-          </p:cNvPr>
-          <p:cNvSpPr>
-            <a:spLocks noGrp="1"/>
-          </p:cNvSpPr>
-          <p:nvPr>
-            <p:ph type="pic" sz="quarter" idx="20"/>
-          </p:nvPr>
-        </p:nvSpPr>
-        <p:spPr/>
-      </p:sp>
-      <p:sp>
-        <p:nvSpPr>
-          <p:cNvPr id="8" name="Picture Placeholder 7" descr="picture placeholder">
-            <a:extLst>
-              <a:ext uri="{FF2B5EF4-FFF2-40B4-BE49-F238E27FC236}">
-                <a16:creationId xmlns:a16="http://schemas.microsoft.com/office/drawing/2014/main" id="{3BD30730-8A28-43B6-BB75-916C9E4F62B3}"/>
-              </a:ext>
-              <a:ext uri="{C183D7F6-B498-43B3-948B-1728B52AA6E4}">
-                <adec:decorative xmlns:adec="http://schemas.microsoft.com/office/drawing/2017/decorative" val="1"/>
-              </a:ext>
-            </a:extLst>
-          </p:cNvPr>
-          <p:cNvSpPr>
-            <a:spLocks noGrp="1"/>
-          </p:cNvSpPr>
-          <p:nvPr>
-            <p:ph type="pic" sz="quarter" idx="21"/>
-          </p:nvPr>
-        </p:nvSpPr>
-        <p:spPr/>
+        <p:spPr>
+          <a:xfrm>
+            <a:off x="7210781" y="1340516"/>
+            <a:ext cx="4023531" cy="4966704"/>
+          </a:xfrm>
+        </p:spPr>
       </p:sp>
       <p:sp>
         <p:nvSpPr>
@@ -25041,10 +26495,131 @@
           </a:p>
         </p:txBody>
       </p:sp>
+      <p:sp>
+        <p:nvSpPr>
+          <p:cNvPr id="2" name="TextBox 1">
+            <a:extLst>
+              <a:ext uri="{FF2B5EF4-FFF2-40B4-BE49-F238E27FC236}">
+                <a16:creationId xmlns:a16="http://schemas.microsoft.com/office/drawing/2014/main" id="{3B088658-4805-7928-4C58-77EBAB20FFE4}"/>
+              </a:ext>
+            </a:extLst>
+          </p:cNvPr>
+          <p:cNvSpPr txBox="1"/>
+          <p:nvPr/>
+        </p:nvSpPr>
+        <p:spPr>
+          <a:xfrm>
+            <a:off x="7253570" y="1345566"/>
+            <a:ext cx="3933265" cy="2862322"/>
+          </a:xfrm>
+          <a:prstGeom prst="rect">
+            <a:avLst/>
+          </a:prstGeom>
+          <a:noFill/>
+        </p:spPr>
+        <p:txBody>
+          <a:bodyPr wrap="square" rtlCol="0">
+            <a:spAutoFit/>
+          </a:bodyPr>
+          <a:lstStyle/>
+          <a:p>
+            <a:pPr marL="285750" indent="-285750">
+              <a:buFont typeface="Arial" panose="020B0604020202020204" pitchFamily="34" charset="0"/>
+              <a:buChar char="•"/>
+            </a:pPr>
+            <a:r>
+              <a:rPr lang="en-US" dirty="0">
+                <a:solidFill>
+                  <a:schemeClr val="bg1"/>
+                </a:solidFill>
+              </a:rPr>
+              <a:t>The team decided to use </a:t>
+            </a:r>
+            <a:r>
+              <a:rPr lang="en-US" dirty="0" err="1">
+                <a:solidFill>
+                  <a:schemeClr val="bg1"/>
+                </a:solidFill>
+              </a:rPr>
+              <a:t>PGAdmin</a:t>
+            </a:r>
+            <a:r>
+              <a:rPr lang="en-US" dirty="0">
+                <a:solidFill>
+                  <a:schemeClr val="bg1"/>
+                </a:solidFill>
+              </a:rPr>
+              <a:t> and </a:t>
+            </a:r>
+            <a:r>
+              <a:rPr lang="en-US" dirty="0" err="1">
+                <a:solidFill>
+                  <a:schemeClr val="bg1"/>
+                </a:solidFill>
+              </a:rPr>
+              <a:t>SQLAlchemy</a:t>
+            </a:r>
+            <a:r>
+              <a:rPr lang="en-US" dirty="0">
+                <a:solidFill>
+                  <a:schemeClr val="bg1"/>
+                </a:solidFill>
+              </a:rPr>
+              <a:t> for the database</a:t>
+            </a:r>
+          </a:p>
+          <a:p>
+            <a:pPr marL="285750" indent="-285750">
+              <a:buFont typeface="Arial" panose="020B0604020202020204" pitchFamily="34" charset="0"/>
+              <a:buChar char="•"/>
+            </a:pPr>
+            <a:endParaRPr lang="en-US" dirty="0">
+              <a:solidFill>
+                <a:schemeClr val="bg1"/>
+              </a:solidFill>
+            </a:endParaRPr>
+          </a:p>
+          <a:p>
+            <a:pPr marL="285750" indent="-285750">
+              <a:buFont typeface="Arial" panose="020B0604020202020204" pitchFamily="34" charset="0"/>
+              <a:buChar char="•"/>
+            </a:pPr>
+            <a:r>
+              <a:rPr lang="en-US" dirty="0">
+                <a:solidFill>
+                  <a:schemeClr val="bg1"/>
+                </a:solidFill>
+              </a:rPr>
+              <a:t>The dataset includes 5 years of data for Esports and NFL viewership</a:t>
+            </a:r>
+          </a:p>
+          <a:p>
+            <a:pPr marL="742950" lvl="1" indent="-285750">
+              <a:buFont typeface="Arial" panose="020B0604020202020204" pitchFamily="34" charset="0"/>
+              <a:buChar char="•"/>
+            </a:pPr>
+            <a:r>
+              <a:rPr lang="en-US" dirty="0">
+                <a:solidFill>
+                  <a:schemeClr val="bg1"/>
+                </a:solidFill>
+              </a:rPr>
+              <a:t>The Esports data includes the top 20 games </a:t>
+            </a:r>
+          </a:p>
+          <a:p>
+            <a:pPr marL="742950" lvl="1" indent="-285750">
+              <a:buFont typeface="Arial" panose="020B0604020202020204" pitchFamily="34" charset="0"/>
+              <a:buChar char="•"/>
+            </a:pPr>
+            <a:endParaRPr lang="en-US" dirty="0"/>
+          </a:p>
+        </p:txBody>
+      </p:sp>
     </p:spTree>
     <p:extLst>
       <p:ext uri="{BB962C8B-B14F-4D97-AF65-F5344CB8AC3E}">
-        <p14:creationId xmlns:p14="http://schemas.microsoft.com/office/powerpoint/2010/main" val="1084981323"/>
+        <p14:creationId xmlns:p14="http://schemas.microsoft.com/office/powerpoint/2010/main" val="990065307"/>
       </p:ext>
     </p:extLst>
   </p:cSld>

--- a/Presentation.pptx
+++ b/Presentation.pptx
@@ -22841,6 +22841,32 @@
       </p:grpSpPr>
       <p:sp>
         <p:nvSpPr>
+          <p:cNvPr id="11" name="Picture Placeholder 10" descr="picture placeholder">
+            <a:extLst>
+              <a:ext uri="{FF2B5EF4-FFF2-40B4-BE49-F238E27FC236}">
+                <a16:creationId xmlns:a16="http://schemas.microsoft.com/office/drawing/2014/main" id="{D352D547-51D6-4AC1-A9EC-8E1BA8F8B780}"/>
+              </a:ext>
+              <a:ext uri="{C183D7F6-B498-43B3-948B-1728B52AA6E4}">
+                <adec:decorative xmlns:adec="http://schemas.microsoft.com/office/drawing/2017/decorative" val="1"/>
+              </a:ext>
+            </a:extLst>
+          </p:cNvPr>
+          <p:cNvSpPr>
+            <a:spLocks noGrp="1"/>
+          </p:cNvSpPr>
+          <p:nvPr>
+            <p:ph type="pic" sz="quarter" idx="21"/>
+          </p:nvPr>
+        </p:nvSpPr>
+        <p:spPr>
+          <a:xfrm>
+            <a:off x="962517" y="1280558"/>
+            <a:ext cx="10292025" cy="5210884"/>
+          </a:xfrm>
+        </p:spPr>
+      </p:sp>
+      <p:sp>
+        <p:nvSpPr>
           <p:cNvPr id="39" name="Title 38">
             <a:extLst>
               <a:ext uri="{FF2B5EF4-FFF2-40B4-BE49-F238E27FC236}">
@@ -22871,32 +22897,6 @@
       </p:sp>
       <p:sp>
         <p:nvSpPr>
-          <p:cNvPr id="11" name="Picture Placeholder 10" descr="picture placeholder">
-            <a:extLst>
-              <a:ext uri="{FF2B5EF4-FFF2-40B4-BE49-F238E27FC236}">
-                <a16:creationId xmlns:a16="http://schemas.microsoft.com/office/drawing/2014/main" id="{D352D547-51D6-4AC1-A9EC-8E1BA8F8B780}"/>
-              </a:ext>
-              <a:ext uri="{C183D7F6-B498-43B3-948B-1728B52AA6E4}">
-                <adec:decorative xmlns:adec="http://schemas.microsoft.com/office/drawing/2017/decorative" val="1"/>
-              </a:ext>
-            </a:extLst>
-          </p:cNvPr>
-          <p:cNvSpPr>
-            <a:spLocks noGrp="1"/>
-          </p:cNvSpPr>
-          <p:nvPr>
-            <p:ph type="pic" sz="quarter" idx="21"/>
-          </p:nvPr>
-        </p:nvSpPr>
-        <p:spPr>
-          <a:xfrm>
-            <a:off x="953891" y="1280558"/>
-            <a:ext cx="10292025" cy="5210884"/>
-          </a:xfrm>
-        </p:spPr>
-      </p:sp>
-      <p:sp>
-        <p:nvSpPr>
           <p:cNvPr id="3" name="Slide Number Placeholder 2">
             <a:extLst>
               <a:ext uri="{FF2B5EF4-FFF2-40B4-BE49-F238E27FC236}">
@@ -22922,6 +22922,179 @@
               <a:pPr algn="r"/>
               <a:t>12</a:t>
             </a:fld>
+            <a:endParaRPr lang="en-US" dirty="0"/>
+          </a:p>
+        </p:txBody>
+      </p:sp>
+      <p:sp>
+        <p:nvSpPr>
+          <p:cNvPr id="2" name="TextBox 1">
+            <a:extLst>
+              <a:ext uri="{FF2B5EF4-FFF2-40B4-BE49-F238E27FC236}">
+                <a16:creationId xmlns:a16="http://schemas.microsoft.com/office/drawing/2014/main" id="{5FE1CEE6-D48E-AF63-6B51-38ED777D968C}"/>
+              </a:ext>
+            </a:extLst>
+          </p:cNvPr>
+          <p:cNvSpPr txBox="1"/>
+          <p:nvPr/>
+        </p:nvSpPr>
+        <p:spPr>
+          <a:xfrm>
+            <a:off x="962518" y="1545932"/>
+            <a:ext cx="10266966" cy="3970318"/>
+          </a:xfrm>
+          <a:prstGeom prst="rect">
+            <a:avLst/>
+          </a:prstGeom>
+          <a:noFill/>
+        </p:spPr>
+        <p:txBody>
+          <a:bodyPr wrap="square" rtlCol="0">
+            <a:spAutoFit/>
+          </a:bodyPr>
+          <a:lstStyle/>
+          <a:p>
+            <a:pPr marL="285750" indent="-285750">
+              <a:buFont typeface="Arial" panose="020B0604020202020204" pitchFamily="34" charset="0"/>
+              <a:buChar char="•"/>
+            </a:pPr>
+            <a:r>
+              <a:rPr lang="en-US" dirty="0">
+                <a:solidFill>
+                  <a:schemeClr val="bg1"/>
+                </a:solidFill>
+              </a:rPr>
+              <a:t>NFL</a:t>
+            </a:r>
+          </a:p>
+          <a:p>
+            <a:r>
+              <a:rPr lang="en-US" dirty="0">
+                <a:hlinkClick r:id="rId2"/>
+              </a:rPr>
+              <a:t>2021 NFL television ratings, viewership - Sports Media Watch</a:t>
+            </a:r>
+            <a:endParaRPr lang="en-US" dirty="0"/>
+          </a:p>
+          <a:p>
+            <a:r>
+              <a:rPr lang="en-US" dirty="0">
+                <a:hlinkClick r:id="rId3"/>
+              </a:rPr>
+              <a:t>2020 NFL television ratings, viewership - Sports Media Watch</a:t>
+            </a:r>
+            <a:endParaRPr lang="en-US" dirty="0"/>
+          </a:p>
+          <a:p>
+            <a:r>
+              <a:rPr lang="en-US" dirty="0">
+                <a:hlinkClick r:id="rId4"/>
+              </a:rPr>
+              <a:t>2019 NFL TV ratings and viewership - Sports Media Watch</a:t>
+            </a:r>
+            <a:endParaRPr lang="en-US" dirty="0"/>
+          </a:p>
+          <a:p>
+            <a:r>
+              <a:rPr lang="en-US" dirty="0">
+                <a:hlinkClick r:id="rId5"/>
+              </a:rPr>
+              <a:t>2018 NFL TV ratings and viewership - Sports Media Watch</a:t>
+            </a:r>
+            <a:endParaRPr lang="en-US" dirty="0"/>
+          </a:p>
+          <a:p>
+            <a:r>
+              <a:rPr lang="en-US" dirty="0">
+                <a:hlinkClick r:id="rId6"/>
+              </a:rPr>
+              <a:t>2017 NFL TV Ratings - Sports Media Watch</a:t>
+            </a:r>
+            <a:endParaRPr lang="en-US" dirty="0">
+              <a:solidFill>
+                <a:schemeClr val="bg1"/>
+              </a:solidFill>
+            </a:endParaRPr>
+          </a:p>
+          <a:p>
+            <a:pPr marL="285750" indent="-285750">
+              <a:buFont typeface="Arial" panose="020B0604020202020204" pitchFamily="34" charset="0"/>
+              <a:buChar char="•"/>
+            </a:pPr>
+            <a:endParaRPr lang="en-US" dirty="0">
+              <a:solidFill>
+                <a:schemeClr val="bg1"/>
+              </a:solidFill>
+            </a:endParaRPr>
+          </a:p>
+          <a:p>
+            <a:pPr marL="285750" indent="-285750">
+              <a:buFont typeface="Arial" panose="020B0604020202020204" pitchFamily="34" charset="0"/>
+              <a:buChar char="•"/>
+            </a:pPr>
+            <a:r>
+              <a:rPr lang="en-US" dirty="0">
+                <a:solidFill>
+                  <a:schemeClr val="bg1"/>
+                </a:solidFill>
+              </a:rPr>
+              <a:t>Esports</a:t>
+            </a:r>
+          </a:p>
+          <a:p>
+            <a:r>
+              <a:rPr lang="en-US" dirty="0">
+                <a:hlinkClick r:id="rId7"/>
+              </a:rPr>
+              <a:t>Most Popular Esports Games 2021 | Esports Charts (escharts.com)</a:t>
+            </a:r>
+            <a:endParaRPr lang="en-US" dirty="0"/>
+          </a:p>
+          <a:p>
+            <a:r>
+              <a:rPr lang="en-US" dirty="0">
+                <a:hlinkClick r:id="rId8"/>
+              </a:rPr>
+              <a:t>Most Popular Esports Games 2020 | Esports Charts (escharts.com)</a:t>
+            </a:r>
+            <a:endParaRPr lang="en-US" dirty="0"/>
+          </a:p>
+          <a:p>
+            <a:r>
+              <a:rPr lang="en-US" dirty="0">
+                <a:hlinkClick r:id="rId9"/>
+              </a:rPr>
+              <a:t>Most Popular Esports Games 2019 | Esports Charts (escharts.com)</a:t>
+            </a:r>
+            <a:endParaRPr lang="en-US" dirty="0"/>
+          </a:p>
+          <a:p>
+            <a:r>
+              <a:rPr lang="en-US" dirty="0">
+                <a:hlinkClick r:id="rId10"/>
+              </a:rPr>
+              <a:t>Most Popular Esports Games 2018 | Esports Charts (escharts.com)</a:t>
+            </a:r>
+            <a:endParaRPr lang="en-US" dirty="0"/>
+          </a:p>
+          <a:p>
+            <a:r>
+              <a:rPr lang="en-US" dirty="0">
+                <a:hlinkClick r:id="rId11"/>
+              </a:rPr>
+              <a:t>Most Popular Esports Games 2017 | Esports Charts (escharts.com)</a:t>
+            </a:r>
+            <a:endParaRPr lang="en-US" dirty="0">
+              <a:solidFill>
+                <a:schemeClr val="bg1"/>
+              </a:solidFill>
+            </a:endParaRPr>
+          </a:p>
+          <a:p>
+            <a:pPr marL="742950" lvl="1" indent="-285750">
+              <a:buFont typeface="Arial" panose="020B0604020202020204" pitchFamily="34" charset="0"/>
+              <a:buChar char="•"/>
+            </a:pPr>
             <a:endParaRPr lang="en-US" dirty="0"/>
           </a:p>
         </p:txBody>
@@ -27454,20 +27627,20 @@
 </file>
 
 <file path=customXml/item1.xml><?xml version="1.0" encoding="utf-8"?>
-<p:properties xmlns:p="http://schemas.microsoft.com/office/2006/metadata/properties" xmlns:xsi="http://www.w3.org/2001/XMLSchema-instance" xmlns:pc="http://schemas.microsoft.com/office/infopath/2007/PartnerControls">
-  <documentManagement>
-    <MediaServiceKeyPoints xmlns="71af3243-3dd4-4a8d-8c0d-dd76da1f02a5" xsi:nil="true"/>
-  </documentManagement>
-</p:properties>
-</file>
-
-<file path=customXml/item2.xml><?xml version="1.0" encoding="utf-8"?>
 <?mso-contentType ?>
 <FormTemplates xmlns="http://schemas.microsoft.com/sharepoint/v3/contenttype/forms">
   <Display>DocumentLibraryForm</Display>
   <Edit>DocumentLibraryForm</Edit>
   <New>DocumentLibraryForm</New>
 </FormTemplates>
+</file>
+
+<file path=customXml/item2.xml><?xml version="1.0" encoding="utf-8"?>
+<p:properties xmlns:p="http://schemas.microsoft.com/office/2006/metadata/properties" xmlns:xsi="http://www.w3.org/2001/XMLSchema-instance" xmlns:pc="http://schemas.microsoft.com/office/infopath/2007/PartnerControls">
+  <documentManagement>
+    <MediaServiceKeyPoints xmlns="71af3243-3dd4-4a8d-8c0d-dd76da1f02a5" xsi:nil="true"/>
+  </documentManagement>
+</p:properties>
 </file>
 
 <file path=customXml/item3.xml><?xml version="1.0" encoding="utf-8"?>
@@ -27682,19 +27855,19 @@
 </file>
 
 <file path=customXml/itemProps1.xml><?xml version="1.0" encoding="utf-8"?>
+<ds:datastoreItem xmlns:ds="http://schemas.openxmlformats.org/officeDocument/2006/customXml" ds:itemID="{F5F46E71-9D96-4DD5-A076-0B2F475269D7}">
+  <ds:schemaRefs>
+    <ds:schemaRef ds:uri="http://schemas.microsoft.com/sharepoint/v3/contenttype/forms"/>
+  </ds:schemaRefs>
+</ds:datastoreItem>
+</file>
+
+<file path=customXml/itemProps2.xml><?xml version="1.0" encoding="utf-8"?>
 <ds:datastoreItem xmlns:ds="http://schemas.openxmlformats.org/officeDocument/2006/customXml" ds:itemID="{F9784B4D-2F44-455C-B347-CDAF49D085A1}">
   <ds:schemaRefs>
     <ds:schemaRef ds:uri="http://schemas.microsoft.com/office/2006/metadata/properties"/>
     <ds:schemaRef ds:uri="http://schemas.microsoft.com/office/infopath/2007/PartnerControls"/>
     <ds:schemaRef ds:uri="71af3243-3dd4-4a8d-8c0d-dd76da1f02a5"/>
-  </ds:schemaRefs>
-</ds:datastoreItem>
-</file>
-
-<file path=customXml/itemProps2.xml><?xml version="1.0" encoding="utf-8"?>
-<ds:datastoreItem xmlns:ds="http://schemas.openxmlformats.org/officeDocument/2006/customXml" ds:itemID="{F5F46E71-9D96-4DD5-A076-0B2F475269D7}">
-  <ds:schemaRefs>
-    <ds:schemaRef ds:uri="http://schemas.microsoft.com/sharepoint/v3/contenttype/forms"/>
   </ds:schemaRefs>
 </ds:datastoreItem>
 </file>
